--- a/Slides/Lesson 7.4 Case Study-- Undefined Variables.pptx
+++ b/Slides/Lesson 7.4 Case Study-- Undefined Variables.pptx
@@ -5,7 +5,7 @@
     <p:sldMasterId id="2147483690" r:id="rId1"/>
   </p:sldMasterIdLst>
   <p:notesMasterIdLst>
-    <p:notesMasterId r:id="rId31"/>
+    <p:notesMasterId r:id="rId32"/>
   </p:notesMasterIdLst>
   <p:sldIdLst>
     <p:sldId id="271" r:id="rId2"/>
@@ -28,20 +28,21 @@
     <p:sldId id="384" r:id="rId19"/>
     <p:sldId id="385" r:id="rId20"/>
     <p:sldId id="382" r:id="rId21"/>
-    <p:sldId id="367" r:id="rId22"/>
-    <p:sldId id="368" r:id="rId23"/>
-    <p:sldId id="381" r:id="rId24"/>
-    <p:sldId id="370" r:id="rId25"/>
-    <p:sldId id="371" r:id="rId26"/>
-    <p:sldId id="383" r:id="rId27"/>
-    <p:sldId id="372" r:id="rId28"/>
-    <p:sldId id="373" r:id="rId29"/>
-    <p:sldId id="379" r:id="rId30"/>
+    <p:sldId id="399" r:id="rId22"/>
+    <p:sldId id="400" r:id="rId23"/>
+    <p:sldId id="401" r:id="rId24"/>
+    <p:sldId id="402" r:id="rId25"/>
+    <p:sldId id="403" r:id="rId26"/>
+    <p:sldId id="404" r:id="rId27"/>
+    <p:sldId id="405" r:id="rId28"/>
+    <p:sldId id="406" r:id="rId29"/>
+    <p:sldId id="407" r:id="rId30"/>
+    <p:sldId id="379" r:id="rId31"/>
   </p:sldIdLst>
   <p:sldSz cx="9144000" cy="6858000" type="screen4x3"/>
   <p:notesSz cx="6858000" cy="9144000"/>
   <p:custDataLst>
-    <p:tags r:id="rId32"/>
+    <p:tags r:id="rId33"/>
   </p:custDataLst>
   <p:defaultTextStyle>
     <a:defPPr>
@@ -5624,6 +5625,1629 @@
           </a:p>
         </p:txBody>
       </p:sp>
+      <p:grpSp>
+        <p:nvGrpSpPr>
+          <p:cNvPr id="52" name="Group 51"/>
+          <p:cNvGrpSpPr/>
+          <p:nvPr/>
+        </p:nvGrpSpPr>
+        <p:grpSpPr>
+          <a:xfrm>
+            <a:off x="762000" y="1524000"/>
+            <a:ext cx="7083669" cy="4930736"/>
+            <a:chOff x="1905000" y="1516085"/>
+            <a:chExt cx="7083669" cy="4930736"/>
+          </a:xfrm>
+        </p:grpSpPr>
+        <p:sp>
+          <p:nvSpPr>
+            <p:cNvPr id="6" name="Rectangle 5"/>
+            <p:cNvSpPr/>
+            <p:nvPr/>
+          </p:nvSpPr>
+          <p:spPr>
+            <a:xfrm>
+              <a:off x="4058009" y="4682696"/>
+              <a:ext cx="1600200" cy="533400"/>
+            </a:xfrm>
+            <a:prstGeom prst="rect">
+              <a:avLst/>
+            </a:prstGeom>
+            <a:noFill/>
+            <a:ln w="12700">
+              <a:solidFill>
+                <a:schemeClr val="tx1"/>
+              </a:solidFill>
+            </a:ln>
+          </p:spPr>
+          <p:style>
+            <a:lnRef idx="2">
+              <a:schemeClr val="accent1"/>
+            </a:lnRef>
+            <a:fillRef idx="1">
+              <a:schemeClr val="lt1"/>
+            </a:fillRef>
+            <a:effectRef idx="0">
+              <a:schemeClr val="accent1"/>
+            </a:effectRef>
+            <a:fontRef idx="minor">
+              <a:schemeClr val="dk1"/>
+            </a:fontRef>
+          </p:style>
+          <p:txBody>
+            <a:bodyPr rot="0" spcFirstLastPara="0" vertOverflow="overflow" horzOverflow="overflow" vert="horz" wrap="square" lIns="91440" tIns="45720" rIns="91440" bIns="45720" numCol="1" spcCol="0" rtlCol="0" fromWordArt="0" anchor="ctr" anchorCtr="0" forceAA="0" compatLnSpc="1">
+              <a:prstTxWarp prst="textNoShape">
+                <a:avLst/>
+              </a:prstTxWarp>
+              <a:noAutofit/>
+            </a:bodyPr>
+            <a:lstStyle/>
+            <a:p>
+              <a:pPr algn="ctr"/>
+              <a:r>
+                <a:rPr lang="en-US" dirty="0">
+                  <a:solidFill>
+                    <a:schemeClr val="tx1"/>
+                  </a:solidFill>
+                </a:rPr>
+                <a:t>Variable</a:t>
+              </a:r>
+            </a:p>
+          </p:txBody>
+        </p:sp>
+        <p:sp>
+          <p:nvSpPr>
+            <p:cNvPr id="7" name="Rectangle 6"/>
+            <p:cNvSpPr/>
+            <p:nvPr/>
+          </p:nvSpPr>
+          <p:spPr>
+            <a:xfrm>
+              <a:off x="6019800" y="4682696"/>
+              <a:ext cx="1600200" cy="533400"/>
+            </a:xfrm>
+            <a:prstGeom prst="rect">
+              <a:avLst/>
+            </a:prstGeom>
+            <a:noFill/>
+            <a:ln w="12700">
+              <a:solidFill>
+                <a:schemeClr val="tx1"/>
+              </a:solidFill>
+            </a:ln>
+          </p:spPr>
+          <p:style>
+            <a:lnRef idx="2">
+              <a:schemeClr val="accent1"/>
+            </a:lnRef>
+            <a:fillRef idx="1">
+              <a:schemeClr val="lt1"/>
+            </a:fillRef>
+            <a:effectRef idx="0">
+              <a:schemeClr val="accent1"/>
+            </a:effectRef>
+            <a:fontRef idx="minor">
+              <a:schemeClr val="dk1"/>
+            </a:fontRef>
+          </p:style>
+          <p:txBody>
+            <a:bodyPr rot="0" spcFirstLastPara="0" vertOverflow="overflow" horzOverflow="overflow" vert="horz" wrap="square" lIns="91440" tIns="45720" rIns="91440" bIns="45720" numCol="1" spcCol="0" rtlCol="0" fromWordArt="0" anchor="ctr" anchorCtr="0" forceAA="0" compatLnSpc="1">
+              <a:prstTxWarp prst="textNoShape">
+                <a:avLst/>
+              </a:prstTxWarp>
+              <a:noAutofit/>
+            </a:bodyPr>
+            <a:lstStyle/>
+            <a:p>
+              <a:pPr algn="ctr"/>
+              <a:r>
+                <a:rPr lang="en-US" dirty="0">
+                  <a:solidFill>
+                    <a:schemeClr val="tx1"/>
+                  </a:solidFill>
+                </a:rPr>
+                <a:t>Application</a:t>
+              </a:r>
+            </a:p>
+          </p:txBody>
+        </p:sp>
+        <p:sp>
+          <p:nvSpPr>
+            <p:cNvPr id="8" name="Rectangle 7"/>
+            <p:cNvSpPr/>
+            <p:nvPr/>
+          </p:nvSpPr>
+          <p:spPr>
+            <a:xfrm>
+              <a:off x="5638800" y="3746877"/>
+              <a:ext cx="1600200" cy="533400"/>
+            </a:xfrm>
+            <a:prstGeom prst="rect">
+              <a:avLst/>
+            </a:prstGeom>
+            <a:noFill/>
+            <a:ln w="12700">
+              <a:solidFill>
+                <a:schemeClr val="tx1"/>
+              </a:solidFill>
+            </a:ln>
+          </p:spPr>
+          <p:style>
+            <a:lnRef idx="2">
+              <a:schemeClr val="accent1"/>
+            </a:lnRef>
+            <a:fillRef idx="1">
+              <a:schemeClr val="lt1"/>
+            </a:fillRef>
+            <a:effectRef idx="0">
+              <a:schemeClr val="accent1"/>
+            </a:effectRef>
+            <a:fontRef idx="minor">
+              <a:schemeClr val="dk1"/>
+            </a:fontRef>
+          </p:style>
+          <p:txBody>
+            <a:bodyPr rot="0" spcFirstLastPara="0" vertOverflow="overflow" horzOverflow="overflow" vert="horz" wrap="square" lIns="91440" tIns="45720" rIns="91440" bIns="45720" numCol="1" spcCol="0" rtlCol="0" fromWordArt="0" anchor="ctr" anchorCtr="0" forceAA="0" compatLnSpc="1">
+              <a:prstTxWarp prst="textNoShape">
+                <a:avLst/>
+              </a:prstTxWarp>
+              <a:noAutofit/>
+            </a:bodyPr>
+            <a:lstStyle/>
+            <a:p>
+              <a:pPr algn="ctr"/>
+              <a:r>
+                <a:rPr lang="en-US" dirty="0">
+                  <a:solidFill>
+                    <a:schemeClr val="tx1"/>
+                  </a:solidFill>
+                </a:rPr>
+                <a:t>Expression</a:t>
+              </a:r>
+            </a:p>
+          </p:txBody>
+        </p:sp>
+        <p:sp>
+          <p:nvSpPr>
+            <p:cNvPr id="9" name="Rectangle 8"/>
+            <p:cNvSpPr/>
+            <p:nvPr/>
+          </p:nvSpPr>
+          <p:spPr>
+            <a:xfrm>
+              <a:off x="3771900" y="3754536"/>
+              <a:ext cx="1600200" cy="533400"/>
+            </a:xfrm>
+            <a:prstGeom prst="rect">
+              <a:avLst/>
+            </a:prstGeom>
+            <a:noFill/>
+            <a:ln w="12700">
+              <a:solidFill>
+                <a:schemeClr val="tx1"/>
+              </a:solidFill>
+            </a:ln>
+          </p:spPr>
+          <p:style>
+            <a:lnRef idx="2">
+              <a:schemeClr val="accent1"/>
+            </a:lnRef>
+            <a:fillRef idx="1">
+              <a:schemeClr val="lt1"/>
+            </a:fillRef>
+            <a:effectRef idx="0">
+              <a:schemeClr val="accent1"/>
+            </a:effectRef>
+            <a:fontRef idx="minor">
+              <a:schemeClr val="dk1"/>
+            </a:fontRef>
+          </p:style>
+          <p:txBody>
+            <a:bodyPr rot="0" spcFirstLastPara="0" vertOverflow="overflow" horzOverflow="overflow" vert="horz" wrap="square" lIns="91440" tIns="45720" rIns="91440" bIns="45720" numCol="1" spcCol="0" rtlCol="0" fromWordArt="0" anchor="ctr" anchorCtr="0" forceAA="0" compatLnSpc="1">
+              <a:prstTxWarp prst="textNoShape">
+                <a:avLst/>
+              </a:prstTxWarp>
+              <a:noAutofit/>
+            </a:bodyPr>
+            <a:lstStyle/>
+            <a:p>
+              <a:pPr algn="ctr"/>
+              <a:r>
+                <a:rPr lang="en-US" dirty="0" err="1">
+                  <a:solidFill>
+                    <a:schemeClr val="tx1"/>
+                  </a:solidFill>
+                </a:rPr>
+                <a:t>ListOfVariable</a:t>
+              </a:r>
+              <a:endParaRPr lang="en-US" dirty="0">
+                <a:solidFill>
+                  <a:schemeClr val="tx1"/>
+                </a:solidFill>
+              </a:endParaRPr>
+            </a:p>
+          </p:txBody>
+        </p:sp>
+        <p:sp>
+          <p:nvSpPr>
+            <p:cNvPr id="10" name="Rectangle 9"/>
+            <p:cNvSpPr/>
+            <p:nvPr/>
+          </p:nvSpPr>
+          <p:spPr>
+            <a:xfrm>
+              <a:off x="1905000" y="3754536"/>
+              <a:ext cx="1600200" cy="533400"/>
+            </a:xfrm>
+            <a:prstGeom prst="rect">
+              <a:avLst/>
+            </a:prstGeom>
+            <a:noFill/>
+            <a:ln w="12700">
+              <a:solidFill>
+                <a:schemeClr val="tx1"/>
+              </a:solidFill>
+            </a:ln>
+          </p:spPr>
+          <p:style>
+            <a:lnRef idx="2">
+              <a:schemeClr val="accent1"/>
+            </a:lnRef>
+            <a:fillRef idx="1">
+              <a:schemeClr val="lt1"/>
+            </a:fillRef>
+            <a:effectRef idx="0">
+              <a:schemeClr val="accent1"/>
+            </a:effectRef>
+            <a:fontRef idx="minor">
+              <a:schemeClr val="dk1"/>
+            </a:fontRef>
+          </p:style>
+          <p:txBody>
+            <a:bodyPr rot="0" spcFirstLastPara="0" vertOverflow="overflow" horzOverflow="overflow" vert="horz" wrap="square" lIns="91440" tIns="45720" rIns="91440" bIns="45720" numCol="1" spcCol="0" rtlCol="0" fromWordArt="0" anchor="ctr" anchorCtr="0" forceAA="0" compatLnSpc="1">
+              <a:prstTxWarp prst="textNoShape">
+                <a:avLst/>
+              </a:prstTxWarp>
+              <a:noAutofit/>
+            </a:bodyPr>
+            <a:lstStyle/>
+            <a:p>
+              <a:pPr algn="ctr"/>
+              <a:r>
+                <a:rPr lang="en-US" dirty="0">
+                  <a:solidFill>
+                    <a:schemeClr val="tx1"/>
+                  </a:solidFill>
+                </a:rPr>
+                <a:t>Variable</a:t>
+              </a:r>
+            </a:p>
+          </p:txBody>
+        </p:sp>
+        <p:sp>
+          <p:nvSpPr>
+            <p:cNvPr id="11" name="Rectangle 10"/>
+            <p:cNvSpPr/>
+            <p:nvPr/>
+          </p:nvSpPr>
+          <p:spPr>
+            <a:xfrm>
+              <a:off x="3771900" y="3016393"/>
+              <a:ext cx="1600200" cy="533400"/>
+            </a:xfrm>
+            <a:prstGeom prst="rect">
+              <a:avLst/>
+            </a:prstGeom>
+            <a:noFill/>
+            <a:ln w="12700">
+              <a:solidFill>
+                <a:schemeClr val="tx1"/>
+              </a:solidFill>
+            </a:ln>
+          </p:spPr>
+          <p:style>
+            <a:lnRef idx="2">
+              <a:schemeClr val="accent1"/>
+            </a:lnRef>
+            <a:fillRef idx="1">
+              <a:schemeClr val="lt1"/>
+            </a:fillRef>
+            <a:effectRef idx="0">
+              <a:schemeClr val="accent1"/>
+            </a:effectRef>
+            <a:fontRef idx="minor">
+              <a:schemeClr val="dk1"/>
+            </a:fontRef>
+          </p:style>
+          <p:txBody>
+            <a:bodyPr rot="0" spcFirstLastPara="0" vertOverflow="overflow" horzOverflow="overflow" vert="horz" wrap="square" lIns="91440" tIns="45720" rIns="91440" bIns="45720" numCol="1" spcCol="0" rtlCol="0" fromWordArt="0" anchor="ctr" anchorCtr="0" forceAA="0" compatLnSpc="1">
+              <a:prstTxWarp prst="textNoShape">
+                <a:avLst/>
+              </a:prstTxWarp>
+              <a:noAutofit/>
+            </a:bodyPr>
+            <a:lstStyle/>
+            <a:p>
+              <a:pPr algn="ctr"/>
+              <a:r>
+                <a:rPr lang="en-US" dirty="0">
+                  <a:solidFill>
+                    <a:schemeClr val="tx1"/>
+                  </a:solidFill>
+                </a:rPr>
+                <a:t>Definition</a:t>
+              </a:r>
+            </a:p>
+          </p:txBody>
+        </p:sp>
+        <p:sp>
+          <p:nvSpPr>
+            <p:cNvPr id="12" name="Rectangle 11"/>
+            <p:cNvSpPr/>
+            <p:nvPr/>
+          </p:nvSpPr>
+          <p:spPr>
+            <a:xfrm>
+              <a:off x="3695700" y="2219566"/>
+              <a:ext cx="1752600" cy="533400"/>
+            </a:xfrm>
+            <a:prstGeom prst="rect">
+              <a:avLst/>
+            </a:prstGeom>
+            <a:noFill/>
+            <a:ln w="12700">
+              <a:solidFill>
+                <a:schemeClr val="tx1"/>
+              </a:solidFill>
+            </a:ln>
+          </p:spPr>
+          <p:style>
+            <a:lnRef idx="2">
+              <a:schemeClr val="accent1"/>
+            </a:lnRef>
+            <a:fillRef idx="1">
+              <a:schemeClr val="lt1"/>
+            </a:fillRef>
+            <a:effectRef idx="0">
+              <a:schemeClr val="accent1"/>
+            </a:effectRef>
+            <a:fontRef idx="minor">
+              <a:schemeClr val="dk1"/>
+            </a:fontRef>
+          </p:style>
+          <p:txBody>
+            <a:bodyPr rot="0" spcFirstLastPara="0" vertOverflow="overflow" horzOverflow="overflow" vert="horz" wrap="square" lIns="91440" tIns="45720" rIns="91440" bIns="45720" numCol="1" spcCol="0" rtlCol="0" fromWordArt="0" anchor="ctr" anchorCtr="0" forceAA="0" compatLnSpc="1">
+              <a:prstTxWarp prst="textNoShape">
+                <a:avLst/>
+              </a:prstTxWarp>
+              <a:noAutofit/>
+            </a:bodyPr>
+            <a:lstStyle/>
+            <a:p>
+              <a:pPr algn="ctr"/>
+              <a:r>
+                <a:rPr lang="en-US" dirty="0" err="1">
+                  <a:solidFill>
+                    <a:schemeClr val="tx1"/>
+                  </a:solidFill>
+                </a:rPr>
+                <a:t>ListOfDefinition</a:t>
+              </a:r>
+              <a:endParaRPr lang="en-US" dirty="0">
+                <a:solidFill>
+                  <a:schemeClr val="tx1"/>
+                </a:solidFill>
+              </a:endParaRPr>
+            </a:p>
+          </p:txBody>
+        </p:sp>
+        <p:sp>
+          <p:nvSpPr>
+            <p:cNvPr id="13" name="Rectangle 12"/>
+            <p:cNvSpPr/>
+            <p:nvPr/>
+          </p:nvSpPr>
+          <p:spPr>
+            <a:xfrm>
+              <a:off x="3771900" y="1516085"/>
+              <a:ext cx="1600200" cy="533400"/>
+            </a:xfrm>
+            <a:prstGeom prst="rect">
+              <a:avLst/>
+            </a:prstGeom>
+            <a:noFill/>
+            <a:ln w="12700">
+              <a:solidFill>
+                <a:schemeClr val="tx1"/>
+              </a:solidFill>
+            </a:ln>
+          </p:spPr>
+          <p:style>
+            <a:lnRef idx="2">
+              <a:schemeClr val="accent1"/>
+            </a:lnRef>
+            <a:fillRef idx="1">
+              <a:schemeClr val="lt1"/>
+            </a:fillRef>
+            <a:effectRef idx="0">
+              <a:schemeClr val="accent1"/>
+            </a:effectRef>
+            <a:fontRef idx="minor">
+              <a:schemeClr val="dk1"/>
+            </a:fontRef>
+          </p:style>
+          <p:txBody>
+            <a:bodyPr rot="0" spcFirstLastPara="0" vertOverflow="overflow" horzOverflow="overflow" vert="horz" wrap="square" lIns="91440" tIns="45720" rIns="91440" bIns="45720" numCol="1" spcCol="0" rtlCol="0" fromWordArt="0" anchor="ctr" anchorCtr="0" forceAA="0" compatLnSpc="1">
+              <a:prstTxWarp prst="textNoShape">
+                <a:avLst/>
+              </a:prstTxWarp>
+              <a:noAutofit/>
+            </a:bodyPr>
+            <a:lstStyle/>
+            <a:p>
+              <a:pPr algn="ctr"/>
+              <a:r>
+                <a:rPr lang="en-US" dirty="0">
+                  <a:solidFill>
+                    <a:schemeClr val="tx1"/>
+                  </a:solidFill>
+                </a:rPr>
+                <a:t>Program</a:t>
+              </a:r>
+            </a:p>
+          </p:txBody>
+        </p:sp>
+        <p:sp>
+          <p:nvSpPr>
+            <p:cNvPr id="15" name="Rectangle 14"/>
+            <p:cNvSpPr/>
+            <p:nvPr/>
+          </p:nvSpPr>
+          <p:spPr>
+            <a:xfrm>
+              <a:off x="6819900" y="5449848"/>
+              <a:ext cx="1752600" cy="533400"/>
+            </a:xfrm>
+            <a:prstGeom prst="rect">
+              <a:avLst/>
+            </a:prstGeom>
+            <a:noFill/>
+            <a:ln w="12700">
+              <a:solidFill>
+                <a:schemeClr val="tx1"/>
+              </a:solidFill>
+            </a:ln>
+          </p:spPr>
+          <p:style>
+            <a:lnRef idx="2">
+              <a:schemeClr val="accent1"/>
+            </a:lnRef>
+            <a:fillRef idx="1">
+              <a:schemeClr val="lt1"/>
+            </a:fillRef>
+            <a:effectRef idx="0">
+              <a:schemeClr val="accent1"/>
+            </a:effectRef>
+            <a:fontRef idx="minor">
+              <a:schemeClr val="dk1"/>
+            </a:fontRef>
+          </p:style>
+          <p:txBody>
+            <a:bodyPr rot="0" spcFirstLastPara="0" vertOverflow="overflow" horzOverflow="overflow" vert="horz" wrap="square" lIns="91440" tIns="45720" rIns="91440" bIns="45720" numCol="1" spcCol="0" rtlCol="0" fromWordArt="0" anchor="ctr" anchorCtr="0" forceAA="0" compatLnSpc="1">
+              <a:prstTxWarp prst="textNoShape">
+                <a:avLst/>
+              </a:prstTxWarp>
+              <a:noAutofit/>
+            </a:bodyPr>
+            <a:lstStyle/>
+            <a:p>
+              <a:pPr algn="ctr"/>
+              <a:r>
+                <a:rPr lang="en-US" dirty="0" err="1">
+                  <a:solidFill>
+                    <a:schemeClr val="tx1"/>
+                  </a:solidFill>
+                </a:rPr>
+                <a:t>ListOfExpression</a:t>
+              </a:r>
+              <a:endParaRPr lang="en-US" dirty="0">
+                <a:solidFill>
+                  <a:schemeClr val="tx1"/>
+                </a:solidFill>
+              </a:endParaRPr>
+            </a:p>
+          </p:txBody>
+        </p:sp>
+        <p:sp>
+          <p:nvSpPr>
+            <p:cNvPr id="16" name="Rectangle 15"/>
+            <p:cNvSpPr/>
+            <p:nvPr/>
+          </p:nvSpPr>
+          <p:spPr>
+            <a:xfrm>
+              <a:off x="5029200" y="5463379"/>
+              <a:ext cx="1600200" cy="533400"/>
+            </a:xfrm>
+            <a:prstGeom prst="rect">
+              <a:avLst/>
+            </a:prstGeom>
+            <a:noFill/>
+            <a:ln w="12700">
+              <a:solidFill>
+                <a:schemeClr val="tx1"/>
+              </a:solidFill>
+            </a:ln>
+          </p:spPr>
+          <p:style>
+            <a:lnRef idx="2">
+              <a:schemeClr val="accent1"/>
+            </a:lnRef>
+            <a:fillRef idx="1">
+              <a:schemeClr val="lt1"/>
+            </a:fillRef>
+            <a:effectRef idx="0">
+              <a:schemeClr val="accent1"/>
+            </a:effectRef>
+            <a:fontRef idx="minor">
+              <a:schemeClr val="dk1"/>
+            </a:fontRef>
+          </p:style>
+          <p:txBody>
+            <a:bodyPr rot="0" spcFirstLastPara="0" vertOverflow="overflow" horzOverflow="overflow" vert="horz" wrap="square" lIns="91440" tIns="45720" rIns="91440" bIns="45720" numCol="1" spcCol="0" rtlCol="0" fromWordArt="0" anchor="ctr" anchorCtr="0" forceAA="0" compatLnSpc="1">
+              <a:prstTxWarp prst="textNoShape">
+                <a:avLst/>
+              </a:prstTxWarp>
+              <a:noAutofit/>
+            </a:bodyPr>
+            <a:lstStyle/>
+            <a:p>
+              <a:pPr algn="ctr"/>
+              <a:r>
+                <a:rPr lang="en-US" dirty="0">
+                  <a:solidFill>
+                    <a:schemeClr val="tx1"/>
+                  </a:solidFill>
+                </a:rPr>
+                <a:t>Variable</a:t>
+              </a:r>
+            </a:p>
+          </p:txBody>
+        </p:sp>
+        <p:cxnSp>
+          <p:nvCxnSpPr>
+            <p:cNvPr id="18" name="Straight Arrow Connector 17"/>
+            <p:cNvCxnSpPr>
+              <a:stCxn id="12" idx="0"/>
+              <a:endCxn id="13" idx="2"/>
+            </p:cNvCxnSpPr>
+            <p:nvPr/>
+          </p:nvCxnSpPr>
+          <p:spPr>
+            <a:xfrm flipV="1">
+              <a:off x="4572000" y="2049485"/>
+              <a:ext cx="0" cy="170081"/>
+            </a:xfrm>
+            <a:prstGeom prst="straightConnector1">
+              <a:avLst/>
+            </a:prstGeom>
+            <a:ln>
+              <a:tailEnd type="triangle"/>
+            </a:ln>
+          </p:spPr>
+          <p:style>
+            <a:lnRef idx="1">
+              <a:schemeClr val="accent1"/>
+            </a:lnRef>
+            <a:fillRef idx="0">
+              <a:schemeClr val="accent1"/>
+            </a:fillRef>
+            <a:effectRef idx="0">
+              <a:schemeClr val="accent1"/>
+            </a:effectRef>
+            <a:fontRef idx="minor">
+              <a:schemeClr val="tx1"/>
+            </a:fontRef>
+          </p:style>
+        </p:cxnSp>
+        <p:cxnSp>
+          <p:nvCxnSpPr>
+            <p:cNvPr id="20" name="Straight Arrow Connector 19"/>
+            <p:cNvCxnSpPr>
+              <a:stCxn id="11" idx="0"/>
+              <a:endCxn id="12" idx="2"/>
+            </p:cNvCxnSpPr>
+            <p:nvPr/>
+          </p:nvCxnSpPr>
+          <p:spPr>
+            <a:xfrm flipV="1">
+              <a:off x="4572000" y="2752966"/>
+              <a:ext cx="0" cy="263427"/>
+            </a:xfrm>
+            <a:prstGeom prst="straightConnector1">
+              <a:avLst/>
+            </a:prstGeom>
+            <a:ln>
+              <a:tailEnd type="triangle"/>
+            </a:ln>
+          </p:spPr>
+          <p:style>
+            <a:lnRef idx="1">
+              <a:schemeClr val="accent1"/>
+            </a:lnRef>
+            <a:fillRef idx="0">
+              <a:schemeClr val="accent1"/>
+            </a:fillRef>
+            <a:effectRef idx="0">
+              <a:schemeClr val="accent1"/>
+            </a:effectRef>
+            <a:fontRef idx="minor">
+              <a:schemeClr val="tx1"/>
+            </a:fontRef>
+          </p:style>
+        </p:cxnSp>
+        <p:grpSp>
+          <p:nvGrpSpPr>
+            <p:cNvPr id="51" name="Group 50"/>
+            <p:cNvGrpSpPr/>
+            <p:nvPr/>
+          </p:nvGrpSpPr>
+          <p:grpSpPr>
+            <a:xfrm>
+              <a:off x="5750169" y="2436642"/>
+              <a:ext cx="2708030" cy="646331"/>
+              <a:chOff x="5987562" y="2080670"/>
+              <a:chExt cx="2708030" cy="646331"/>
+            </a:xfrm>
+          </p:grpSpPr>
+          <p:sp>
+            <p:nvSpPr>
+              <p:cNvPr id="23" name="TextBox 22"/>
+              <p:cNvSpPr txBox="1"/>
+              <p:nvPr/>
+            </p:nvSpPr>
+            <p:spPr>
+              <a:xfrm>
+                <a:off x="6561992" y="2080670"/>
+                <a:ext cx="2133600" cy="646331"/>
+              </a:xfrm>
+              <a:prstGeom prst="rect">
+                <a:avLst/>
+              </a:prstGeom>
+              <a:solidFill>
+                <a:schemeClr val="accent1">
+                  <a:lumMod val="20000"/>
+                  <a:lumOff val="80000"/>
+                </a:schemeClr>
+              </a:solidFill>
+            </p:spPr>
+            <p:txBody>
+              <a:bodyPr wrap="square" rtlCol="0">
+                <a:spAutoFit/>
+              </a:bodyPr>
+              <a:lstStyle>
+                <a:defPPr>
+                  <a:defRPr lang="en-US"/>
+                </a:defPPr>
+                <a:lvl1pPr algn="r">
+                  <a:defRPr sz="1200"/>
+                </a:lvl1pPr>
+              </a:lstStyle>
+              <a:p>
+                <a:pPr algn="l"/>
+                <a:r>
+                  <a:rPr lang="en-US" dirty="0"/>
+                  <a:t>A </a:t>
+                </a:r>
+                <a:r>
+                  <a:rPr lang="en-US" dirty="0" err="1"/>
+                  <a:t>ListOfDefinitions</a:t>
+                </a:r>
+                <a:r>
+                  <a:rPr lang="en-US" dirty="0"/>
+                  <a:t> may contain a Definition and a </a:t>
+                </a:r>
+                <a:r>
+                  <a:rPr lang="en-US" dirty="0" err="1"/>
+                  <a:t>ListofDefinitions</a:t>
+                </a:r>
+                <a:endParaRPr lang="en-US" dirty="0"/>
+              </a:p>
+            </p:txBody>
+          </p:sp>
+          <p:sp>
+            <p:nvSpPr>
+              <p:cNvPr id="24" name="Freeform 23"/>
+              <p:cNvSpPr/>
+              <p:nvPr/>
+            </p:nvSpPr>
+            <p:spPr>
+              <a:xfrm>
+                <a:off x="5987562" y="2206960"/>
+                <a:ext cx="641838" cy="311072"/>
+              </a:xfrm>
+              <a:custGeom>
+                <a:avLst/>
+                <a:gdLst>
+                  <a:gd name="connsiteX0" fmla="*/ 562707 w 562707"/>
+                  <a:gd name="connsiteY0" fmla="*/ 189590 h 396415"/>
+                  <a:gd name="connsiteX1" fmla="*/ 483576 w 562707"/>
+                  <a:gd name="connsiteY1" fmla="*/ 391813 h 396415"/>
+                  <a:gd name="connsiteX2" fmla="*/ 281353 w 562707"/>
+                  <a:gd name="connsiteY2" fmla="*/ 13744 h 396415"/>
+                  <a:gd name="connsiteX3" fmla="*/ 0 w 562707"/>
+                  <a:gd name="connsiteY3" fmla="*/ 119251 h 396415"/>
+                  <a:gd name="connsiteX0" fmla="*/ 562707 w 562707"/>
+                  <a:gd name="connsiteY0" fmla="*/ 184549 h 317270"/>
+                  <a:gd name="connsiteX1" fmla="*/ 360483 w 562707"/>
+                  <a:gd name="connsiteY1" fmla="*/ 307641 h 317270"/>
+                  <a:gd name="connsiteX2" fmla="*/ 281353 w 562707"/>
+                  <a:gd name="connsiteY2" fmla="*/ 8703 h 317270"/>
+                  <a:gd name="connsiteX3" fmla="*/ 0 w 562707"/>
+                  <a:gd name="connsiteY3" fmla="*/ 114210 h 317270"/>
+                  <a:gd name="connsiteX0" fmla="*/ 562707 w 562707"/>
+                  <a:gd name="connsiteY0" fmla="*/ 184549 h 311072"/>
+                  <a:gd name="connsiteX1" fmla="*/ 360483 w 562707"/>
+                  <a:gd name="connsiteY1" fmla="*/ 307641 h 311072"/>
+                  <a:gd name="connsiteX2" fmla="*/ 281353 w 562707"/>
+                  <a:gd name="connsiteY2" fmla="*/ 8703 h 311072"/>
+                  <a:gd name="connsiteX3" fmla="*/ 0 w 562707"/>
+                  <a:gd name="connsiteY3" fmla="*/ 114210 h 311072"/>
+                </a:gdLst>
+                <a:ahLst/>
+                <a:cxnLst>
+                  <a:cxn ang="0">
+                    <a:pos x="connsiteX0" y="connsiteY0"/>
+                  </a:cxn>
+                  <a:cxn ang="0">
+                    <a:pos x="connsiteX1" y="connsiteY1"/>
+                  </a:cxn>
+                  <a:cxn ang="0">
+                    <a:pos x="connsiteX2" y="connsiteY2"/>
+                  </a:cxn>
+                  <a:cxn ang="0">
+                    <a:pos x="connsiteX3" y="connsiteY3"/>
+                  </a:cxn>
+                </a:cxnLst>
+                <a:rect l="l" t="t" r="r" b="b"/>
+                <a:pathLst>
+                  <a:path w="562707" h="311072">
+                    <a:moveTo>
+                      <a:pt x="562707" y="184549"/>
+                    </a:moveTo>
+                    <a:cubicBezTo>
+                      <a:pt x="449872" y="168430"/>
+                      <a:pt x="407375" y="336949"/>
+                      <a:pt x="360483" y="307641"/>
+                    </a:cubicBezTo>
+                    <a:cubicBezTo>
+                      <a:pt x="313591" y="278333"/>
+                      <a:pt x="341433" y="40941"/>
+                      <a:pt x="281353" y="8703"/>
+                    </a:cubicBezTo>
+                    <a:cubicBezTo>
+                      <a:pt x="221273" y="-23535"/>
+                      <a:pt x="100378" y="38743"/>
+                      <a:pt x="0" y="114210"/>
+                    </a:cubicBezTo>
+                  </a:path>
+                </a:pathLst>
+              </a:custGeom>
+              <a:noFill/>
+              <a:ln w="12700">
+                <a:solidFill>
+                  <a:schemeClr val="accent3"/>
+                </a:solidFill>
+                <a:tailEnd type="arrow"/>
+              </a:ln>
+            </p:spPr>
+            <p:style>
+              <a:lnRef idx="2">
+                <a:schemeClr val="accent1"/>
+              </a:lnRef>
+              <a:fillRef idx="1">
+                <a:schemeClr val="lt1"/>
+              </a:fillRef>
+              <a:effectRef idx="0">
+                <a:schemeClr val="accent1"/>
+              </a:effectRef>
+              <a:fontRef idx="minor">
+                <a:schemeClr val="dk1"/>
+              </a:fontRef>
+            </p:style>
+            <p:txBody>
+              <a:bodyPr rtlCol="0" anchor="ctr"/>
+              <a:lstStyle/>
+              <a:p>
+                <a:pPr algn="ctr"/>
+                <a:endParaRPr lang="en-US"/>
+              </a:p>
+            </p:txBody>
+          </p:sp>
+        </p:grpSp>
+        <p:cxnSp>
+          <p:nvCxnSpPr>
+            <p:cNvPr id="26" name="Straight Arrow Connector 25"/>
+            <p:cNvCxnSpPr>
+              <a:endCxn id="11" idx="2"/>
+            </p:cNvCxnSpPr>
+            <p:nvPr/>
+          </p:nvCxnSpPr>
+          <p:spPr>
+            <a:xfrm flipV="1">
+              <a:off x="2838450" y="3549793"/>
+              <a:ext cx="1733550" cy="204744"/>
+            </a:xfrm>
+            <a:prstGeom prst="straightConnector1">
+              <a:avLst/>
+            </a:prstGeom>
+            <a:ln>
+              <a:tailEnd type="triangle"/>
+            </a:ln>
+          </p:spPr>
+          <p:style>
+            <a:lnRef idx="1">
+              <a:schemeClr val="accent1"/>
+            </a:lnRef>
+            <a:fillRef idx="0">
+              <a:schemeClr val="accent1"/>
+            </a:fillRef>
+            <a:effectRef idx="0">
+              <a:schemeClr val="accent1"/>
+            </a:effectRef>
+            <a:fontRef idx="minor">
+              <a:schemeClr val="tx1"/>
+            </a:fontRef>
+          </p:style>
+        </p:cxnSp>
+        <p:cxnSp>
+          <p:nvCxnSpPr>
+            <p:cNvPr id="30" name="Straight Arrow Connector 29"/>
+            <p:cNvCxnSpPr>
+              <a:stCxn id="9" idx="0"/>
+              <a:endCxn id="11" idx="2"/>
+            </p:cNvCxnSpPr>
+            <p:nvPr/>
+          </p:nvCxnSpPr>
+          <p:spPr>
+            <a:xfrm flipV="1">
+              <a:off x="4572000" y="3549793"/>
+              <a:ext cx="0" cy="204743"/>
+            </a:xfrm>
+            <a:prstGeom prst="straightConnector1">
+              <a:avLst/>
+            </a:prstGeom>
+            <a:ln>
+              <a:tailEnd type="triangle"/>
+            </a:ln>
+          </p:spPr>
+          <p:style>
+            <a:lnRef idx="1">
+              <a:schemeClr val="accent1"/>
+            </a:lnRef>
+            <a:fillRef idx="0">
+              <a:schemeClr val="accent1"/>
+            </a:fillRef>
+            <a:effectRef idx="0">
+              <a:schemeClr val="accent1"/>
+            </a:effectRef>
+            <a:fontRef idx="minor">
+              <a:schemeClr val="tx1"/>
+            </a:fontRef>
+          </p:style>
+        </p:cxnSp>
+        <p:cxnSp>
+          <p:nvCxnSpPr>
+            <p:cNvPr id="37" name="Straight Arrow Connector 36"/>
+            <p:cNvCxnSpPr>
+              <a:stCxn id="8" idx="0"/>
+              <a:endCxn id="11" idx="2"/>
+            </p:cNvCxnSpPr>
+            <p:nvPr/>
+          </p:nvCxnSpPr>
+          <p:spPr>
+            <a:xfrm flipH="1" flipV="1">
+              <a:off x="4572000" y="3549793"/>
+              <a:ext cx="1866900" cy="197084"/>
+            </a:xfrm>
+            <a:prstGeom prst="straightConnector1">
+              <a:avLst/>
+            </a:prstGeom>
+            <a:ln>
+              <a:tailEnd type="triangle"/>
+            </a:ln>
+          </p:spPr>
+          <p:style>
+            <a:lnRef idx="1">
+              <a:schemeClr val="accent1"/>
+            </a:lnRef>
+            <a:fillRef idx="0">
+              <a:schemeClr val="accent1"/>
+            </a:fillRef>
+            <a:effectRef idx="0">
+              <a:schemeClr val="accent1"/>
+            </a:effectRef>
+            <a:fontRef idx="minor">
+              <a:schemeClr val="tx1"/>
+            </a:fontRef>
+          </p:style>
+        </p:cxnSp>
+        <p:cxnSp>
+          <p:nvCxnSpPr>
+            <p:cNvPr id="39" name="Straight Arrow Connector 38"/>
+            <p:cNvCxnSpPr>
+              <a:stCxn id="6" idx="0"/>
+              <a:endCxn id="8" idx="2"/>
+            </p:cNvCxnSpPr>
+            <p:nvPr/>
+          </p:nvCxnSpPr>
+          <p:spPr>
+            <a:xfrm flipV="1">
+              <a:off x="4858109" y="4280277"/>
+              <a:ext cx="1580791" cy="402419"/>
+            </a:xfrm>
+            <a:prstGeom prst="straightConnector1">
+              <a:avLst/>
+            </a:prstGeom>
+            <a:ln>
+              <a:tailEnd type="triangle"/>
+            </a:ln>
+          </p:spPr>
+          <p:style>
+            <a:lnRef idx="1">
+              <a:schemeClr val="accent1"/>
+            </a:lnRef>
+            <a:fillRef idx="0">
+              <a:schemeClr val="accent1"/>
+            </a:fillRef>
+            <a:effectRef idx="0">
+              <a:schemeClr val="accent1"/>
+            </a:effectRef>
+            <a:fontRef idx="minor">
+              <a:schemeClr val="tx1"/>
+            </a:fontRef>
+          </p:style>
+        </p:cxnSp>
+        <p:cxnSp>
+          <p:nvCxnSpPr>
+            <p:cNvPr id="41" name="Straight Arrow Connector 40"/>
+            <p:cNvCxnSpPr>
+              <a:stCxn id="7" idx="0"/>
+              <a:endCxn id="8" idx="2"/>
+            </p:cNvCxnSpPr>
+            <p:nvPr/>
+          </p:nvCxnSpPr>
+          <p:spPr>
+            <a:xfrm flipH="1" flipV="1">
+              <a:off x="6438900" y="4280277"/>
+              <a:ext cx="381000" cy="402419"/>
+            </a:xfrm>
+            <a:prstGeom prst="straightConnector1">
+              <a:avLst/>
+            </a:prstGeom>
+            <a:ln>
+              <a:tailEnd type="triangle"/>
+            </a:ln>
+          </p:spPr>
+          <p:style>
+            <a:lnRef idx="1">
+              <a:schemeClr val="accent1"/>
+            </a:lnRef>
+            <a:fillRef idx="0">
+              <a:schemeClr val="accent1"/>
+            </a:fillRef>
+            <a:effectRef idx="0">
+              <a:schemeClr val="accent1"/>
+            </a:effectRef>
+            <a:fontRef idx="minor">
+              <a:schemeClr val="tx1"/>
+            </a:fontRef>
+          </p:style>
+        </p:cxnSp>
+        <p:cxnSp>
+          <p:nvCxnSpPr>
+            <p:cNvPr id="43" name="Straight Arrow Connector 42"/>
+            <p:cNvCxnSpPr>
+              <a:stCxn id="16" idx="0"/>
+              <a:endCxn id="7" idx="2"/>
+            </p:cNvCxnSpPr>
+            <p:nvPr/>
+          </p:nvCxnSpPr>
+          <p:spPr>
+            <a:xfrm flipV="1">
+              <a:off x="5829300" y="5216096"/>
+              <a:ext cx="990600" cy="247283"/>
+            </a:xfrm>
+            <a:prstGeom prst="straightConnector1">
+              <a:avLst/>
+            </a:prstGeom>
+            <a:ln>
+              <a:tailEnd type="triangle"/>
+            </a:ln>
+          </p:spPr>
+          <p:style>
+            <a:lnRef idx="1">
+              <a:schemeClr val="accent1"/>
+            </a:lnRef>
+            <a:fillRef idx="0">
+              <a:schemeClr val="accent1"/>
+            </a:fillRef>
+            <a:effectRef idx="0">
+              <a:schemeClr val="accent1"/>
+            </a:effectRef>
+            <a:fontRef idx="minor">
+              <a:schemeClr val="tx1"/>
+            </a:fontRef>
+          </p:style>
+        </p:cxnSp>
+        <p:cxnSp>
+          <p:nvCxnSpPr>
+            <p:cNvPr id="45" name="Straight Arrow Connector 44"/>
+            <p:cNvCxnSpPr>
+              <a:stCxn id="15" idx="0"/>
+              <a:endCxn id="7" idx="2"/>
+            </p:cNvCxnSpPr>
+            <p:nvPr/>
+          </p:nvCxnSpPr>
+          <p:spPr>
+            <a:xfrm flipH="1" flipV="1">
+              <a:off x="6819900" y="5216096"/>
+              <a:ext cx="876300" cy="233752"/>
+            </a:xfrm>
+            <a:prstGeom prst="straightConnector1">
+              <a:avLst/>
+            </a:prstGeom>
+            <a:ln>
+              <a:tailEnd type="triangle"/>
+            </a:ln>
+          </p:spPr>
+          <p:style>
+            <a:lnRef idx="1">
+              <a:schemeClr val="accent1"/>
+            </a:lnRef>
+            <a:fillRef idx="0">
+              <a:schemeClr val="accent1"/>
+            </a:fillRef>
+            <a:effectRef idx="0">
+              <a:schemeClr val="accent1"/>
+            </a:effectRef>
+            <a:fontRef idx="minor">
+              <a:schemeClr val="tx1"/>
+            </a:fontRef>
+          </p:style>
+        </p:cxnSp>
+        <p:sp>
+          <p:nvSpPr>
+            <p:cNvPr id="47" name="Freeform 46"/>
+            <p:cNvSpPr/>
+            <p:nvPr/>
+          </p:nvSpPr>
+          <p:spPr>
+            <a:xfrm>
+              <a:off x="6356838" y="3340526"/>
+              <a:ext cx="1494693" cy="3106295"/>
+            </a:xfrm>
+            <a:custGeom>
+              <a:avLst/>
+              <a:gdLst>
+                <a:gd name="connsiteX0" fmla="*/ 0 w 1494693"/>
+                <a:gd name="connsiteY0" fmla="*/ 835306 h 3855199"/>
+                <a:gd name="connsiteX1" fmla="*/ 316524 w 1494693"/>
+                <a:gd name="connsiteY1" fmla="*/ 175883 h 3855199"/>
+                <a:gd name="connsiteX2" fmla="*/ 1230924 w 1494693"/>
+                <a:gd name="connsiteY2" fmla="*/ 3666429 h 3855199"/>
+                <a:gd name="connsiteX3" fmla="*/ 1494693 w 1494693"/>
+                <a:gd name="connsiteY3" fmla="*/ 3077345 h 3855199"/>
+                <a:gd name="connsiteX0" fmla="*/ 0 w 1494693"/>
+                <a:gd name="connsiteY0" fmla="*/ 429002 h 3407142"/>
+                <a:gd name="connsiteX1" fmla="*/ 457201 w 1494693"/>
+                <a:gd name="connsiteY1" fmla="*/ 349871 h 3407142"/>
+                <a:gd name="connsiteX2" fmla="*/ 1230924 w 1494693"/>
+                <a:gd name="connsiteY2" fmla="*/ 3260125 h 3407142"/>
+                <a:gd name="connsiteX3" fmla="*/ 1494693 w 1494693"/>
+                <a:gd name="connsiteY3" fmla="*/ 2671041 h 3407142"/>
+                <a:gd name="connsiteX0" fmla="*/ 0 w 1494693"/>
+                <a:gd name="connsiteY0" fmla="*/ 404997 h 3106295"/>
+                <a:gd name="connsiteX1" fmla="*/ 457201 w 1494693"/>
+                <a:gd name="connsiteY1" fmla="*/ 325866 h 3106295"/>
+                <a:gd name="connsiteX2" fmla="*/ 1081455 w 1494693"/>
+                <a:gd name="connsiteY2" fmla="*/ 2858051 h 3106295"/>
+                <a:gd name="connsiteX3" fmla="*/ 1494693 w 1494693"/>
+                <a:gd name="connsiteY3" fmla="*/ 2647036 h 3106295"/>
+              </a:gdLst>
+              <a:ahLst/>
+              <a:cxnLst>
+                <a:cxn ang="0">
+                  <a:pos x="connsiteX0" y="connsiteY0"/>
+                </a:cxn>
+                <a:cxn ang="0">
+                  <a:pos x="connsiteX1" y="connsiteY1"/>
+                </a:cxn>
+                <a:cxn ang="0">
+                  <a:pos x="connsiteX2" y="connsiteY2"/>
+                </a:cxn>
+                <a:cxn ang="0">
+                  <a:pos x="connsiteX3" y="connsiteY3"/>
+                </a:cxn>
+              </a:cxnLst>
+              <a:rect l="l" t="t" r="r" b="b"/>
+              <a:pathLst>
+                <a:path w="1494693" h="3106295">
+                  <a:moveTo>
+                    <a:pt x="0" y="404997"/>
+                  </a:moveTo>
+                  <a:cubicBezTo>
+                    <a:pt x="55685" y="-160642"/>
+                    <a:pt x="276959" y="-82976"/>
+                    <a:pt x="457201" y="325866"/>
+                  </a:cubicBezTo>
+                  <a:cubicBezTo>
+                    <a:pt x="637443" y="734708"/>
+                    <a:pt x="908540" y="2471189"/>
+                    <a:pt x="1081455" y="2858051"/>
+                  </a:cubicBezTo>
+                  <a:cubicBezTo>
+                    <a:pt x="1254370" y="3244913"/>
+                    <a:pt x="1460989" y="3183366"/>
+                    <a:pt x="1494693" y="2647036"/>
+                  </a:cubicBezTo>
+                </a:path>
+              </a:pathLst>
+            </a:custGeom>
+            <a:noFill/>
+            <a:ln w="12700">
+              <a:tailEnd type="triangle" w="med" len="med"/>
+            </a:ln>
+          </p:spPr>
+          <p:style>
+            <a:lnRef idx="2">
+              <a:schemeClr val="accent1"/>
+            </a:lnRef>
+            <a:fillRef idx="1">
+              <a:schemeClr val="lt1"/>
+            </a:fillRef>
+            <a:effectRef idx="0">
+              <a:schemeClr val="accent1"/>
+            </a:effectRef>
+            <a:fontRef idx="minor">
+              <a:schemeClr val="dk1"/>
+            </a:fontRef>
+          </p:style>
+          <p:txBody>
+            <a:bodyPr rtlCol="0" anchor="ctr"/>
+            <a:lstStyle/>
+            <a:p>
+              <a:pPr algn="ctr"/>
+              <a:endParaRPr lang="en-US"/>
+            </a:p>
+          </p:txBody>
+        </p:sp>
+        <p:sp>
+          <p:nvSpPr>
+            <p:cNvPr id="49" name="Arc 48"/>
+            <p:cNvSpPr/>
+            <p:nvPr/>
+          </p:nvSpPr>
+          <p:spPr>
+            <a:xfrm>
+              <a:off x="8153400" y="5730079"/>
+              <a:ext cx="835269" cy="626271"/>
+            </a:xfrm>
+            <a:prstGeom prst="arc">
+              <a:avLst>
+                <a:gd name="adj1" fmla="val 16200000"/>
+                <a:gd name="adj2" fmla="val 11142639"/>
+              </a:avLst>
+            </a:prstGeom>
+            <a:ln>
+              <a:tailEnd type="triangle"/>
+            </a:ln>
+          </p:spPr>
+          <p:style>
+            <a:lnRef idx="1">
+              <a:schemeClr val="accent1"/>
+            </a:lnRef>
+            <a:fillRef idx="0">
+              <a:schemeClr val="accent1"/>
+            </a:fillRef>
+            <a:effectRef idx="0">
+              <a:schemeClr val="accent1"/>
+            </a:effectRef>
+            <a:fontRef idx="minor">
+              <a:schemeClr val="tx1"/>
+            </a:fontRef>
+          </p:style>
+          <p:txBody>
+            <a:bodyPr rtlCol="0" anchor="ctr"/>
+            <a:lstStyle/>
+            <a:p>
+              <a:pPr algn="ctr"/>
+              <a:endParaRPr lang="en-US"/>
+            </a:p>
+          </p:txBody>
+        </p:sp>
+        <p:sp>
+          <p:nvSpPr>
+            <p:cNvPr id="50" name="Arc 49"/>
+            <p:cNvSpPr/>
+            <p:nvPr/>
+          </p:nvSpPr>
+          <p:spPr>
+            <a:xfrm>
+              <a:off x="5207976" y="2596896"/>
+              <a:ext cx="480647" cy="375037"/>
+            </a:xfrm>
+            <a:prstGeom prst="arc">
+              <a:avLst>
+                <a:gd name="adj1" fmla="val 16200000"/>
+                <a:gd name="adj2" fmla="val 11142639"/>
+              </a:avLst>
+            </a:prstGeom>
+            <a:ln>
+              <a:tailEnd type="triangle"/>
+            </a:ln>
+          </p:spPr>
+          <p:style>
+            <a:lnRef idx="1">
+              <a:schemeClr val="accent1"/>
+            </a:lnRef>
+            <a:fillRef idx="0">
+              <a:schemeClr val="accent1"/>
+            </a:fillRef>
+            <a:effectRef idx="0">
+              <a:schemeClr val="accent1"/>
+            </a:effectRef>
+            <a:fontRef idx="minor">
+              <a:schemeClr val="tx1"/>
+            </a:fontRef>
+          </p:style>
+          <p:txBody>
+            <a:bodyPr rtlCol="0" anchor="ctr"/>
+            <a:lstStyle/>
+            <a:p>
+              <a:pPr algn="ctr"/>
+              <a:endParaRPr lang="en-US"/>
+            </a:p>
+          </p:txBody>
+        </p:sp>
+      </p:grpSp>
+      <p:sp>
+        <p:nvSpPr>
+          <p:cNvPr id="54" name="TextBox 53"/>
+          <p:cNvSpPr txBox="1"/>
+          <p:nvPr/>
+        </p:nvSpPr>
+        <p:spPr>
+          <a:xfrm>
+            <a:off x="7426569" y="4777387"/>
+            <a:ext cx="1695809" cy="646331"/>
+          </a:xfrm>
+          <a:prstGeom prst="rect">
+            <a:avLst/>
+          </a:prstGeom>
+          <a:solidFill>
+            <a:schemeClr val="accent1">
+              <a:lumMod val="20000"/>
+              <a:lumOff val="80000"/>
+            </a:schemeClr>
+          </a:solidFill>
+        </p:spPr>
+        <p:txBody>
+          <a:bodyPr wrap="square" rtlCol="0">
+            <a:spAutoFit/>
+          </a:bodyPr>
+          <a:lstStyle/>
+          <a:p>
+            <a:r>
+              <a:rPr lang="en-US" sz="1200" dirty="0"/>
+              <a:t>A </a:t>
+            </a:r>
+            <a:r>
+              <a:rPr lang="en-US" sz="1200" dirty="0" err="1"/>
+              <a:t>ListOfExpression</a:t>
+            </a:r>
+            <a:r>
+              <a:rPr lang="en-US" sz="1200" dirty="0"/>
+              <a:t> may contain a Expression and a </a:t>
+            </a:r>
+            <a:r>
+              <a:rPr lang="en-US" sz="1200" dirty="0" err="1"/>
+              <a:t>ListofExpressions</a:t>
+            </a:r>
+            <a:endParaRPr lang="en-US" sz="1200" dirty="0"/>
+          </a:p>
+        </p:txBody>
+      </p:sp>
+      <p:sp>
+        <p:nvSpPr>
+          <p:cNvPr id="55" name="Freeform 54"/>
+          <p:cNvSpPr/>
+          <p:nvPr/>
+        </p:nvSpPr>
+        <p:spPr>
+          <a:xfrm>
+            <a:off x="7754815" y="5433646"/>
+            <a:ext cx="648108" cy="486400"/>
+          </a:xfrm>
+          <a:custGeom>
+            <a:avLst/>
+            <a:gdLst>
+              <a:gd name="connsiteX0" fmla="*/ 527539 w 648108"/>
+              <a:gd name="connsiteY0" fmla="*/ 0 h 486400"/>
+              <a:gd name="connsiteX1" fmla="*/ 633047 w 648108"/>
+              <a:gd name="connsiteY1" fmla="*/ 483577 h 486400"/>
+              <a:gd name="connsiteX2" fmla="*/ 237393 w 648108"/>
+              <a:gd name="connsiteY2" fmla="*/ 202223 h 486400"/>
+              <a:gd name="connsiteX3" fmla="*/ 0 w 648108"/>
+              <a:gd name="connsiteY3" fmla="*/ 263769 h 486400"/>
+            </a:gdLst>
+            <a:ahLst/>
+            <a:cxnLst>
+              <a:cxn ang="0">
+                <a:pos x="connsiteX0" y="connsiteY0"/>
+              </a:cxn>
+              <a:cxn ang="0">
+                <a:pos x="connsiteX1" y="connsiteY1"/>
+              </a:cxn>
+              <a:cxn ang="0">
+                <a:pos x="connsiteX2" y="connsiteY2"/>
+              </a:cxn>
+              <a:cxn ang="0">
+                <a:pos x="connsiteX3" y="connsiteY3"/>
+              </a:cxn>
+            </a:cxnLst>
+            <a:rect l="l" t="t" r="r" b="b"/>
+            <a:pathLst>
+              <a:path w="648108" h="486400">
+                <a:moveTo>
+                  <a:pt x="527539" y="0"/>
+                </a:moveTo>
+                <a:cubicBezTo>
+                  <a:pt x="604472" y="224936"/>
+                  <a:pt x="681405" y="449873"/>
+                  <a:pt x="633047" y="483577"/>
+                </a:cubicBezTo>
+                <a:cubicBezTo>
+                  <a:pt x="584689" y="517281"/>
+                  <a:pt x="342901" y="238858"/>
+                  <a:pt x="237393" y="202223"/>
+                </a:cubicBezTo>
+                <a:cubicBezTo>
+                  <a:pt x="131885" y="165588"/>
+                  <a:pt x="65942" y="214678"/>
+                  <a:pt x="0" y="263769"/>
+                </a:cubicBezTo>
+              </a:path>
+            </a:pathLst>
+          </a:custGeom>
+          <a:noFill/>
+          <a:ln w="12700">
+            <a:solidFill>
+              <a:schemeClr val="accent3"/>
+            </a:solidFill>
+            <a:tailEnd type="arrow"/>
+          </a:ln>
+        </p:spPr>
+        <p:style>
+          <a:lnRef idx="2">
+            <a:schemeClr val="accent1"/>
+          </a:lnRef>
+          <a:fillRef idx="1">
+            <a:schemeClr val="lt1"/>
+          </a:fillRef>
+          <a:effectRef idx="0">
+            <a:schemeClr val="accent1"/>
+          </a:effectRef>
+          <a:fontRef idx="minor">
+            <a:schemeClr val="dk1"/>
+          </a:fontRef>
+        </p:style>
+        <p:txBody>
+          <a:bodyPr rtlCol="0" anchor="ctr"/>
+          <a:lstStyle/>
+          <a:p>
+            <a:pPr algn="ctr"/>
+            <a:endParaRPr lang="en-US"/>
+          </a:p>
+        </p:txBody>
+      </p:sp>
+      <p:sp>
+        <p:nvSpPr>
+          <p:cNvPr id="56" name="Arc 55"/>
+          <p:cNvSpPr/>
+          <p:nvPr/>
+        </p:nvSpPr>
+        <p:spPr>
+          <a:xfrm rot="7922642">
+            <a:off x="3049976" y="2954371"/>
+            <a:ext cx="707830" cy="785827"/>
+          </a:xfrm>
+          <a:prstGeom prst="arc">
+            <a:avLst/>
+          </a:prstGeom>
+        </p:spPr>
+        <p:style>
+          <a:lnRef idx="1">
+            <a:schemeClr val="accent1"/>
+          </a:lnRef>
+          <a:fillRef idx="0">
+            <a:schemeClr val="accent1"/>
+          </a:fillRef>
+          <a:effectRef idx="0">
+            <a:schemeClr val="accent1"/>
+          </a:effectRef>
+          <a:fontRef idx="minor">
+            <a:schemeClr val="tx1"/>
+          </a:fontRef>
+        </p:style>
+        <p:txBody>
+          <a:bodyPr rtlCol="0" anchor="ctr"/>
+          <a:lstStyle/>
+          <a:p>
+            <a:pPr algn="ctr"/>
+            <a:endParaRPr lang="en-US"/>
+          </a:p>
+        </p:txBody>
+      </p:sp>
+      <p:sp>
+        <p:nvSpPr>
+          <p:cNvPr id="57" name="Arc 56"/>
+          <p:cNvSpPr/>
+          <p:nvPr/>
+        </p:nvSpPr>
+        <p:spPr>
+          <a:xfrm rot="7922642">
+            <a:off x="5279023" y="4654993"/>
+            <a:ext cx="707830" cy="785827"/>
+          </a:xfrm>
+          <a:prstGeom prst="arc">
+            <a:avLst/>
+          </a:prstGeom>
+        </p:spPr>
+        <p:style>
+          <a:lnRef idx="1">
+            <a:schemeClr val="accent1"/>
+          </a:lnRef>
+          <a:fillRef idx="0">
+            <a:schemeClr val="accent1"/>
+          </a:fillRef>
+          <a:effectRef idx="0">
+            <a:schemeClr val="accent1"/>
+          </a:effectRef>
+          <a:fontRef idx="minor">
+            <a:schemeClr val="tx1"/>
+          </a:fontRef>
+        </p:style>
+        <p:txBody>
+          <a:bodyPr rtlCol="0" anchor="ctr"/>
+          <a:lstStyle/>
+          <a:p>
+            <a:pPr algn="ctr"/>
+            <a:endParaRPr lang="en-US"/>
+          </a:p>
+        </p:txBody>
+      </p:sp>
+      <p:grpSp>
+        <p:nvGrpSpPr>
+          <p:cNvPr id="61" name="Group 60"/>
+          <p:cNvGrpSpPr/>
+          <p:nvPr/>
+        </p:nvGrpSpPr>
+        <p:grpSpPr>
+          <a:xfrm>
+            <a:off x="5562601" y="1700738"/>
+            <a:ext cx="2971800" cy="276999"/>
+            <a:chOff x="5562601" y="1700738"/>
+            <a:chExt cx="2971800" cy="276999"/>
+          </a:xfrm>
+        </p:grpSpPr>
+        <p:sp>
+          <p:nvSpPr>
+            <p:cNvPr id="60" name="TextBox 59"/>
+            <p:cNvSpPr txBox="1"/>
+            <p:nvPr/>
+          </p:nvSpPr>
+          <p:spPr>
+            <a:xfrm>
+              <a:off x="5562601" y="1700738"/>
+              <a:ext cx="2971800" cy="276999"/>
+            </a:xfrm>
+            <a:prstGeom prst="rect">
+              <a:avLst/>
+            </a:prstGeom>
+            <a:solidFill>
+              <a:schemeClr val="accent1">
+                <a:lumMod val="20000"/>
+                <a:lumOff val="80000"/>
+              </a:schemeClr>
+            </a:solidFill>
+          </p:spPr>
+          <p:txBody>
+            <a:bodyPr wrap="square" rtlCol="0">
+              <a:spAutoFit/>
+            </a:bodyPr>
+            <a:lstStyle/>
+            <a:p>
+              <a:pPr algn="r"/>
+              <a:r>
+                <a:rPr lang="en-US" sz="1200" dirty="0"/>
+                <a:t>means “contains” or “may contain”</a:t>
+              </a:r>
+            </a:p>
+          </p:txBody>
+        </p:sp>
+        <p:cxnSp>
+          <p:nvCxnSpPr>
+            <p:cNvPr id="59" name="Straight Arrow Connector 58"/>
+            <p:cNvCxnSpPr/>
+            <p:nvPr/>
+          </p:nvCxnSpPr>
+          <p:spPr>
+            <a:xfrm>
+              <a:off x="5676900" y="1828800"/>
+              <a:ext cx="419100" cy="0"/>
+            </a:xfrm>
+            <a:prstGeom prst="straightConnector1">
+              <a:avLst/>
+            </a:prstGeom>
+            <a:ln>
+              <a:tailEnd type="triangle"/>
+            </a:ln>
+          </p:spPr>
+          <p:style>
+            <a:lnRef idx="1">
+              <a:schemeClr val="accent1"/>
+            </a:lnRef>
+            <a:fillRef idx="0">
+              <a:schemeClr val="accent1"/>
+            </a:fillRef>
+            <a:effectRef idx="0">
+              <a:schemeClr val="accent1"/>
+            </a:effectRef>
+            <a:fontRef idx="minor">
+              <a:schemeClr val="tx1"/>
+            </a:fontRef>
+          </p:style>
+        </p:cxnSp>
+      </p:grpSp>
+      <p:sp>
+        <p:nvSpPr>
+          <p:cNvPr id="62" name="Arc 61"/>
+          <p:cNvSpPr/>
+          <p:nvPr/>
+        </p:nvSpPr>
+        <p:spPr>
+          <a:xfrm rot="7922642">
+            <a:off x="4765582" y="3757337"/>
+            <a:ext cx="707830" cy="785827"/>
+          </a:xfrm>
+          <a:prstGeom prst="arc">
+            <a:avLst/>
+          </a:prstGeom>
+        </p:spPr>
+        <p:style>
+          <a:lnRef idx="1">
+            <a:schemeClr val="accent1"/>
+          </a:lnRef>
+          <a:fillRef idx="0">
+            <a:schemeClr val="accent1"/>
+          </a:fillRef>
+          <a:effectRef idx="0">
+            <a:schemeClr val="accent1"/>
+          </a:effectRef>
+          <a:fontRef idx="minor">
+            <a:schemeClr val="tx1"/>
+          </a:fontRef>
+        </p:style>
+        <p:txBody>
+          <a:bodyPr rtlCol="0" anchor="ctr"/>
+          <a:lstStyle/>
+          <a:p>
+            <a:pPr algn="ctr"/>
+            <a:endParaRPr lang="en-US"/>
+          </a:p>
+        </p:txBody>
+      </p:sp>
     </p:spTree>
     <p:extLst>
       <p:ext uri="{BB962C8B-B14F-4D97-AF65-F5344CB8AC3E}">
@@ -5688,10 +7312,250 @@
         </p:nvSpPr>
         <p:spPr/>
         <p:txBody>
-          <a:bodyPr/>
-          <a:lstStyle/>
-          <a:p>
-            <a:endParaRPr lang="en-US"/>
+          <a:bodyPr>
+            <a:normAutofit fontScale="47500" lnSpcReduction="20000"/>
+          </a:bodyPr>
+          <a:lstStyle/>
+          <a:p>
+            <a:r>
+              <a:rPr lang="en-US" dirty="0"/>
+              <a:t>;; </a:t>
+            </a:r>
+            <a:r>
+              <a:rPr lang="en-US" dirty="0" err="1"/>
+              <a:t>pgm-fn</a:t>
+            </a:r>
+            <a:r>
+              <a:rPr lang="en-US" dirty="0"/>
+              <a:t> : Program -&gt; ??</a:t>
+            </a:r>
+          </a:p>
+          <a:p>
+            <a:r>
+              <a:rPr lang="en-US" dirty="0"/>
+              <a:t>#;</a:t>
+            </a:r>
+          </a:p>
+          <a:p>
+            <a:r>
+              <a:rPr lang="en-US" dirty="0"/>
+              <a:t>(define (</a:t>
+            </a:r>
+            <a:r>
+              <a:rPr lang="en-US" dirty="0" err="1"/>
+              <a:t>pgm-fn</a:t>
+            </a:r>
+            <a:r>
+              <a:rPr lang="en-US" dirty="0"/>
+              <a:t> p)</a:t>
+            </a:r>
+          </a:p>
+          <a:p>
+            <a:r>
+              <a:rPr lang="en-US" dirty="0"/>
+              <a:t>  (</a:t>
+            </a:r>
+            <a:r>
+              <a:rPr lang="en-US" dirty="0" err="1"/>
+              <a:t>lodef-fn</a:t>
+            </a:r>
+            <a:r>
+              <a:rPr lang="en-US" dirty="0"/>
+              <a:t> p))</a:t>
+            </a:r>
+          </a:p>
+          <a:p>
+            <a:endParaRPr lang="en-US" dirty="0"/>
+          </a:p>
+          <a:p>
+            <a:r>
+              <a:rPr lang="en-US" dirty="0"/>
+              <a:t>;; </a:t>
+            </a:r>
+            <a:r>
+              <a:rPr lang="en-US" dirty="0" err="1"/>
+              <a:t>def-fn</a:t>
+            </a:r>
+            <a:r>
+              <a:rPr lang="en-US" dirty="0"/>
+              <a:t> : Definition -&gt; ??</a:t>
+            </a:r>
+          </a:p>
+          <a:p>
+            <a:r>
+              <a:rPr lang="en-US" dirty="0"/>
+              <a:t>#;</a:t>
+            </a:r>
+          </a:p>
+          <a:p>
+            <a:r>
+              <a:rPr lang="en-US" dirty="0"/>
+              <a:t>(define (</a:t>
+            </a:r>
+            <a:r>
+              <a:rPr lang="en-US" dirty="0" err="1"/>
+              <a:t>def-fn</a:t>
+            </a:r>
+            <a:r>
+              <a:rPr lang="en-US" dirty="0"/>
+              <a:t> d)</a:t>
+            </a:r>
+          </a:p>
+          <a:p>
+            <a:r>
+              <a:rPr lang="en-US" dirty="0"/>
+              <a:t>  (... (</a:t>
+            </a:r>
+            <a:r>
+              <a:rPr lang="en-US" dirty="0" err="1"/>
+              <a:t>def</a:t>
+            </a:r>
+            <a:r>
+              <a:rPr lang="en-US" dirty="0"/>
+              <a:t>-name d) (</a:t>
+            </a:r>
+            <a:r>
+              <a:rPr lang="en-US" dirty="0" err="1"/>
+              <a:t>def-args</a:t>
+            </a:r>
+            <a:r>
+              <a:rPr lang="en-US" dirty="0"/>
+              <a:t> d) (</a:t>
+            </a:r>
+            <a:r>
+              <a:rPr lang="en-US" dirty="0" err="1"/>
+              <a:t>def</a:t>
+            </a:r>
+            <a:r>
+              <a:rPr lang="en-US" dirty="0"/>
+              <a:t>-body d)))</a:t>
+            </a:r>
+          </a:p>
+          <a:p>
+            <a:endParaRPr lang="en-US" dirty="0"/>
+          </a:p>
+          <a:p>
+            <a:r>
+              <a:rPr lang="en-US" dirty="0"/>
+              <a:t>;; </a:t>
+            </a:r>
+            <a:r>
+              <a:rPr lang="en-US" dirty="0" err="1"/>
+              <a:t>exp-fn</a:t>
+            </a:r>
+            <a:r>
+              <a:rPr lang="en-US" dirty="0"/>
+              <a:t> : </a:t>
+            </a:r>
+            <a:r>
+              <a:rPr lang="en-US" dirty="0" err="1"/>
+              <a:t>Exp</a:t>
+            </a:r>
+            <a:r>
+              <a:rPr lang="en-US" dirty="0"/>
+              <a:t> -&gt; ??</a:t>
+            </a:r>
+          </a:p>
+          <a:p>
+            <a:r>
+              <a:rPr lang="en-US" dirty="0"/>
+              <a:t>#;</a:t>
+            </a:r>
+          </a:p>
+          <a:p>
+            <a:r>
+              <a:rPr lang="en-US" dirty="0"/>
+              <a:t>(define (</a:t>
+            </a:r>
+            <a:r>
+              <a:rPr lang="en-US" dirty="0" err="1"/>
+              <a:t>exp-fn</a:t>
+            </a:r>
+            <a:r>
+              <a:rPr lang="en-US" dirty="0"/>
+              <a:t> e)</a:t>
+            </a:r>
+          </a:p>
+          <a:p>
+            <a:r>
+              <a:rPr lang="en-US" dirty="0"/>
+              <a:t>  (cond</a:t>
+            </a:r>
+          </a:p>
+          <a:p>
+            <a:r>
+              <a:rPr lang="en-US" dirty="0"/>
+              <a:t>    [(</a:t>
+            </a:r>
+            <a:r>
+              <a:rPr lang="en-US" dirty="0" err="1"/>
+              <a:t>varexp</a:t>
+            </a:r>
+            <a:r>
+              <a:rPr lang="en-US" dirty="0"/>
+              <a:t>? e) (... (</a:t>
+            </a:r>
+            <a:r>
+              <a:rPr lang="en-US" dirty="0" err="1"/>
+              <a:t>varexp</a:t>
+            </a:r>
+            <a:r>
+              <a:rPr lang="en-US" dirty="0"/>
+              <a:t>-name e))]</a:t>
+            </a:r>
+          </a:p>
+          <a:p>
+            <a:r>
+              <a:rPr lang="en-US" dirty="0"/>
+              <a:t>    [(</a:t>
+            </a:r>
+            <a:r>
+              <a:rPr lang="en-US" dirty="0" err="1"/>
+              <a:t>appexp</a:t>
+            </a:r>
+            <a:r>
+              <a:rPr lang="en-US" dirty="0"/>
+              <a:t>? e) (... (</a:t>
+            </a:r>
+            <a:r>
+              <a:rPr lang="en-US" dirty="0" err="1"/>
+              <a:t>appexp-fn</a:t>
+            </a:r>
+            <a:r>
+              <a:rPr lang="en-US" dirty="0"/>
+              <a:t> e) (</a:t>
+            </a:r>
+            <a:r>
+              <a:rPr lang="en-US" dirty="0" err="1"/>
+              <a:t>loexp-fn</a:t>
+            </a:r>
+            <a:r>
+              <a:rPr lang="en-US" dirty="0"/>
+              <a:t> (</a:t>
+            </a:r>
+            <a:r>
+              <a:rPr lang="en-US" dirty="0" err="1"/>
+              <a:t>appexp-args</a:t>
+            </a:r>
+            <a:r>
+              <a:rPr lang="en-US" dirty="0"/>
+              <a:t> e)))]))</a:t>
+            </a:r>
+          </a:p>
+          <a:p>
+            <a:endParaRPr lang="en-US" dirty="0"/>
+          </a:p>
+          <a:p>
+            <a:r>
+              <a:rPr lang="en-US" dirty="0"/>
+              <a:t>;; We omit the lo-* templates because they are standard and you should know</a:t>
+            </a:r>
+          </a:p>
+          <a:p>
+            <a:r>
+              <a:rPr lang="en-US" dirty="0"/>
+              <a:t>;; them by heart already.</a:t>
+            </a:r>
           </a:p>
         </p:txBody>
       </p:sp>
@@ -5718,6 +7582,98 @@
           </a:p>
         </p:txBody>
       </p:sp>
+      <p:sp>
+        <p:nvSpPr>
+          <p:cNvPr id="5" name="Rectangle 4"/>
+          <p:cNvSpPr/>
+          <p:nvPr/>
+        </p:nvSpPr>
+        <p:spPr>
+          <a:xfrm>
+            <a:off x="5253487" y="1678017"/>
+            <a:ext cx="3433313" cy="1163128"/>
+          </a:xfrm>
+          <a:prstGeom prst="rect">
+            <a:avLst/>
+          </a:prstGeom>
+          <a:solidFill>
+            <a:schemeClr val="accent1">
+              <a:lumMod val="20000"/>
+              <a:lumOff val="80000"/>
+            </a:schemeClr>
+          </a:solidFill>
+          <a:ln w="9525">
+            <a:noFill/>
+          </a:ln>
+        </p:spPr>
+        <p:style>
+          <a:lnRef idx="2">
+            <a:schemeClr val="accent1"/>
+          </a:lnRef>
+          <a:fillRef idx="1">
+            <a:schemeClr val="lt1"/>
+          </a:fillRef>
+          <a:effectRef idx="0">
+            <a:schemeClr val="accent1"/>
+          </a:effectRef>
+          <a:fontRef idx="minor">
+            <a:schemeClr val="dk1"/>
+          </a:fontRef>
+        </p:style>
+        <p:txBody>
+          <a:bodyPr rot="0" spcFirstLastPara="0" vertOverflow="overflow" horzOverflow="overflow" vert="horz" wrap="square" lIns="91440" tIns="45720" rIns="91440" bIns="45720" numCol="1" spcCol="0" rtlCol="0" fromWordArt="0" anchor="ctr" anchorCtr="0" forceAA="0" compatLnSpc="1">
+            <a:prstTxWarp prst="textNoShape">
+              <a:avLst/>
+            </a:prstTxWarp>
+            <a:noAutofit/>
+          </a:bodyPr>
+          <a:lstStyle/>
+          <a:p>
+            <a:pPr algn="ctr"/>
+            <a:r>
+              <a:rPr lang="en-US" dirty="0">
+                <a:solidFill>
+                  <a:schemeClr val="tx1"/>
+                </a:solidFill>
+              </a:rPr>
+              <a:t>In Racket, #; marks the next S-expression as a comment.  So this definition is actually a comment.  This is handy for templates.</a:t>
+            </a:r>
+          </a:p>
+        </p:txBody>
+      </p:sp>
+      <p:cxnSp>
+        <p:nvCxnSpPr>
+          <p:cNvPr id="7" name="Straight Arrow Connector 6"/>
+          <p:cNvCxnSpPr/>
+          <p:nvPr/>
+        </p:nvCxnSpPr>
+        <p:spPr>
+          <a:xfrm flipH="1" flipV="1">
+            <a:off x="914400" y="1981200"/>
+            <a:ext cx="4343400" cy="304800"/>
+          </a:xfrm>
+          <a:prstGeom prst="straightConnector1">
+            <a:avLst/>
+          </a:prstGeom>
+          <a:ln>
+            <a:tailEnd type="triangle"/>
+          </a:ln>
+        </p:spPr>
+        <p:style>
+          <a:lnRef idx="1">
+            <a:schemeClr val="accent1"/>
+          </a:lnRef>
+          <a:fillRef idx="0">
+            <a:schemeClr val="accent1"/>
+          </a:fillRef>
+          <a:effectRef idx="0">
+            <a:schemeClr val="accent1"/>
+          </a:effectRef>
+          <a:fontRef idx="minor">
+            <a:schemeClr val="tx1"/>
+          </a:fontRef>
+        </p:style>
+      </p:cxnSp>
     </p:spTree>
     <p:extLst>
       <p:ext uri="{BB962C8B-B14F-4D97-AF65-F5344CB8AC3E}">
@@ -5765,7 +7721,7 @@
           <a:p>
             <a:r>
               <a:rPr lang="en-US" dirty="0"/>
-              <a:t>Data Design in Racket</a:t>
+              <a:t>Sidebar: Data Design in Racket</a:t>
             </a:r>
           </a:p>
         </p:txBody>
@@ -5906,7 +7862,7 @@
           <a:p>
             <a:r>
               <a:rPr lang="en-US" dirty="0"/>
-              <a:t>Symbols and Quotation</a:t>
+              <a:t>Sidebar: Symbols and Quotation</a:t>
             </a:r>
           </a:p>
         </p:txBody>
@@ -6049,7 +8005,7 @@
           <a:p>
             <a:r>
               <a:rPr lang="en-US" dirty="0"/>
-              <a:t>Quotation (2)</a:t>
+              <a:t>Sidebar: Quotation (2)</a:t>
             </a:r>
           </a:p>
         </p:txBody>
@@ -6270,7 +8226,7 @@
         <p:spPr/>
         <p:txBody>
           <a:bodyPr>
-            <a:normAutofit/>
+            <a:normAutofit fontScale="85000" lnSpcReduction="10000"/>
           </a:bodyPr>
           <a:lstStyle/>
           <a:p>
@@ -6318,7 +8274,7 @@
             <a:pPr lvl="1"/>
             <a:r>
               <a:rPr lang="en-US" dirty="0"/>
-              <a:t>explain an algorithm for finding undefined variables in a </a:t>
+              <a:t>construct a data representation for a program in </a:t>
             </a:r>
             <a:r>
               <a:rPr lang="en-US" dirty="0" err="1"/>
@@ -6326,7 +8282,44 @@
             </a:r>
             <a:r>
               <a:rPr lang="en-US" dirty="0"/>
+              <a:t> or a similar language</a:t>
+            </a:r>
+          </a:p>
+          <a:p>
+            <a:pPr lvl="1"/>
+            <a:r>
+              <a:rPr lang="en-US" dirty="0"/>
+              <a:t>explain an algorithm for finding undefined variables in a </a:t>
+            </a:r>
+            <a:r>
+              <a:rPr lang="en-US" dirty="0" err="1"/>
+              <a:t>GarterSnake</a:t>
+            </a:r>
+            <a:r>
+              <a:rPr lang="en-US" dirty="0"/>
               <a:t> program</a:t>
+            </a:r>
+          </a:p>
+          <a:p>
+            <a:pPr lvl="1"/>
+            <a:r>
+              <a:rPr lang="en-US" dirty="0"/>
+              <a:t>understand how the algorithm follows the structure of the data representation</a:t>
+            </a:r>
+          </a:p>
+          <a:p>
+            <a:pPr lvl="1"/>
+            <a:r>
+              <a:rPr lang="en-US" dirty="0"/>
+              <a:t>write similar algorithms for manipulating programs </a:t>
+            </a:r>
+            <a:r>
+              <a:rPr lang="en-US" dirty="0" err="1"/>
+              <a:t>GarterSnake</a:t>
+            </a:r>
+            <a:r>
+              <a:rPr lang="en-US" dirty="0"/>
+              <a:t> or a similar simple programming language.</a:t>
             </a:r>
           </a:p>
         </p:txBody>
@@ -6414,7 +8407,7 @@
           <a:p>
             <a:r>
               <a:rPr lang="en-US" dirty="0"/>
-              <a:t>Data Design (2)</a:t>
+              <a:t>Data Design: Example</a:t>
             </a:r>
           </a:p>
         </p:txBody>
@@ -6432,41 +8425,191 @@
         <p:spPr/>
         <p:txBody>
           <a:bodyPr>
-            <a:normAutofit fontScale="92500" lnSpcReduction="20000"/>
+            <a:normAutofit fontScale="47500" lnSpcReduction="20000"/>
           </a:bodyPr>
           <a:lstStyle/>
           <a:p>
             <a:r>
-              <a:rPr lang="en-US" dirty="0"/>
+              <a:rPr lang="en-US" b="0" dirty="0"/>
               <a:t>EXAMPLE:</a:t>
             </a:r>
           </a:p>
           <a:p>
             <a:r>
-              <a:rPr lang="en-US" dirty="0"/>
-              <a:t>(z (lambda (x) (x y)))</a:t>
-            </a:r>
-          </a:p>
-          <a:p>
-            <a:r>
-              <a:rPr lang="en-US" dirty="0"/>
+              <a:rPr lang="en-US" dirty="0" err="1"/>
+              <a:t>def</a:t>
+            </a:r>
+            <a:r>
+              <a:rPr lang="en-US" dirty="0"/>
+              <a:t> f1(x):f1(x)</a:t>
+            </a:r>
+          </a:p>
+          <a:p>
+            <a:r>
+              <a:rPr lang="en-US" dirty="0" err="1"/>
+              <a:t>def</a:t>
+            </a:r>
+            <a:r>
+              <a:rPr lang="en-US" dirty="0"/>
+              <a:t> f2(</a:t>
+            </a:r>
+            <a:r>
+              <a:rPr lang="en-US" dirty="0" err="1"/>
+              <a:t>x,y</a:t>
+            </a:r>
+            <a:r>
+              <a:rPr lang="en-US" dirty="0"/>
+              <a:t>):f1(y)</a:t>
+            </a:r>
+          </a:p>
+          <a:p>
+            <a:r>
+              <a:rPr lang="en-US" dirty="0" err="1"/>
+              <a:t>def</a:t>
+            </a:r>
+            <a:r>
+              <a:rPr lang="en-US" dirty="0"/>
+              <a:t> f3(</a:t>
+            </a:r>
+            <a:r>
+              <a:rPr lang="en-US" dirty="0" err="1"/>
+              <a:t>x,y,z</a:t>
+            </a:r>
+            <a:r>
+              <a:rPr lang="en-US" dirty="0"/>
+              <a:t>):f1(f2(</a:t>
+            </a:r>
+            <a:r>
+              <a:rPr lang="en-US" dirty="0" err="1"/>
+              <a:t>z,y</a:t>
+            </a:r>
+            <a:r>
+              <a:rPr lang="en-US" dirty="0"/>
+              <a:t>),z)</a:t>
+            </a:r>
+          </a:p>
+          <a:p>
+            <a:r>
+              <a:rPr lang="en-US" b="0" dirty="0"/>
               <a:t>is represented by</a:t>
             </a:r>
           </a:p>
           <a:p>
             <a:r>
               <a:rPr lang="en-US" dirty="0"/>
-              <a:t>(make-app</a:t>
-            </a:r>
-          </a:p>
-          <a:p>
-            <a:r>
-              <a:rPr lang="en-US" dirty="0"/>
-              <a:t>  (make-</a:t>
+              <a:t>(list</a:t>
+            </a:r>
+          </a:p>
+          <a:p>
+            <a:r>
+              <a:rPr lang="en-US" dirty="0"/>
+              <a:t>     (make-</a:t>
             </a:r>
             <a:r>
               <a:rPr lang="en-US" dirty="0" err="1"/>
-              <a:t>var</a:t>
+              <a:t>def</a:t>
+            </a:r>
+            <a:r>
+              <a:rPr lang="en-US" dirty="0"/>
+              <a:t> 'f1 (list 'x) </a:t>
+            </a:r>
+          </a:p>
+          <a:p>
+            <a:r>
+              <a:rPr lang="en-US" dirty="0"/>
+              <a:t>               (make-</a:t>
+            </a:r>
+            <a:r>
+              <a:rPr lang="en-US" dirty="0" err="1"/>
+              <a:t>appexp</a:t>
+            </a:r>
+            <a:r>
+              <a:rPr lang="en-US" dirty="0"/>
+              <a:t> 'f1 (list (make-</a:t>
+            </a:r>
+            <a:r>
+              <a:rPr lang="en-US" dirty="0" err="1"/>
+              <a:t>varexp</a:t>
+            </a:r>
+            <a:r>
+              <a:rPr lang="en-US" dirty="0"/>
+              <a:t> 'x))))</a:t>
+            </a:r>
+          </a:p>
+          <a:p>
+            <a:r>
+              <a:rPr lang="en-US" dirty="0"/>
+              <a:t>     (make-</a:t>
+            </a:r>
+            <a:r>
+              <a:rPr lang="en-US" dirty="0" err="1"/>
+              <a:t>def</a:t>
+            </a:r>
+            <a:r>
+              <a:rPr lang="en-US" dirty="0"/>
+              <a:t> 'f2 (list 'x 'y) (make-</a:t>
+            </a:r>
+            <a:r>
+              <a:rPr lang="en-US" dirty="0" err="1"/>
+              <a:t>appexp</a:t>
+            </a:r>
+            <a:r>
+              <a:rPr lang="en-US" dirty="0"/>
+              <a:t> 'f1 (list (make-</a:t>
+            </a:r>
+            <a:r>
+              <a:rPr lang="en-US" dirty="0" err="1"/>
+              <a:t>varexp</a:t>
+            </a:r>
+            <a:r>
+              <a:rPr lang="en-US" dirty="0"/>
+              <a:t> 'y))))</a:t>
+            </a:r>
+          </a:p>
+          <a:p>
+            <a:r>
+              <a:rPr lang="en-US" dirty="0"/>
+              <a:t>     (make-</a:t>
+            </a:r>
+            <a:r>
+              <a:rPr lang="en-US" dirty="0" err="1"/>
+              <a:t>def</a:t>
+            </a:r>
+            <a:r>
+              <a:rPr lang="en-US" dirty="0"/>
+              <a:t> 'f3 (list 'x 'y 'z)</a:t>
+            </a:r>
+          </a:p>
+          <a:p>
+            <a:r>
+              <a:rPr lang="en-US" dirty="0"/>
+              <a:t>                (make-</a:t>
+            </a:r>
+            <a:r>
+              <a:rPr lang="en-US" dirty="0" err="1"/>
+              <a:t>appexp</a:t>
+            </a:r>
+            <a:r>
+              <a:rPr lang="en-US" dirty="0"/>
+              <a:t> 'f1 (list (make-</a:t>
+            </a:r>
+            <a:r>
+              <a:rPr lang="en-US" dirty="0" err="1"/>
+              <a:t>appexp</a:t>
+            </a:r>
+            <a:r>
+              <a:rPr lang="en-US" dirty="0"/>
+              <a:t> 'f2</a:t>
+            </a:r>
+          </a:p>
+          <a:p>
+            <a:r>
+              <a:rPr lang="en-US" dirty="0"/>
+              <a:t>                                             (list (make-</a:t>
+            </a:r>
+            <a:r>
+              <a:rPr lang="en-US" dirty="0" err="1"/>
+              <a:t>varexp</a:t>
             </a:r>
             <a:r>
               <a:rPr lang="en-US" dirty="0"/>
@@ -6476,42 +8619,33 @@
           <a:p>
             <a:r>
               <a:rPr lang="en-US" dirty="0"/>
-              <a:t>  (make-lam 'x</a:t>
-            </a:r>
-          </a:p>
-          <a:p>
-            <a:r>
-              <a:rPr lang="en-US" dirty="0"/>
-              <a:t>    (make-app</a:t>
-            </a:r>
-          </a:p>
-          <a:p>
-            <a:r>
-              <a:rPr lang="en-US" dirty="0"/>
-              <a:t>      (make-</a:t>
+              <a:t>                                                   (make-</a:t>
             </a:r>
             <a:r>
               <a:rPr lang="en-US" dirty="0" err="1"/>
-              <a:t>var</a:t>
-            </a:r>
-            <a:r>
-              <a:rPr lang="en-US" dirty="0"/>
-              <a:t> 'x)</a:t>
-            </a:r>
-          </a:p>
-          <a:p>
-            <a:r>
-              <a:rPr lang="en-US" dirty="0"/>
-              <a:t>      (make-</a:t>
+              <a:t>varexp</a:t>
+            </a:r>
+            <a:r>
+              <a:rPr lang="en-US" dirty="0"/>
+              <a:t> 'y)))</a:t>
+            </a:r>
+          </a:p>
+          <a:p>
+            <a:r>
+              <a:rPr lang="en-US" dirty="0"/>
+              <a:t>                                       (make-</a:t>
             </a:r>
             <a:r>
               <a:rPr lang="en-US" dirty="0" err="1"/>
-              <a:t>var</a:t>
-            </a:r>
-            <a:r>
-              <a:rPr lang="en-US" dirty="0"/>
-              <a:t> 'y))))</a:t>
-            </a:r>
+              <a:t>varexp</a:t>
+            </a:r>
+            <a:r>
+              <a:rPr lang="en-US" dirty="0"/>
+              <a:t> 'z)))))))</a:t>
+            </a:r>
+          </a:p>
+          <a:p>
+            <a:endParaRPr lang="en-US" dirty="0"/>
           </a:p>
         </p:txBody>
       </p:sp>
@@ -6559,19 +8693,21 @@
         </p:nvSpPr>
         <p:spPr>
           <a:xfrm>
-            <a:off x="5562600" y="2209800"/>
-            <a:ext cx="2819400" cy="2209800"/>
+            <a:off x="4419600" y="1600200"/>
+            <a:ext cx="3886200" cy="1219200"/>
           </a:xfrm>
           <a:prstGeom prst="rect">
             <a:avLst/>
           </a:prstGeom>
           <a:solidFill>
-            <a:schemeClr val="accent3">
-              <a:lumMod val="40000"/>
-              <a:lumOff val="60000"/>
+            <a:schemeClr val="accent1">
+              <a:lumMod val="20000"/>
+              <a:lumOff val="80000"/>
             </a:schemeClr>
           </a:solidFill>
-          <a:ln/>
+          <a:ln>
+            <a:noFill/>
+          </a:ln>
         </p:spPr>
         <p:style>
           <a:lnRef idx="2">
@@ -6603,7 +8739,23 @@
                   <a:schemeClr val="tx1"/>
                 </a:solidFill>
               </a:rPr>
-              <a:t>Now that we’ve briefly explained about symbols and quotation, we can give an example of the representation of a Fred-expression.</a:t>
+              <a:t>Now that we’ve briefly explained about symbols and quotation, we can give an example of the representation of a </a:t>
+            </a:r>
+            <a:r>
+              <a:rPr lang="en-US" dirty="0" err="1">
+                <a:solidFill>
+                  <a:schemeClr val="tx1"/>
+                </a:solidFill>
+              </a:rPr>
+              <a:t>GarterSnake</a:t>
+            </a:r>
+            <a:r>
+              <a:rPr lang="en-US" dirty="0">
+                <a:solidFill>
+                  <a:schemeClr val="tx1"/>
+                </a:solidFill>
+              </a:rPr>
+              <a:t> program</a:t>
             </a:r>
           </a:p>
         </p:txBody>
@@ -6640,7 +8792,7 @@
       </p:grpSpPr>
       <p:sp>
         <p:nvSpPr>
-          <p:cNvPr id="6" name="Title 5"/>
+          <p:cNvPr id="2" name="Title 1"/>
           <p:cNvSpPr>
             <a:spLocks noGrp="1"/>
           </p:cNvSpPr>
@@ -6655,14 +8807,14 @@
           <a:p>
             <a:r>
               <a:rPr lang="en-US" dirty="0"/>
-              <a:t>Destructor Template</a:t>
-            </a:r>
-          </a:p>
-        </p:txBody>
-      </p:sp>
-      <p:sp>
-        <p:nvSpPr>
-          <p:cNvPr id="7" name="Content Placeholder 6"/>
+              <a:t>System Design (1)</a:t>
+            </a:r>
+          </a:p>
+        </p:txBody>
+      </p:sp>
+      <p:sp>
+        <p:nvSpPr>
+          <p:cNvPr id="3" name="Content Placeholder 2"/>
           <p:cNvSpPr>
             <a:spLocks noGrp="1"/>
           </p:cNvSpPr>
@@ -6673,173 +8825,149 @@
         <p:spPr/>
         <p:txBody>
           <a:bodyPr>
-            <a:normAutofit fontScale="77500" lnSpcReduction="20000"/>
+            <a:normAutofit fontScale="47500" lnSpcReduction="20000"/>
           </a:bodyPr>
           <a:lstStyle/>
           <a:p>
             <a:r>
               <a:rPr lang="en-US" dirty="0"/>
-              <a:t>;; </a:t>
-            </a:r>
+              <a:t>;; We'll need to recur on the list structure of programs.  When we</a:t>
+            </a:r>
+          </a:p>
+          <a:p>
+            <a:r>
+              <a:rPr lang="en-US" dirty="0"/>
+              <a:t>;; analyze a definition, what information do we need to carry forward?</a:t>
+            </a:r>
+          </a:p>
+          <a:p>
+            <a:r>
+              <a:rPr lang="en-US" dirty="0"/>
+              <a:t>;; Let's look at an example.  We'll annotate each definition with a</a:t>
+            </a:r>
+          </a:p>
+          <a:p>
+            <a:r>
+              <a:rPr lang="en-US" dirty="0"/>
+              <a:t>;; list of the variables available in its body. </a:t>
+            </a:r>
+          </a:p>
+          <a:p>
+            <a:endParaRPr lang="en-US" dirty="0"/>
+          </a:p>
+          <a:p>
+            <a:r>
+              <a:rPr lang="en-US" dirty="0"/>
+              <a:t>#|</a:t>
+            </a:r>
+          </a:p>
+          <a:p>
             <a:r>
               <a:rPr lang="en-US" dirty="0" err="1"/>
-              <a:t>fredexp-fn</a:t>
-            </a:r>
-            <a:r>
-              <a:rPr lang="en-US" dirty="0"/>
-              <a:t> : </a:t>
-            </a:r>
+              <a:t>def</a:t>
+            </a:r>
+            <a:r>
+              <a:rPr lang="en-US" dirty="0"/>
+              <a:t> f1(x):f1(x)          ; f1 and x are available in the body.</a:t>
+            </a:r>
+          </a:p>
+          <a:p>
             <a:r>
               <a:rPr lang="en-US" dirty="0" err="1"/>
-              <a:t>FredExp</a:t>
-            </a:r>
-            <a:r>
-              <a:rPr lang="en-US" dirty="0"/>
-              <a:t> -&gt; ?</a:t>
-            </a:r>
-          </a:p>
-          <a:p>
-            <a:r>
-              <a:rPr lang="en-US" dirty="0"/>
-              <a:t>#;</a:t>
-            </a:r>
-          </a:p>
-          <a:p>
-            <a:r>
-              <a:rPr lang="en-US" dirty="0"/>
-              <a:t>(define (</a:t>
+              <a:t>def</a:t>
+            </a:r>
+            <a:r>
+              <a:rPr lang="en-US" dirty="0"/>
+              <a:t> f2(</a:t>
             </a:r>
             <a:r>
               <a:rPr lang="en-US" dirty="0" err="1"/>
-              <a:t>fredexp-fn</a:t>
-            </a:r>
-            <a:r>
-              <a:rPr lang="en-US" dirty="0"/>
-              <a:t> f)</a:t>
-            </a:r>
-          </a:p>
-          <a:p>
-            <a:r>
-              <a:rPr lang="en-US" dirty="0"/>
-              <a:t>  (</a:t>
-            </a:r>
+              <a:t>u,y</a:t>
+            </a:r>
+            <a:r>
+              <a:rPr lang="en-US" dirty="0"/>
+              <a:t>):f1(y)        ; f1, f2, u, and y, are available in the body.</a:t>
+            </a:r>
+          </a:p>
+          <a:p>
             <a:r>
               <a:rPr lang="en-US" dirty="0" err="1"/>
-              <a:t>cond</a:t>
-            </a:r>
+              <a:t>def</a:t>
+            </a:r>
+            <a:r>
+              <a:rPr lang="en-US" dirty="0"/>
+              <a:t> f3(</a:t>
+            </a:r>
+            <a:r>
+              <a:rPr lang="en-US" dirty="0" err="1"/>
+              <a:t>x,z</a:t>
+            </a:r>
+            <a:r>
+              <a:rPr lang="en-US" dirty="0"/>
+              <a:t>):f1(f2(z,f1)) ; f1, f2, f3, x, and z are available in the body.</a:t>
+            </a:r>
+          </a:p>
+          <a:p>
+            <a:r>
+              <a:rPr lang="en-US" dirty="0" err="1"/>
+              <a:t>def</a:t>
+            </a:r>
+            <a:r>
+              <a:rPr lang="en-US" dirty="0"/>
+              <a:t> f4(</a:t>
+            </a:r>
+            <a:r>
+              <a:rPr lang="en-US" dirty="0" err="1"/>
+              <a:t>x,z</a:t>
+            </a:r>
+            <a:r>
+              <a:rPr lang="en-US" dirty="0"/>
+              <a:t>):x(</a:t>
+            </a:r>
+            <a:r>
+              <a:rPr lang="en-US" dirty="0" err="1"/>
+              <a:t>z,z</a:t>
+            </a:r>
+            <a:r>
+              <a:rPr lang="en-US" dirty="0"/>
+              <a:t>)       ; f1, f2, f3, f4, x, and z are available in the body.</a:t>
+            </a:r>
+          </a:p>
+          <a:p>
+            <a:r>
+              <a:rPr lang="en-US" dirty="0"/>
+              <a:t>|#</a:t>
+            </a:r>
+          </a:p>
+          <a:p>
             <a:endParaRPr lang="en-US" dirty="0"/>
           </a:p>
           <a:p>
             <a:r>
               <a:rPr lang="en-US" dirty="0"/>
-              <a:t>    [(</a:t>
-            </a:r>
-            <a:r>
-              <a:rPr lang="en-US" dirty="0" err="1"/>
-              <a:t>var</a:t>
-            </a:r>
-            <a:r>
-              <a:rPr lang="en-US" dirty="0"/>
-              <a:t>? f) (... (</a:t>
-            </a:r>
-            <a:r>
-              <a:rPr lang="en-US" dirty="0" err="1"/>
-              <a:t>var</a:t>
-            </a:r>
-            <a:r>
-              <a:rPr lang="en-US" dirty="0"/>
-              <a:t>-name f))]</a:t>
-            </a:r>
-          </a:p>
-          <a:p>
-            <a:r>
-              <a:rPr lang="en-US" dirty="0"/>
-              <a:t>    [(lam? f) (...</a:t>
-            </a:r>
-          </a:p>
-          <a:p>
-            <a:r>
-              <a:rPr lang="en-US" dirty="0"/>
-              <a:t>                (lam-</a:t>
-            </a:r>
-            <a:r>
-              <a:rPr lang="en-US" dirty="0" err="1"/>
-              <a:t>var</a:t>
-            </a:r>
-            <a:r>
-              <a:rPr lang="en-US" dirty="0"/>
-              <a:t> f)</a:t>
-            </a:r>
-          </a:p>
-          <a:p>
-            <a:r>
-              <a:rPr lang="en-US" dirty="0"/>
-              <a:t>                (</a:t>
-            </a:r>
-            <a:r>
-              <a:rPr lang="en-US" dirty="0" err="1"/>
-              <a:t>fredexp-fn</a:t>
-            </a:r>
-            <a:r>
-              <a:rPr lang="en-US" dirty="0"/>
-              <a:t> (lam-body f)))]</a:t>
-            </a:r>
-          </a:p>
-          <a:p>
-            <a:r>
-              <a:rPr lang="en-US" dirty="0"/>
-              <a:t>    [(app? f) (...</a:t>
-            </a:r>
-          </a:p>
-          <a:p>
-            <a:r>
-              <a:rPr lang="en-US" dirty="0"/>
-              <a:t>                (</a:t>
-            </a:r>
-            <a:r>
-              <a:rPr lang="en-US" dirty="0" err="1"/>
-              <a:t>fredexp-fn</a:t>
-            </a:r>
-            <a:r>
-              <a:rPr lang="en-US" dirty="0"/>
-              <a:t> (app-</a:t>
-            </a:r>
-            <a:r>
-              <a:rPr lang="en-US" dirty="0" err="1"/>
-              <a:t>fn</a:t>
-            </a:r>
-            <a:r>
-              <a:rPr lang="en-US" dirty="0"/>
-              <a:t> f))</a:t>
-            </a:r>
-          </a:p>
-          <a:p>
-            <a:r>
-              <a:rPr lang="en-US" dirty="0"/>
-              <a:t>                (</a:t>
-            </a:r>
-            <a:r>
-              <a:rPr lang="en-US" dirty="0" err="1"/>
-              <a:t>fredexp-fn</a:t>
-            </a:r>
-            <a:r>
-              <a:rPr lang="en-US" dirty="0"/>
-              <a:t> (app-</a:t>
-            </a:r>
-            <a:r>
-              <a:rPr lang="en-US" dirty="0" err="1"/>
-              <a:t>arg</a:t>
-            </a:r>
-            <a:r>
-              <a:rPr lang="en-US" dirty="0"/>
-              <a:t> f)))]))</a:t>
-            </a:r>
-          </a:p>
-        </p:txBody>
-      </p:sp>
-      <p:sp>
-        <p:nvSpPr>
-          <p:cNvPr id="3" name="Slide Number Placeholder 2"/>
+              <a:t>;; In each case, the variables available in the body are the names of</a:t>
+            </a:r>
+          </a:p>
+          <a:p>
+            <a:r>
+              <a:rPr lang="en-US" dirty="0"/>
+              <a:t>;; the functions defined _before_ the current function, plus the names</a:t>
+            </a:r>
+          </a:p>
+          <a:p>
+            <a:r>
+              <a:rPr lang="en-US" dirty="0"/>
+              <a:t>;; of the current function and its arguments.</a:t>
+            </a:r>
+          </a:p>
+          <a:p>
+            <a:endParaRPr lang="en-US" dirty="0"/>
+          </a:p>
+        </p:txBody>
+      </p:sp>
+      <p:sp>
+        <p:nvSpPr>
+          <p:cNvPr id="4" name="Slide Number Placeholder 3"/>
           <p:cNvSpPr>
             <a:spLocks noGrp="1"/>
           </p:cNvSpPr>
@@ -6852,128 +8980,18 @@
           <a:bodyPr/>
           <a:lstStyle/>
           <a:p>
-            <a:fld id="{9F4492BD-6A9C-48FC-AC76-0B4FE11194A1}" type="slidenum">
-              <a:rPr lang="en-US" smtClean="0">
-                <a:solidFill>
-                  <a:prstClr val="black">
-                    <a:tint val="75000"/>
-                  </a:prstClr>
-                </a:solidFill>
-              </a:rPr>
-              <a:pPr/>
+            <a:fld id="{2AF3B5EA-18B6-4040-9F78-6052AF49C681}" type="slidenum">
+              <a:rPr lang="en-US" smtClean="0"/>
               <a:t>21</a:t>
             </a:fld>
-            <a:endParaRPr lang="en-US">
-              <a:solidFill>
-                <a:prstClr val="black">
-                  <a:tint val="75000"/>
-                </a:prstClr>
-              </a:solidFill>
-            </a:endParaRPr>
-          </a:p>
-        </p:txBody>
-      </p:sp>
-      <p:sp>
-        <p:nvSpPr>
-          <p:cNvPr id="2" name="Rectangle 1"/>
-          <p:cNvSpPr/>
-          <p:nvPr/>
-        </p:nvSpPr>
-        <p:spPr>
-          <a:xfrm>
-            <a:off x="6324600" y="1066800"/>
-            <a:ext cx="2286000" cy="1752600"/>
-          </a:xfrm>
-          <a:prstGeom prst="rect">
-            <a:avLst/>
-          </a:prstGeom>
-          <a:solidFill>
-            <a:schemeClr val="accent6">
-              <a:lumMod val="40000"/>
-              <a:lumOff val="60000"/>
-            </a:schemeClr>
-          </a:solidFill>
-          <a:ln w="9525">
-            <a:solidFill>
-              <a:srgbClr val="FF0000"/>
-            </a:solidFill>
-          </a:ln>
-        </p:spPr>
-        <p:style>
-          <a:lnRef idx="2">
-            <a:schemeClr val="accent1"/>
-          </a:lnRef>
-          <a:fillRef idx="1">
-            <a:schemeClr val="lt1"/>
-          </a:fillRef>
-          <a:effectRef idx="0">
-            <a:schemeClr val="accent1"/>
-          </a:effectRef>
-          <a:fontRef idx="minor">
-            <a:schemeClr val="dk1"/>
-          </a:fontRef>
-        </p:style>
-        <p:txBody>
-          <a:bodyPr rot="0" spcFirstLastPara="0" vertOverflow="overflow" horzOverflow="overflow" vert="horz" wrap="square" lIns="91440" tIns="45720" rIns="91440" bIns="45720" numCol="1" spcCol="0" rtlCol="0" fromWordArt="0" anchor="ctr" anchorCtr="0" forceAA="0" compatLnSpc="1">
-            <a:prstTxWarp prst="textNoShape">
-              <a:avLst/>
-            </a:prstTxWarp>
-            <a:noAutofit/>
-          </a:bodyPr>
-          <a:lstStyle/>
-          <a:p>
-            <a:pPr algn="ctr"/>
-            <a:r>
-              <a:rPr lang="en-US" dirty="0">
-                <a:solidFill>
-                  <a:schemeClr val="tx1"/>
-                </a:solidFill>
-              </a:rPr>
-              <a:t>In Racket, #; marks the next S-expression as a comment.  So this definition  is actually a comment.  This is handy for templates.</a:t>
-            </a:r>
-          </a:p>
-        </p:txBody>
-      </p:sp>
-      <p:cxnSp>
-        <p:nvCxnSpPr>
-          <p:cNvPr id="4" name="Straight Arrow Connector 3"/>
-          <p:cNvCxnSpPr/>
-          <p:nvPr/>
-        </p:nvCxnSpPr>
-        <p:spPr>
-          <a:xfrm flipH="1">
-            <a:off x="1143000" y="1943100"/>
-            <a:ext cx="5181600" cy="190500"/>
-          </a:xfrm>
-          <a:prstGeom prst="straightConnector1">
-            <a:avLst/>
-          </a:prstGeom>
-          <a:ln w="12700">
-            <a:solidFill>
-              <a:schemeClr val="tx1"/>
-            </a:solidFill>
-            <a:tailEnd type="arrow"/>
-          </a:ln>
-        </p:spPr>
-        <p:style>
-          <a:lnRef idx="1">
-            <a:schemeClr val="accent1"/>
-          </a:lnRef>
-          <a:fillRef idx="0">
-            <a:schemeClr val="accent1"/>
-          </a:fillRef>
-          <a:effectRef idx="0">
-            <a:schemeClr val="accent1"/>
-          </a:effectRef>
-          <a:fontRef idx="minor">
-            <a:schemeClr val="tx1"/>
-          </a:fontRef>
-        </p:style>
-      </p:cxnSp>
+            <a:endParaRPr lang="en-US"/>
+          </a:p>
+        </p:txBody>
+      </p:sp>
     </p:spTree>
     <p:extLst>
       <p:ext uri="{BB962C8B-B14F-4D97-AF65-F5344CB8AC3E}">
-        <p14:creationId xmlns:p14="http://schemas.microsoft.com/office/powerpoint/2010/main" val="2466460268"/>
+        <p14:creationId xmlns:p14="http://schemas.microsoft.com/office/powerpoint/2010/main" val="2931266390"/>
       </p:ext>
     </p:extLst>
   </p:cSld>
@@ -7012,156 +9030,211 @@
         </p:nvSpPr>
         <p:spPr/>
         <p:txBody>
+          <a:bodyPr/>
+          <a:lstStyle/>
+          <a:p>
+            <a:r>
+              <a:rPr lang="en-US" dirty="0"/>
+              <a:t>System Design (2)</a:t>
+            </a:r>
+          </a:p>
+        </p:txBody>
+      </p:sp>
+      <p:sp>
+        <p:nvSpPr>
+          <p:cNvPr id="3" name="Content Placeholder 2"/>
+          <p:cNvSpPr>
+            <a:spLocks noGrp="1"/>
+          </p:cNvSpPr>
+          <p:nvPr>
+            <p:ph idx="1"/>
+          </p:nvPr>
+        </p:nvSpPr>
+        <p:spPr/>
+        <p:txBody>
           <a:bodyPr>
-            <a:normAutofit/>
+            <a:normAutofit fontScale="47500" lnSpcReduction="20000"/>
           </a:bodyPr>
           <a:lstStyle/>
           <a:p>
             <a:r>
               <a:rPr lang="en-US" dirty="0"/>
-              <a:t>Contract &amp; purpose statement</a:t>
-            </a:r>
-          </a:p>
-        </p:txBody>
-      </p:sp>
-      <p:sp>
-        <p:nvSpPr>
-          <p:cNvPr id="3" name="Content Placeholder 2"/>
-          <p:cNvSpPr>
-            <a:spLocks noGrp="1"/>
-          </p:cNvSpPr>
-          <p:nvPr>
-            <p:ph idx="1"/>
-          </p:nvPr>
-        </p:nvSpPr>
-        <p:spPr/>
-        <p:txBody>
-          <a:bodyPr>
-            <a:normAutofit/>
-          </a:bodyPr>
-          <a:lstStyle/>
-          <a:p>
-            <a:r>
-              <a:rPr lang="en-US" sz="2400" dirty="0"/>
-              <a:t>;; free-</a:t>
-            </a:r>
-            <a:r>
-              <a:rPr lang="en-US" sz="2400" dirty="0" err="1"/>
-              <a:t>vars</a:t>
-            </a:r>
-            <a:r>
-              <a:rPr lang="en-US" sz="2400" dirty="0"/>
-              <a:t> : </a:t>
-            </a:r>
-            <a:r>
-              <a:rPr lang="en-US" sz="2400" dirty="0" err="1"/>
-              <a:t>FredExp</a:t>
-            </a:r>
-            <a:r>
-              <a:rPr lang="en-US" sz="2400" dirty="0"/>
-              <a:t> -&gt; </a:t>
-            </a:r>
-            <a:r>
-              <a:rPr lang="en-US" sz="2400" dirty="0" err="1"/>
-              <a:t>SetOfSymbol</a:t>
-            </a:r>
-            <a:endParaRPr lang="en-US" sz="2400" dirty="0"/>
-          </a:p>
-          <a:p>
-            <a:r>
-              <a:rPr lang="en-US" sz="2400" dirty="0"/>
-              <a:t>;; Produces the set of names that occur free in the given </a:t>
-            </a:r>
-            <a:r>
-              <a:rPr lang="en-US" sz="2400" dirty="0" err="1"/>
-              <a:t>FredExp</a:t>
-            </a:r>
-            <a:endParaRPr lang="en-US" sz="2400" dirty="0"/>
-          </a:p>
-          <a:p>
-            <a:r>
-              <a:rPr lang="en-US" sz="2400" dirty="0"/>
-              <a:t>;; EXAMPLE:</a:t>
-            </a:r>
-          </a:p>
-          <a:p>
-            <a:r>
-              <a:rPr lang="en-US" sz="2400" dirty="0"/>
-              <a:t>;; (free-</a:t>
-            </a:r>
-            <a:r>
-              <a:rPr lang="en-US" sz="2400" dirty="0" err="1"/>
-              <a:t>vars</a:t>
-            </a:r>
-            <a:r>
-              <a:rPr lang="en-US" sz="2400" dirty="0"/>
-              <a:t> (z (lambda (x) (x y)))) = {y, z}</a:t>
-            </a:r>
-          </a:p>
-          <a:p>
-            <a:r>
-              <a:rPr lang="en-US" sz="2400" dirty="0"/>
-              <a:t>;; strategy: Use template for </a:t>
-            </a:r>
-            <a:r>
-              <a:rPr lang="en-US" sz="2400" dirty="0" err="1"/>
-              <a:t>FredExp</a:t>
-            </a:r>
-            <a:endParaRPr lang="en-US" sz="2400" dirty="0"/>
-          </a:p>
-          <a:p>
-            <a:endParaRPr lang="en-US" sz="2400" dirty="0"/>
-          </a:p>
-          <a:p>
-            <a:r>
-              <a:rPr lang="en-US" b="0" dirty="0">
-                <a:latin typeface="+mn-lt"/>
-              </a:rPr>
-              <a:t>We will represent sets as lists without duplication, as in sets.rkt.</a:t>
-            </a:r>
-          </a:p>
-        </p:txBody>
-      </p:sp>
-      <p:sp>
-        <p:nvSpPr>
-          <p:cNvPr id="4" name="Slide Number Placeholder 3"/>
-          <p:cNvSpPr>
-            <a:spLocks noGrp="1"/>
-          </p:cNvSpPr>
-          <p:nvPr>
-            <p:ph type="sldNum" sz="quarter" idx="12"/>
-          </p:nvPr>
-        </p:nvSpPr>
-        <p:spPr/>
-        <p:txBody>
-          <a:bodyPr/>
-          <a:lstStyle/>
-          <a:p>
-            <a:fld id="{9F4492BD-6A9C-48FC-AC76-0B4FE11194A1}" type="slidenum">
-              <a:rPr lang="en-US" smtClean="0">
+              <a:t>;; Let's look at the "middle" of the calculation.</a:t>
+            </a:r>
+          </a:p>
+          <a:p>
+            <a:r>
+              <a:rPr lang="en-US" dirty="0"/>
+              <a:t>;; When we analyze the definition of f3, we need to know that f1 and</a:t>
+            </a:r>
+          </a:p>
+          <a:p>
+            <a:r>
+              <a:rPr lang="en-US" dirty="0"/>
+              <a:t>;; f2 are defined.  When we analyze the body of f3, we need to know</a:t>
+            </a:r>
+          </a:p>
+          <a:p>
+            <a:r>
+              <a:rPr lang="en-US" dirty="0"/>
+              <a:t>;; that f1, f2, x, and z are defined.</a:t>
+            </a:r>
+          </a:p>
+          <a:p>
+            <a:endParaRPr lang="en-US" dirty="0"/>
+          </a:p>
+          <a:p>
+            <a:r>
+              <a:rPr lang="en-US" i="1" dirty="0">
                 <a:solidFill>
-                  <a:prstClr val="black">
-                    <a:tint val="75000"/>
-                  </a:prstClr>
+                  <a:srgbClr val="FF0000"/>
                 </a:solidFill>
               </a:rPr>
-              <a:pPr/>
+              <a:t>;; So we generalize our functions to take a second argument, which is</a:t>
+            </a:r>
+          </a:p>
+          <a:p>
+            <a:r>
+              <a:rPr lang="en-US" i="1" dirty="0">
+                <a:solidFill>
+                  <a:srgbClr val="FF0000"/>
+                </a:solidFill>
+              </a:rPr>
+              <a:t>;; the set of defined variables.</a:t>
+            </a:r>
+          </a:p>
+          <a:p>
+            <a:endParaRPr lang="en-US" dirty="0"/>
+          </a:p>
+          <a:p>
+            <a:r>
+              <a:rPr lang="en-US" dirty="0"/>
+              <a:t>;; We'll have a family of functions that follow the data definitions;</a:t>
+            </a:r>
+          </a:p>
+          <a:p>
+            <a:endParaRPr lang="en-US" dirty="0"/>
+          </a:p>
+          <a:p>
+            <a:r>
+              <a:rPr lang="en-US" dirty="0"/>
+              <a:t>;; program-all-defined : Program                        -&gt; Boolean</a:t>
+            </a:r>
+          </a:p>
+          <a:p>
+            <a:r>
+              <a:rPr lang="en-US" dirty="0"/>
+              <a:t>;; </a:t>
+            </a:r>
+            <a:r>
+              <a:rPr lang="en-US" dirty="0" err="1"/>
+              <a:t>lod</a:t>
+            </a:r>
+            <a:r>
+              <a:rPr lang="en-US" dirty="0"/>
+              <a:t>-all-defined?    : </a:t>
+            </a:r>
+            <a:r>
+              <a:rPr lang="en-US" dirty="0" err="1"/>
+              <a:t>ListOfDefinition</a:t>
+            </a:r>
+            <a:r>
+              <a:rPr lang="en-US" dirty="0"/>
+              <a:t> </a:t>
+            </a:r>
+            <a:r>
+              <a:rPr lang="en-US" dirty="0" err="1"/>
+              <a:t>SetOfVariable</a:t>
+            </a:r>
+            <a:r>
+              <a:rPr lang="en-US" dirty="0"/>
+              <a:t> -&gt; Boolean</a:t>
+            </a:r>
+          </a:p>
+          <a:p>
+            <a:r>
+              <a:rPr lang="en-US" dirty="0"/>
+              <a:t>;; </a:t>
+            </a:r>
+            <a:r>
+              <a:rPr lang="en-US" dirty="0" err="1"/>
+              <a:t>def</a:t>
+            </a:r>
+            <a:r>
+              <a:rPr lang="en-US" dirty="0"/>
+              <a:t>-all-defined?    : Definition       </a:t>
+            </a:r>
+            <a:r>
+              <a:rPr lang="en-US" dirty="0" err="1"/>
+              <a:t>SetOfVariable</a:t>
+            </a:r>
+            <a:r>
+              <a:rPr lang="en-US" dirty="0"/>
+              <a:t> -&gt; Boolean         </a:t>
+            </a:r>
+          </a:p>
+          <a:p>
+            <a:r>
+              <a:rPr lang="en-US" dirty="0"/>
+              <a:t>;; </a:t>
+            </a:r>
+            <a:r>
+              <a:rPr lang="en-US" dirty="0" err="1"/>
+              <a:t>exp</a:t>
+            </a:r>
+            <a:r>
+              <a:rPr lang="en-US" dirty="0"/>
+              <a:t>-all-defined?    : </a:t>
+            </a:r>
+            <a:r>
+              <a:rPr lang="en-US" dirty="0" err="1"/>
+              <a:t>Exp</a:t>
+            </a:r>
+            <a:r>
+              <a:rPr lang="en-US" dirty="0"/>
+              <a:t>              </a:t>
+            </a:r>
+            <a:r>
+              <a:rPr lang="en-US" dirty="0" err="1"/>
+              <a:t>SetOfVariable</a:t>
+            </a:r>
+            <a:r>
+              <a:rPr lang="en-US" dirty="0"/>
+              <a:t> -&gt; Boolean </a:t>
+            </a:r>
+          </a:p>
+          <a:p>
+            <a:endParaRPr lang="en-US" dirty="0"/>
+          </a:p>
+        </p:txBody>
+      </p:sp>
+      <p:sp>
+        <p:nvSpPr>
+          <p:cNvPr id="4" name="Slide Number Placeholder 3"/>
+          <p:cNvSpPr>
+            <a:spLocks noGrp="1"/>
+          </p:cNvSpPr>
+          <p:nvPr>
+            <p:ph type="sldNum" sz="quarter" idx="12"/>
+          </p:nvPr>
+        </p:nvSpPr>
+        <p:spPr/>
+        <p:txBody>
+          <a:bodyPr/>
+          <a:lstStyle/>
+          <a:p>
+            <a:fld id="{2AF3B5EA-18B6-4040-9F78-6052AF49C681}" type="slidenum">
+              <a:rPr lang="en-US" smtClean="0"/>
               <a:t>22</a:t>
             </a:fld>
-            <a:endParaRPr lang="en-US">
-              <a:solidFill>
-                <a:prstClr val="black">
-                  <a:tint val="75000"/>
-                </a:prstClr>
-              </a:solidFill>
-            </a:endParaRPr>
+            <a:endParaRPr lang="en-US"/>
           </a:p>
         </p:txBody>
       </p:sp>
     </p:spTree>
     <p:extLst>
       <p:ext uri="{BB962C8B-B14F-4D97-AF65-F5344CB8AC3E}">
-        <p14:creationId xmlns:p14="http://schemas.microsoft.com/office/powerpoint/2010/main" val="4258390618"/>
+        <p14:creationId xmlns:p14="http://schemas.microsoft.com/office/powerpoint/2010/main" val="1398431594"/>
       </p:ext>
     </p:extLst>
   </p:cSld>
@@ -7190,7 +9263,7 @@
       </p:grpSpPr>
       <p:sp>
         <p:nvSpPr>
-          <p:cNvPr id="6" name="Title 5"/>
+          <p:cNvPr id="2" name="Title 1"/>
           <p:cNvSpPr>
             <a:spLocks noGrp="1"/>
           </p:cNvSpPr>
@@ -7204,15 +9277,19 @@
           <a:lstStyle/>
           <a:p>
             <a:r>
-              <a:rPr lang="en-US" dirty="0"/>
-              <a:t>Here's the template again</a:t>
-            </a:r>
-          </a:p>
-        </p:txBody>
-      </p:sp>
-      <p:sp>
-        <p:nvSpPr>
-          <p:cNvPr id="7" name="Content Placeholder 6"/>
+              <a:rPr lang="en-US" dirty="0" err="1"/>
+              <a:t>lod</a:t>
+            </a:r>
+            <a:r>
+              <a:rPr lang="en-US" dirty="0"/>
+              <a:t>-all-defined?</a:t>
+            </a:r>
+          </a:p>
+        </p:txBody>
+      </p:sp>
+      <p:sp>
+        <p:nvSpPr>
+          <p:cNvPr id="3" name="Content Placeholder 2"/>
           <p:cNvSpPr>
             <a:spLocks noGrp="1"/>
           </p:cNvSpPr>
@@ -7223,7 +9300,7 @@
         <p:spPr/>
         <p:txBody>
           <a:bodyPr>
-            <a:normAutofit fontScale="77500" lnSpcReduction="20000"/>
+            <a:normAutofit fontScale="40000" lnSpcReduction="20000"/>
           </a:bodyPr>
           <a:lstStyle/>
           <a:p>
@@ -7233,217 +9310,497 @@
             </a:r>
             <a:r>
               <a:rPr lang="en-US" dirty="0" err="1"/>
-              <a:t>fredexp-fn</a:t>
-            </a:r>
-            <a:r>
-              <a:rPr lang="en-US" dirty="0"/>
-              <a:t> : </a:t>
+              <a:t>lod</a:t>
+            </a:r>
+            <a:r>
+              <a:rPr lang="en-US" dirty="0"/>
+              <a:t>-all-defined? : </a:t>
             </a:r>
             <a:r>
               <a:rPr lang="en-US" dirty="0" err="1"/>
-              <a:t>FredExp</a:t>
-            </a:r>
-            <a:r>
-              <a:rPr lang="en-US" dirty="0"/>
-              <a:t> -&gt; ?</a:t>
-            </a:r>
-          </a:p>
-          <a:p>
-            <a:r>
-              <a:rPr lang="en-US" dirty="0"/>
-              <a:t>#;</a:t>
-            </a:r>
-          </a:p>
-          <a:p>
-            <a:r>
-              <a:rPr lang="en-US" dirty="0"/>
-              <a:t>(define (</a:t>
+              <a:t>ListOfDefinition</a:t>
+            </a:r>
+            <a:r>
+              <a:rPr lang="en-US" dirty="0"/>
+              <a:t> </a:t>
             </a:r>
             <a:r>
               <a:rPr lang="en-US" dirty="0" err="1"/>
-              <a:t>fredexp-fn</a:t>
-            </a:r>
-            <a:r>
-              <a:rPr lang="en-US" dirty="0"/>
-              <a:t> f)</a:t>
-            </a:r>
-          </a:p>
-          <a:p>
-            <a:r>
-              <a:rPr lang="en-US" dirty="0"/>
-              <a:t>  (</a:t>
+              <a:t>SetOfVariable</a:t>
+            </a:r>
+            <a:r>
+              <a:rPr lang="en-US" dirty="0"/>
+              <a:t> -&gt; Boolean</a:t>
+            </a:r>
+          </a:p>
+          <a:p>
+            <a:r>
+              <a:rPr lang="en-US" dirty="0"/>
+              <a:t>;; GIVEN: a list of definitions '</a:t>
             </a:r>
             <a:r>
               <a:rPr lang="en-US" dirty="0" err="1"/>
-              <a:t>cond</a:t>
-            </a:r>
-            <a:endParaRPr lang="en-US" dirty="0"/>
-          </a:p>
-          <a:p>
-            <a:r>
-              <a:rPr lang="en-US" dirty="0"/>
-              <a:t>    [(</a:t>
+              <a:t>defs</a:t>
+            </a:r>
+            <a:r>
+              <a:rPr lang="en-US" dirty="0"/>
+              <a:t>' from some program p and a set of</a:t>
+            </a:r>
+          </a:p>
+          <a:p>
+            <a:r>
+              <a:rPr lang="en-US" dirty="0"/>
+              <a:t>;; variables '</a:t>
             </a:r>
             <a:r>
               <a:rPr lang="en-US" dirty="0" err="1"/>
-              <a:t>var</a:t>
-            </a:r>
-            <a:r>
-              <a:rPr lang="en-US" dirty="0"/>
-              <a:t>? f) (... (</a:t>
-            </a:r>
-            <a:r>
-              <a:rPr lang="en-US" dirty="0" err="1"/>
-              <a:t>var</a:t>
-            </a:r>
-            <a:r>
-              <a:rPr lang="en-US" dirty="0"/>
-              <a:t>-name f))]</a:t>
-            </a:r>
-          </a:p>
-          <a:p>
-            <a:r>
-              <a:rPr lang="en-US" dirty="0"/>
-              <a:t>    [(lam? f) (...</a:t>
-            </a:r>
-          </a:p>
-          <a:p>
-            <a:r>
-              <a:rPr lang="en-US" dirty="0"/>
-              <a:t>                (lam-</a:t>
-            </a:r>
-            <a:r>
-              <a:rPr lang="en-US" dirty="0" err="1"/>
-              <a:t>var</a:t>
-            </a:r>
-            <a:r>
-              <a:rPr lang="en-US" dirty="0"/>
-              <a:t> f)</a:t>
-            </a:r>
-          </a:p>
-          <a:p>
-            <a:r>
-              <a:rPr lang="en-US" dirty="0"/>
-              <a:t>                (</a:t>
-            </a:r>
-            <a:r>
-              <a:rPr lang="en-US" dirty="0" err="1"/>
-              <a:t>fredexp-fn</a:t>
-            </a:r>
-            <a:r>
-              <a:rPr lang="en-US" dirty="0"/>
-              <a:t> (lam-body f)))]</a:t>
-            </a:r>
-          </a:p>
-          <a:p>
-            <a:r>
-              <a:rPr lang="en-US" dirty="0"/>
-              <a:t>    [(app? f) (...</a:t>
-            </a:r>
-          </a:p>
-          <a:p>
-            <a:r>
-              <a:rPr lang="en-US" dirty="0"/>
-              <a:t>                (</a:t>
-            </a:r>
-            <a:r>
-              <a:rPr lang="en-US" dirty="0" err="1"/>
-              <a:t>fredexp-fn</a:t>
-            </a:r>
-            <a:r>
-              <a:rPr lang="en-US" dirty="0"/>
-              <a:t> (app-</a:t>
-            </a:r>
-            <a:r>
-              <a:rPr lang="en-US" dirty="0" err="1"/>
-              <a:t>fn</a:t>
-            </a:r>
-            <a:r>
-              <a:rPr lang="en-US" dirty="0"/>
-              <a:t> f))</a:t>
-            </a:r>
-          </a:p>
-          <a:p>
-            <a:r>
-              <a:rPr lang="en-US" dirty="0"/>
-              <a:t>                (</a:t>
-            </a:r>
-            <a:r>
-              <a:rPr lang="en-US" dirty="0" err="1"/>
-              <a:t>fredexp-fn</a:t>
-            </a:r>
-            <a:r>
-              <a:rPr lang="en-US" dirty="0"/>
-              <a:t> (app-</a:t>
-            </a:r>
-            <a:r>
-              <a:rPr lang="en-US" dirty="0" err="1"/>
-              <a:t>arg</a:t>
-            </a:r>
-            <a:r>
-              <a:rPr lang="en-US" dirty="0"/>
-              <a:t> f)))]))</a:t>
-            </a:r>
-          </a:p>
-        </p:txBody>
-      </p:sp>
-      <p:sp>
-        <p:nvSpPr>
-          <p:cNvPr id="3" name="Slide Number Placeholder 2"/>
-          <p:cNvSpPr>
-            <a:spLocks noGrp="1"/>
-          </p:cNvSpPr>
-          <p:nvPr>
-            <p:ph type="sldNum" sz="quarter" idx="12"/>
-          </p:nvPr>
-        </p:nvSpPr>
-        <p:spPr/>
-        <p:txBody>
-          <a:bodyPr/>
-          <a:lstStyle/>
-          <a:p>
-            <a:fld id="{9F4492BD-6A9C-48FC-AC76-0B4FE11194A1}" type="slidenum">
-              <a:rPr lang="en-US" smtClean="0">
+              <a:t>vars</a:t>
+            </a:r>
+            <a:r>
+              <a:rPr lang="en-US" dirty="0"/>
+              <a:t>'</a:t>
+            </a:r>
+          </a:p>
+          <a:p>
+            <a:r>
+              <a:rPr lang="en-US" dirty="0">
                 <a:solidFill>
-                  <a:prstClr val="black">
-                    <a:tint val="75000"/>
-                  </a:prstClr>
+                  <a:srgbClr val="FF0000"/>
                 </a:solidFill>
               </a:rPr>
-              <a:pPr/>
+              <a:t>;; WHERE: </a:t>
+            </a:r>
+            <a:r>
+              <a:rPr lang="en-US" dirty="0" err="1">
+                <a:solidFill>
+                  <a:srgbClr val="FF0000"/>
+                </a:solidFill>
+              </a:rPr>
+              <a:t>vars</a:t>
+            </a:r>
+            <a:r>
+              <a:rPr lang="en-US" dirty="0">
+                <a:solidFill>
+                  <a:srgbClr val="FF0000"/>
+                </a:solidFill>
+              </a:rPr>
+              <a:t> is the set of variables available at the start of </a:t>
+            </a:r>
+            <a:r>
+              <a:rPr lang="en-US" dirty="0" err="1">
+                <a:solidFill>
+                  <a:srgbClr val="FF0000"/>
+                </a:solidFill>
+              </a:rPr>
+              <a:t>defs</a:t>
+            </a:r>
+            <a:r>
+              <a:rPr lang="en-US" dirty="0">
+                <a:solidFill>
+                  <a:srgbClr val="FF0000"/>
+                </a:solidFill>
+              </a:rPr>
+              <a:t> in</a:t>
+            </a:r>
+          </a:p>
+          <a:p>
+            <a:r>
+              <a:rPr lang="en-US" dirty="0">
+                <a:solidFill>
+                  <a:srgbClr val="FF0000"/>
+                </a:solidFill>
+              </a:rPr>
+              <a:t>;; p.</a:t>
+            </a:r>
+          </a:p>
+          <a:p>
+            <a:r>
+              <a:rPr lang="en-US" dirty="0"/>
+              <a:t>;; RETURNS: true </a:t>
+            </a:r>
+            <a:r>
+              <a:rPr lang="en-US" dirty="0" err="1"/>
+              <a:t>iff</a:t>
+            </a:r>
+            <a:r>
+              <a:rPr lang="en-US" dirty="0"/>
+              <a:t> there are no undefined variables in </a:t>
+            </a:r>
+            <a:r>
+              <a:rPr lang="en-US" dirty="0" err="1"/>
+              <a:t>defs</a:t>
+            </a:r>
+            <a:r>
+              <a:rPr lang="en-US" dirty="0"/>
+              <a:t>.</a:t>
+            </a:r>
+          </a:p>
+          <a:p>
+            <a:r>
+              <a:rPr lang="en-US" dirty="0"/>
+              <a:t>;; EXAMPLES: See examples above (slide 8)</a:t>
+            </a:r>
+          </a:p>
+          <a:p>
+            <a:r>
+              <a:rPr lang="en-US" dirty="0"/>
+              <a:t>;; STRATEGY: Use template for </a:t>
+            </a:r>
+            <a:r>
+              <a:rPr lang="en-US" dirty="0" err="1"/>
+              <a:t>ListOfDefinition</a:t>
+            </a:r>
+            <a:r>
+              <a:rPr lang="en-US" dirty="0"/>
+              <a:t> on </a:t>
+            </a:r>
+            <a:r>
+              <a:rPr lang="en-US" dirty="0" err="1"/>
+              <a:t>defs</a:t>
+            </a:r>
+            <a:r>
+              <a:rPr lang="en-US" dirty="0"/>
+              <a:t>.  The names</a:t>
+            </a:r>
+          </a:p>
+          <a:p>
+            <a:r>
+              <a:rPr lang="en-US" dirty="0"/>
+              <a:t>;; available in (rest </a:t>
+            </a:r>
+            <a:r>
+              <a:rPr lang="en-US" dirty="0" err="1"/>
+              <a:t>defs</a:t>
+            </a:r>
+            <a:r>
+              <a:rPr lang="en-US" dirty="0"/>
+              <a:t>) are those in </a:t>
+            </a:r>
+            <a:r>
+              <a:rPr lang="en-US" dirty="0" err="1"/>
+              <a:t>vars</a:t>
+            </a:r>
+            <a:r>
+              <a:rPr lang="en-US" dirty="0"/>
+              <a:t>, plus the variable</a:t>
+            </a:r>
+          </a:p>
+          <a:p>
+            <a:r>
+              <a:rPr lang="en-US" dirty="0"/>
+              <a:t>;; defined in (first </a:t>
+            </a:r>
+            <a:r>
+              <a:rPr lang="en-US" dirty="0" err="1"/>
+              <a:t>defs</a:t>
+            </a:r>
+            <a:r>
+              <a:rPr lang="en-US" dirty="0"/>
+              <a:t>).</a:t>
+            </a:r>
+          </a:p>
+          <a:p>
+            <a:endParaRPr lang="en-US" dirty="0"/>
+          </a:p>
+          <a:p>
+            <a:r>
+              <a:rPr lang="en-US" dirty="0"/>
+              <a:t>(define (</a:t>
+            </a:r>
+            <a:r>
+              <a:rPr lang="en-US" dirty="0" err="1"/>
+              <a:t>lod</a:t>
+            </a:r>
+            <a:r>
+              <a:rPr lang="en-US" dirty="0"/>
+              <a:t>-all-defined? </a:t>
+            </a:r>
+            <a:r>
+              <a:rPr lang="en-US" dirty="0" err="1"/>
+              <a:t>defs</a:t>
+            </a:r>
+            <a:r>
+              <a:rPr lang="en-US" dirty="0"/>
+              <a:t> </a:t>
+            </a:r>
+            <a:r>
+              <a:rPr lang="en-US" dirty="0" err="1"/>
+              <a:t>vars</a:t>
+            </a:r>
+            <a:r>
+              <a:rPr lang="en-US" dirty="0"/>
+              <a:t>)</a:t>
+            </a:r>
+          </a:p>
+          <a:p>
+            <a:r>
+              <a:rPr lang="en-US" dirty="0"/>
+              <a:t>  (cond</a:t>
+            </a:r>
+          </a:p>
+          <a:p>
+            <a:r>
+              <a:rPr lang="en-US" dirty="0"/>
+              <a:t>    [(null? </a:t>
+            </a:r>
+            <a:r>
+              <a:rPr lang="en-US" dirty="0" err="1"/>
+              <a:t>defs</a:t>
+            </a:r>
+            <a:r>
+              <a:rPr lang="en-US" dirty="0"/>
+              <a:t>) true]</a:t>
+            </a:r>
+          </a:p>
+          <a:p>
+            <a:r>
+              <a:rPr lang="en-US" dirty="0"/>
+              <a:t>    [else</a:t>
+            </a:r>
+          </a:p>
+          <a:p>
+            <a:r>
+              <a:rPr lang="en-US" dirty="0"/>
+              <a:t>     (and</a:t>
+            </a:r>
+          </a:p>
+          <a:p>
+            <a:r>
+              <a:rPr lang="en-US" dirty="0"/>
+              <a:t>      (</a:t>
+            </a:r>
+            <a:r>
+              <a:rPr lang="en-US" dirty="0" err="1"/>
+              <a:t>def</a:t>
+            </a:r>
+            <a:r>
+              <a:rPr lang="en-US" dirty="0"/>
+              <a:t>-all-defined? (first </a:t>
+            </a:r>
+            <a:r>
+              <a:rPr lang="en-US" dirty="0" err="1"/>
+              <a:t>defs</a:t>
+            </a:r>
+            <a:r>
+              <a:rPr lang="en-US" dirty="0"/>
+              <a:t>) </a:t>
+            </a:r>
+            <a:r>
+              <a:rPr lang="en-US" dirty="0" err="1"/>
+              <a:t>vars</a:t>
+            </a:r>
+            <a:r>
+              <a:rPr lang="en-US" dirty="0"/>
+              <a:t>)</a:t>
+            </a:r>
+          </a:p>
+          <a:p>
+            <a:r>
+              <a:rPr lang="en-US" dirty="0"/>
+              <a:t>      (</a:t>
+            </a:r>
+            <a:r>
+              <a:rPr lang="en-US" dirty="0" err="1"/>
+              <a:t>lod</a:t>
+            </a:r>
+            <a:r>
+              <a:rPr lang="en-US" dirty="0"/>
+              <a:t>-all-defined? (rest  </a:t>
+            </a:r>
+            <a:r>
+              <a:rPr lang="en-US" dirty="0" err="1"/>
+              <a:t>defs</a:t>
+            </a:r>
+            <a:r>
+              <a:rPr lang="en-US" dirty="0"/>
+              <a:t>)</a:t>
+            </a:r>
+          </a:p>
+          <a:p>
+            <a:r>
+              <a:rPr lang="en-US" dirty="0"/>
+              <a:t>                        (set-cons (</a:t>
+            </a:r>
+            <a:r>
+              <a:rPr lang="en-US" dirty="0" err="1"/>
+              <a:t>def</a:t>
+            </a:r>
+            <a:r>
+              <a:rPr lang="en-US" dirty="0"/>
+              <a:t>-name (first </a:t>
+            </a:r>
+            <a:r>
+              <a:rPr lang="en-US" dirty="0" err="1"/>
+              <a:t>defs</a:t>
+            </a:r>
+            <a:r>
+              <a:rPr lang="en-US" dirty="0"/>
+              <a:t>))</a:t>
+            </a:r>
+          </a:p>
+          <a:p>
+            <a:r>
+              <a:rPr lang="en-US" dirty="0"/>
+              <a:t>                                  </a:t>
+            </a:r>
+            <a:r>
+              <a:rPr lang="en-US" dirty="0" err="1"/>
+              <a:t>vars</a:t>
+            </a:r>
+            <a:r>
+              <a:rPr lang="en-US" dirty="0"/>
+              <a:t>)))]))</a:t>
+            </a:r>
+          </a:p>
+        </p:txBody>
+      </p:sp>
+      <p:sp>
+        <p:nvSpPr>
+          <p:cNvPr id="4" name="Slide Number Placeholder 3"/>
+          <p:cNvSpPr>
+            <a:spLocks noGrp="1"/>
+          </p:cNvSpPr>
+          <p:nvPr>
+            <p:ph type="sldNum" sz="quarter" idx="12"/>
+          </p:nvPr>
+        </p:nvSpPr>
+        <p:spPr/>
+        <p:txBody>
+          <a:bodyPr/>
+          <a:lstStyle/>
+          <a:p>
+            <a:fld id="{2AF3B5EA-18B6-4040-9F78-6052AF49C681}" type="slidenum">
+              <a:rPr lang="en-US" smtClean="0"/>
               <a:t>23</a:t>
             </a:fld>
-            <a:endParaRPr lang="en-US">
-              <a:solidFill>
-                <a:prstClr val="black">
-                  <a:tint val="75000"/>
-                </a:prstClr>
-              </a:solidFill>
-            </a:endParaRPr>
-          </a:p>
-        </p:txBody>
-      </p:sp>
-      <p:sp>
-        <p:nvSpPr>
-          <p:cNvPr id="5" name="Rectangle 4"/>
-          <p:cNvSpPr/>
+            <a:endParaRPr lang="en-US"/>
+          </a:p>
+        </p:txBody>
+      </p:sp>
+      <p:sp>
+        <p:nvSpPr>
+          <p:cNvPr id="5" name="TextBox 4"/>
+          <p:cNvSpPr txBox="1"/>
           <p:nvPr/>
         </p:nvSpPr>
         <p:spPr>
           <a:xfrm>
-            <a:off x="6553200" y="2133600"/>
-            <a:ext cx="2362200" cy="1601787"/>
+            <a:off x="6858000" y="2590800"/>
+            <a:ext cx="1905000" cy="2862322"/>
           </a:xfrm>
           <a:prstGeom prst="rect">
             <a:avLst/>
           </a:prstGeom>
           <a:solidFill>
-            <a:schemeClr val="accent3">
-              <a:lumMod val="40000"/>
-              <a:lumOff val="60000"/>
+            <a:schemeClr val="accent1">
+              <a:lumMod val="20000"/>
+              <a:lumOff val="80000"/>
             </a:schemeClr>
           </a:solidFill>
-          <a:ln/>
+        </p:spPr>
+        <p:txBody>
+          <a:bodyPr wrap="square" rtlCol="0">
+            <a:spAutoFit/>
+          </a:bodyPr>
+          <a:lstStyle/>
+          <a:p>
+            <a:r>
+              <a:rPr lang="en-US" dirty="0"/>
+              <a:t>You can’t tell if a variable is undefined unless you know something about the program it occurs in!  The WHERE invariant captures this information.</a:t>
+            </a:r>
+          </a:p>
+        </p:txBody>
+      </p:sp>
+      <p:sp>
+        <p:nvSpPr>
+          <p:cNvPr id="6" name="TextBox 5"/>
+          <p:cNvSpPr txBox="1"/>
+          <p:nvPr/>
+        </p:nvSpPr>
+        <p:spPr>
+          <a:xfrm>
+            <a:off x="437072" y="5833130"/>
+            <a:ext cx="4038600" cy="523220"/>
+          </a:xfrm>
+          <a:prstGeom prst="rect">
+            <a:avLst/>
+          </a:prstGeom>
+          <a:solidFill>
+            <a:schemeClr val="accent1">
+              <a:lumMod val="20000"/>
+              <a:lumOff val="80000"/>
+            </a:schemeClr>
+          </a:solidFill>
+        </p:spPr>
+        <p:txBody>
+          <a:bodyPr wrap="square" rtlCol="0">
+            <a:spAutoFit/>
+          </a:bodyPr>
+          <a:lstStyle/>
+          <a:p>
+            <a:r>
+              <a:rPr lang="en-US" sz="1400" dirty="0"/>
+              <a:t>Don’t say “see examples above” or “see tests below” unless there really are such examples or tests.</a:t>
+            </a:r>
+          </a:p>
+        </p:txBody>
+      </p:sp>
+      <p:sp>
+        <p:nvSpPr>
+          <p:cNvPr id="8" name="Freeform 7"/>
+          <p:cNvSpPr/>
+          <p:nvPr/>
+        </p:nvSpPr>
+        <p:spPr>
+          <a:xfrm>
+            <a:off x="438727" y="2993366"/>
+            <a:ext cx="1277930" cy="2838091"/>
+          </a:xfrm>
+          <a:custGeom>
+            <a:avLst/>
+            <a:gdLst>
+              <a:gd name="connsiteX0" fmla="*/ 458420 w 1277930"/>
+              <a:gd name="connsiteY0" fmla="*/ 2838091 h 2838091"/>
+              <a:gd name="connsiteX1" fmla="*/ 35726 w 1277930"/>
+              <a:gd name="connsiteY1" fmla="*/ 1604513 h 2838091"/>
+              <a:gd name="connsiteX2" fmla="*/ 1277930 w 1277930"/>
+              <a:gd name="connsiteY2" fmla="*/ 0 h 2838091"/>
+            </a:gdLst>
+            <a:ahLst/>
+            <a:cxnLst>
+              <a:cxn ang="0">
+                <a:pos x="connsiteX0" y="connsiteY0"/>
+              </a:cxn>
+              <a:cxn ang="0">
+                <a:pos x="connsiteX1" y="connsiteY1"/>
+              </a:cxn>
+              <a:cxn ang="0">
+                <a:pos x="connsiteX2" y="connsiteY2"/>
+              </a:cxn>
+            </a:cxnLst>
+            <a:rect l="l" t="t" r="r" b="b"/>
+            <a:pathLst>
+              <a:path w="1277930" h="2838091">
+                <a:moveTo>
+                  <a:pt x="458420" y="2838091"/>
+                </a:moveTo>
+                <a:cubicBezTo>
+                  <a:pt x="178780" y="2457809"/>
+                  <a:pt x="-100859" y="2077528"/>
+                  <a:pt x="35726" y="1604513"/>
+                </a:cubicBezTo>
+                <a:cubicBezTo>
+                  <a:pt x="172311" y="1131498"/>
+                  <a:pt x="725120" y="565749"/>
+                  <a:pt x="1277930" y="0"/>
+                </a:cubicBezTo>
+              </a:path>
+            </a:pathLst>
+          </a:custGeom>
+          <a:noFill/>
+          <a:ln w="12700">
+            <a:tailEnd type="arrow"/>
+          </a:ln>
         </p:spPr>
         <p:style>
           <a:lnRef idx="2">
@@ -7460,30 +9817,18 @@
           </a:fontRef>
         </p:style>
         <p:txBody>
-          <a:bodyPr rot="0" spcFirstLastPara="0" vertOverflow="overflow" horzOverflow="overflow" vert="horz" wrap="square" lIns="91440" tIns="45720" rIns="91440" bIns="45720" numCol="1" spcCol="0" rtlCol="0" fromWordArt="0" anchor="ctr" anchorCtr="0" forceAA="0" compatLnSpc="1">
-            <a:prstTxWarp prst="textNoShape">
-              <a:avLst/>
-            </a:prstTxWarp>
-            <a:noAutofit/>
-          </a:bodyPr>
+          <a:bodyPr rtlCol="0" anchor="ctr"/>
           <a:lstStyle/>
           <a:p>
             <a:pPr algn="ctr"/>
-            <a:r>
-              <a:rPr lang="en-US" sz="2400" dirty="0">
-                <a:solidFill>
-                  <a:schemeClr val="tx1"/>
-                </a:solidFill>
-              </a:rPr>
-              <a:t>What happens as we descend into the structure?</a:t>
-            </a:r>
+            <a:endParaRPr lang="en-US"/>
           </a:p>
         </p:txBody>
       </p:sp>
     </p:spTree>
     <p:extLst>
       <p:ext uri="{BB962C8B-B14F-4D97-AF65-F5344CB8AC3E}">
-        <p14:creationId xmlns:p14="http://schemas.microsoft.com/office/powerpoint/2010/main" val="3696768219"/>
+        <p14:creationId xmlns:p14="http://schemas.microsoft.com/office/powerpoint/2010/main" val="1094598305"/>
       </p:ext>
     </p:extLst>
   </p:cSld>
@@ -7522,106 +9867,331 @@
         </p:nvSpPr>
         <p:spPr/>
         <p:txBody>
+          <a:bodyPr/>
+          <a:lstStyle/>
+          <a:p>
+            <a:r>
+              <a:rPr lang="en-US" dirty="0" err="1"/>
+              <a:t>def</a:t>
+            </a:r>
+            <a:r>
+              <a:rPr lang="en-US" dirty="0"/>
+              <a:t>-all-defined?</a:t>
+            </a:r>
+          </a:p>
+        </p:txBody>
+      </p:sp>
+      <p:sp>
+        <p:nvSpPr>
+          <p:cNvPr id="3" name="Content Placeholder 2"/>
+          <p:cNvSpPr>
+            <a:spLocks noGrp="1"/>
+          </p:cNvSpPr>
+          <p:nvPr>
+            <p:ph idx="1"/>
+          </p:nvPr>
+        </p:nvSpPr>
+        <p:spPr/>
+        <p:txBody>
           <a:bodyPr>
-            <a:normAutofit fontScale="90000"/>
+            <a:normAutofit fontScale="47500" lnSpcReduction="20000"/>
           </a:bodyPr>
           <a:lstStyle/>
           <a:p>
             <a:r>
               <a:rPr lang="en-US" dirty="0"/>
-              <a:t>What happens as we descend into the structure?</a:t>
-            </a:r>
-          </a:p>
-        </p:txBody>
-      </p:sp>
-      <p:sp>
-        <p:nvSpPr>
-          <p:cNvPr id="3" name="Content Placeholder 2"/>
-          <p:cNvSpPr>
-            <a:spLocks noGrp="1"/>
-          </p:cNvSpPr>
-          <p:nvPr>
-            <p:ph idx="1"/>
-          </p:nvPr>
-        </p:nvSpPr>
-        <p:spPr/>
-        <p:txBody>
-          <a:bodyPr>
-            <a:normAutofit/>
-          </a:bodyPr>
-          <a:lstStyle/>
-          <a:p>
-            <a:r>
-              <a:rPr lang="en-US" dirty="0"/>
-              <a:t>We lose information about which lambda-variables are above us.</a:t>
-            </a:r>
-          </a:p>
-          <a:p>
-            <a:r>
-              <a:rPr lang="en-US" dirty="0"/>
-              <a:t>So we'll add a context variable to keep track of the lambda-variables above us</a:t>
-            </a:r>
-          </a:p>
-          <a:p>
-            <a:pPr lvl="1"/>
-            <a:r>
-              <a:rPr lang="en-US" dirty="0"/>
-              <a:t>when we hit a variable, see if it's already in this list.  If so, it's not free in the whole expression. </a:t>
-            </a:r>
-          </a:p>
-          <a:p>
-            <a:pPr lvl="1"/>
-            <a:r>
-              <a:rPr lang="en-US" dirty="0"/>
-              <a:t>This is like the counter in </a:t>
-            </a:r>
-            <a:r>
-              <a:rPr lang="en-US" b="1" dirty="0"/>
-              <a:t>mark-depth</a:t>
-            </a:r>
-          </a:p>
-        </p:txBody>
-      </p:sp>
-      <p:sp>
-        <p:nvSpPr>
-          <p:cNvPr id="4" name="Slide Number Placeholder 3"/>
-          <p:cNvSpPr>
-            <a:spLocks noGrp="1"/>
-          </p:cNvSpPr>
-          <p:nvPr>
-            <p:ph type="sldNum" sz="quarter" idx="12"/>
-          </p:nvPr>
-        </p:nvSpPr>
-        <p:spPr/>
-        <p:txBody>
-          <a:bodyPr/>
-          <a:lstStyle/>
-          <a:p>
-            <a:fld id="{9F4492BD-6A9C-48FC-AC76-0B4FE11194A1}" type="slidenum">
-              <a:rPr lang="en-US" smtClean="0">
+              <a:t>;; </a:t>
+            </a:r>
+            <a:r>
+              <a:rPr lang="en-US" dirty="0" err="1"/>
+              <a:t>def</a:t>
+            </a:r>
+            <a:r>
+              <a:rPr lang="en-US" dirty="0"/>
+              <a:t>-all-defined? : Definition </a:t>
+            </a:r>
+            <a:r>
+              <a:rPr lang="en-US" dirty="0" err="1"/>
+              <a:t>SetOfVariable</a:t>
+            </a:r>
+            <a:r>
+              <a:rPr lang="en-US" dirty="0"/>
+              <a:t> -&gt; Boolean </a:t>
+            </a:r>
+          </a:p>
+          <a:p>
+            <a:r>
+              <a:rPr lang="en-US" dirty="0"/>
+              <a:t>;; GIVEN: A definition '</a:t>
+            </a:r>
+            <a:r>
+              <a:rPr lang="en-US" dirty="0" err="1"/>
+              <a:t>def</a:t>
+            </a:r>
+            <a:r>
+              <a:rPr lang="en-US" dirty="0"/>
+              <a:t>' from some program p and a set of</a:t>
+            </a:r>
+          </a:p>
+          <a:p>
+            <a:r>
+              <a:rPr lang="en-US" dirty="0"/>
+              <a:t>;; variables '</a:t>
+            </a:r>
+            <a:r>
+              <a:rPr lang="en-US" dirty="0" err="1"/>
+              <a:t>vars</a:t>
+            </a:r>
+            <a:r>
+              <a:rPr lang="en-US" dirty="0"/>
+              <a:t>'</a:t>
+            </a:r>
+          </a:p>
+          <a:p>
+            <a:r>
+              <a:rPr lang="en-US" dirty="0">
                 <a:solidFill>
-                  <a:prstClr val="black">
-                    <a:tint val="75000"/>
-                  </a:prstClr>
+                  <a:srgbClr val="FF0000"/>
                 </a:solidFill>
               </a:rPr>
-              <a:pPr/>
+              <a:t>;; WHERE: </a:t>
+            </a:r>
+            <a:r>
+              <a:rPr lang="en-US" dirty="0" err="1">
+                <a:solidFill>
+                  <a:srgbClr val="FF0000"/>
+                </a:solidFill>
+              </a:rPr>
+              <a:t>vars</a:t>
+            </a:r>
+            <a:r>
+              <a:rPr lang="en-US" dirty="0">
+                <a:solidFill>
+                  <a:srgbClr val="FF0000"/>
+                </a:solidFill>
+              </a:rPr>
+              <a:t> is the set of variables available at the start of </a:t>
+            </a:r>
+            <a:r>
+              <a:rPr lang="en-US" dirty="0" err="1">
+                <a:solidFill>
+                  <a:srgbClr val="FF0000"/>
+                </a:solidFill>
+              </a:rPr>
+              <a:t>def</a:t>
+            </a:r>
+            <a:r>
+              <a:rPr lang="en-US" dirty="0">
+                <a:solidFill>
+                  <a:srgbClr val="FF0000"/>
+                </a:solidFill>
+              </a:rPr>
+              <a:t> in</a:t>
+            </a:r>
+          </a:p>
+          <a:p>
+            <a:r>
+              <a:rPr lang="en-US" dirty="0">
+                <a:solidFill>
+                  <a:srgbClr val="FF0000"/>
+                </a:solidFill>
+              </a:rPr>
+              <a:t>;; p.</a:t>
+            </a:r>
+          </a:p>
+          <a:p>
+            <a:r>
+              <a:rPr lang="en-US" dirty="0"/>
+              <a:t>;; RETURNS: true if there are no undefined variables in the body of</a:t>
+            </a:r>
+          </a:p>
+          <a:p>
+            <a:r>
+              <a:rPr lang="en-US" dirty="0"/>
+              <a:t>;; def.  The available variables in the body are the ones in </a:t>
+            </a:r>
+            <a:r>
+              <a:rPr lang="en-US" dirty="0" err="1"/>
+              <a:t>def</a:t>
+            </a:r>
+            <a:r>
+              <a:rPr lang="en-US" dirty="0"/>
+              <a:t>, plus</a:t>
+            </a:r>
+          </a:p>
+          <a:p>
+            <a:r>
+              <a:rPr lang="en-US" dirty="0"/>
+              <a:t>;; the name and arguments of the definition.</a:t>
+            </a:r>
+          </a:p>
+          <a:p>
+            <a:r>
+              <a:rPr lang="en-US" dirty="0"/>
+              <a:t>;; EXAMPLES: See examples above (slide 8)</a:t>
+            </a:r>
+          </a:p>
+          <a:p>
+            <a:r>
+              <a:rPr lang="en-US" dirty="0"/>
+              <a:t>;; STRATEGY: Use template for Definition on </a:t>
+            </a:r>
+            <a:r>
+              <a:rPr lang="en-US" dirty="0" err="1"/>
+              <a:t>def</a:t>
+            </a:r>
+            <a:endParaRPr lang="en-US" dirty="0"/>
+          </a:p>
+          <a:p>
+            <a:endParaRPr lang="en-US" dirty="0"/>
+          </a:p>
+          <a:p>
+            <a:r>
+              <a:rPr lang="en-US" dirty="0"/>
+              <a:t>(define (</a:t>
+            </a:r>
+            <a:r>
+              <a:rPr lang="en-US" dirty="0" err="1"/>
+              <a:t>def</a:t>
+            </a:r>
+            <a:r>
+              <a:rPr lang="en-US" dirty="0"/>
+              <a:t>-all-defined? </a:t>
+            </a:r>
+            <a:r>
+              <a:rPr lang="en-US" dirty="0" err="1"/>
+              <a:t>def</a:t>
+            </a:r>
+            <a:r>
+              <a:rPr lang="en-US" dirty="0"/>
+              <a:t> </a:t>
+            </a:r>
+            <a:r>
+              <a:rPr lang="en-US" dirty="0" err="1"/>
+              <a:t>vars</a:t>
+            </a:r>
+            <a:r>
+              <a:rPr lang="en-US" dirty="0"/>
+              <a:t>)</a:t>
+            </a:r>
+          </a:p>
+          <a:p>
+            <a:r>
+              <a:rPr lang="en-US" dirty="0"/>
+              <a:t>  (</a:t>
+            </a:r>
+            <a:r>
+              <a:rPr lang="en-US" dirty="0" err="1"/>
+              <a:t>exp</a:t>
+            </a:r>
+            <a:r>
+              <a:rPr lang="en-US" dirty="0"/>
+              <a:t>-all-defined? (</a:t>
+            </a:r>
+            <a:r>
+              <a:rPr lang="en-US" dirty="0" err="1"/>
+              <a:t>def</a:t>
+            </a:r>
+            <a:r>
+              <a:rPr lang="en-US" dirty="0"/>
+              <a:t>-body </a:t>
+            </a:r>
+            <a:r>
+              <a:rPr lang="en-US" dirty="0" err="1"/>
+              <a:t>def</a:t>
+            </a:r>
+            <a:r>
+              <a:rPr lang="en-US" dirty="0"/>
+              <a:t>)</a:t>
+            </a:r>
+          </a:p>
+          <a:p>
+            <a:r>
+              <a:rPr lang="en-US" dirty="0"/>
+              <a:t>                    (set-cons</a:t>
+            </a:r>
+          </a:p>
+          <a:p>
+            <a:r>
+              <a:rPr lang="en-US" dirty="0"/>
+              <a:t>                     (</a:t>
+            </a:r>
+            <a:r>
+              <a:rPr lang="en-US" dirty="0" err="1"/>
+              <a:t>def</a:t>
+            </a:r>
+            <a:r>
+              <a:rPr lang="en-US" dirty="0"/>
+              <a:t>-name </a:t>
+            </a:r>
+            <a:r>
+              <a:rPr lang="en-US" dirty="0" err="1"/>
+              <a:t>def</a:t>
+            </a:r>
+            <a:r>
+              <a:rPr lang="en-US" dirty="0"/>
+              <a:t>)</a:t>
+            </a:r>
+          </a:p>
+          <a:p>
+            <a:r>
+              <a:rPr lang="en-US" dirty="0"/>
+              <a:t>                     (set-union (</a:t>
+            </a:r>
+            <a:r>
+              <a:rPr lang="en-US" dirty="0" err="1"/>
+              <a:t>def-args</a:t>
+            </a:r>
+            <a:r>
+              <a:rPr lang="en-US" dirty="0"/>
+              <a:t> </a:t>
+            </a:r>
+            <a:r>
+              <a:rPr lang="en-US" dirty="0" err="1"/>
+              <a:t>def</a:t>
+            </a:r>
+            <a:r>
+              <a:rPr lang="en-US" dirty="0"/>
+              <a:t>) </a:t>
+            </a:r>
+            <a:r>
+              <a:rPr lang="en-US" dirty="0" err="1"/>
+              <a:t>vars</a:t>
+            </a:r>
+            <a:r>
+              <a:rPr lang="en-US" dirty="0"/>
+              <a:t>))))</a:t>
+            </a:r>
+          </a:p>
+        </p:txBody>
+      </p:sp>
+      <p:sp>
+        <p:nvSpPr>
+          <p:cNvPr id="4" name="Slide Number Placeholder 3"/>
+          <p:cNvSpPr>
+            <a:spLocks noGrp="1"/>
+          </p:cNvSpPr>
+          <p:nvPr>
+            <p:ph type="sldNum" sz="quarter" idx="12"/>
+          </p:nvPr>
+        </p:nvSpPr>
+        <p:spPr/>
+        <p:txBody>
+          <a:bodyPr/>
+          <a:lstStyle/>
+          <a:p>
+            <a:fld id="{2AF3B5EA-18B6-4040-9F78-6052AF49C681}" type="slidenum">
+              <a:rPr lang="en-US" smtClean="0"/>
               <a:t>24</a:t>
             </a:fld>
-            <a:endParaRPr lang="en-US" dirty="0">
-              <a:solidFill>
-                <a:prstClr val="black">
-                  <a:tint val="75000"/>
-                </a:prstClr>
-              </a:solidFill>
-            </a:endParaRPr>
+            <a:endParaRPr lang="en-US"/>
           </a:p>
         </p:txBody>
       </p:sp>
     </p:spTree>
     <p:extLst>
       <p:ext uri="{BB962C8B-B14F-4D97-AF65-F5344CB8AC3E}">
-        <p14:creationId xmlns:p14="http://schemas.microsoft.com/office/powerpoint/2010/main" val="3518516738"/>
+        <p14:creationId xmlns:p14="http://schemas.microsoft.com/office/powerpoint/2010/main" val="1769856476"/>
       </p:ext>
     </p:extLst>
   </p:cSld>
@@ -7664,8 +10234,12 @@
           <a:lstStyle/>
           <a:p>
             <a:r>
-              <a:rPr lang="en-US" dirty="0"/>
-              <a:t>With context variable</a:t>
+              <a:rPr lang="en-US" dirty="0" err="1"/>
+              <a:t>exp</a:t>
+            </a:r>
+            <a:r>
+              <a:rPr lang="en-US" dirty="0"/>
+              <a:t>-all-defined?</a:t>
             </a:r>
           </a:p>
         </p:txBody>
@@ -7683,116 +10257,66 @@
         <p:spPr/>
         <p:txBody>
           <a:bodyPr>
-            <a:normAutofit fontScale="70000" lnSpcReduction="20000"/>
+            <a:normAutofit fontScale="55000" lnSpcReduction="20000"/>
           </a:bodyPr>
           <a:lstStyle/>
           <a:p>
             <a:r>
               <a:rPr lang="en-US" dirty="0"/>
-              <a:t>;; free-</a:t>
+              <a:t>;; </a:t>
+            </a:r>
+            <a:r>
+              <a:rPr lang="en-US" dirty="0" err="1"/>
+              <a:t>exp</a:t>
+            </a:r>
+            <a:r>
+              <a:rPr lang="en-US" dirty="0"/>
+              <a:t>-all-defined? : </a:t>
+            </a:r>
+            <a:r>
+              <a:rPr lang="en-US" dirty="0" err="1"/>
+              <a:t>Exp</a:t>
+            </a:r>
+            <a:r>
+              <a:rPr lang="en-US" dirty="0"/>
+              <a:t> </a:t>
+            </a:r>
+            <a:r>
+              <a:rPr lang="en-US" dirty="0" err="1"/>
+              <a:t>SetOfVariable</a:t>
+            </a:r>
+            <a:r>
+              <a:rPr lang="en-US" dirty="0"/>
+              <a:t> -&gt; Boolean</a:t>
+            </a:r>
+          </a:p>
+          <a:p>
+            <a:r>
+              <a:rPr lang="en-US" dirty="0"/>
+              <a:t>;; GIVEN: A </a:t>
+            </a:r>
+            <a:r>
+              <a:rPr lang="en-US" dirty="0" err="1"/>
+              <a:t>GarterSnake</a:t>
+            </a:r>
+            <a:r>
+              <a:rPr lang="en-US" dirty="0"/>
+              <a:t> expression e and a set of variables </a:t>
             </a:r>
             <a:r>
               <a:rPr lang="en-US" dirty="0" err="1"/>
               <a:t>vars</a:t>
             </a:r>
-            <a:r>
-              <a:rPr lang="en-US" dirty="0"/>
-              <a:t>-in-</a:t>
-            </a:r>
-            <a:r>
-              <a:rPr lang="en-US" dirty="0" err="1"/>
-              <a:t>subexp</a:t>
-            </a:r>
-            <a:r>
-              <a:rPr lang="en-US" dirty="0"/>
-              <a:t> </a:t>
-            </a:r>
-          </a:p>
-          <a:p>
-            <a:r>
-              <a:rPr lang="en-US" dirty="0"/>
-              <a:t>;;   : </a:t>
-            </a:r>
-            <a:r>
-              <a:rPr lang="en-US" dirty="0" err="1"/>
-              <a:t>FredExp</a:t>
-            </a:r>
-            <a:r>
-              <a:rPr lang="en-US" dirty="0"/>
-              <a:t> </a:t>
-            </a:r>
-            <a:r>
-              <a:rPr lang="en-US" dirty="0" err="1"/>
-              <a:t>ListOfSymbol</a:t>
-            </a:r>
-            <a:r>
-              <a:rPr lang="en-US" dirty="0"/>
-              <a:t> -&gt; </a:t>
-            </a:r>
-            <a:r>
-              <a:rPr lang="en-US" dirty="0" err="1"/>
-              <a:t>SetOfSymbol</a:t>
-            </a:r>
             <a:endParaRPr lang="en-US" dirty="0"/>
           </a:p>
           <a:p>
-            <a:r>
-              <a:rPr lang="en-US" dirty="0"/>
-              <a:t>;; GIVEN: a </a:t>
-            </a:r>
-            <a:r>
-              <a:rPr lang="en-US" dirty="0" err="1"/>
-              <a:t>FredExp</a:t>
-            </a:r>
-            <a:r>
-              <a:rPr lang="en-US" dirty="0"/>
-              <a:t> </a:t>
-            </a:r>
             <a:r>
               <a:rPr lang="en-US" dirty="0">
                 <a:solidFill>
                   <a:srgbClr val="FF0000"/>
                 </a:solidFill>
               </a:rPr>
-              <a:t>f</a:t>
-            </a:r>
-            <a:r>
-              <a:rPr lang="en-US" dirty="0"/>
-              <a:t> that is part of some larger </a:t>
-            </a:r>
-          </a:p>
-          <a:p>
-            <a:r>
-              <a:rPr lang="en-US" dirty="0"/>
-              <a:t>;;   </a:t>
-            </a:r>
-            <a:r>
-              <a:rPr lang="en-US" dirty="0" err="1"/>
-              <a:t>FredExp</a:t>
-            </a:r>
-            <a:r>
-              <a:rPr lang="en-US" dirty="0"/>
-              <a:t> </a:t>
-            </a:r>
-            <a:r>
-              <a:rPr lang="en-US" dirty="0">
-                <a:solidFill>
-                  <a:srgbClr val="FFC000"/>
-                </a:solidFill>
-              </a:rPr>
-              <a:t>f0</a:t>
-            </a:r>
-            <a:r>
-              <a:rPr lang="en-US" dirty="0"/>
-              <a:t>, and a </a:t>
-            </a:r>
-            <a:r>
-              <a:rPr lang="en-US" dirty="0" err="1"/>
-              <a:t>ListOfSymbol</a:t>
-            </a:r>
-            <a:r>
-              <a:rPr lang="en-US" dirty="0"/>
-              <a:t> </a:t>
+              <a:t>;; WHERE: </a:t>
             </a:r>
             <a:r>
               <a:rPr lang="en-US" dirty="0" err="1">
@@ -7800,32 +10324,7 @@
                   <a:srgbClr val="FF0000"/>
                 </a:solidFill>
               </a:rPr>
-              <a:t>bvars</a:t>
-            </a:r>
-            <a:endParaRPr lang="en-US" dirty="0">
-              <a:solidFill>
-                <a:srgbClr val="FF0000"/>
-              </a:solidFill>
-            </a:endParaRPr>
-          </a:p>
-          <a:p>
-            <a:r>
-              <a:rPr lang="en-US" dirty="0"/>
-              <a:t>;; WHERE: </a:t>
-            </a:r>
-            <a:r>
-              <a:rPr lang="en-US" dirty="0" err="1"/>
-              <a:t>bvars</a:t>
-            </a:r>
-            <a:r>
-              <a:rPr lang="en-US" dirty="0"/>
-              <a:t> is the list of symbols that occur in</a:t>
-            </a:r>
-          </a:p>
-          <a:p>
-            <a:r>
-              <a:rPr lang="en-US" dirty="0"/>
-              <a:t>;;   lambdas above </a:t>
+              <a:t>vars</a:t>
             </a:r>
             <a:r>
               <a:rPr lang="en-US" dirty="0">
@@ -7833,55 +10332,45 @@
                   <a:srgbClr val="FF0000"/>
                 </a:solidFill>
               </a:rPr>
-              <a:t>f</a:t>
-            </a:r>
-            <a:r>
-              <a:rPr lang="en-US" dirty="0"/>
-              <a:t> in </a:t>
-            </a:r>
-            <a:r>
-              <a:rPr lang="en-US" dirty="0">
-                <a:solidFill>
-                  <a:srgbClr val="FFC000"/>
-                </a:solidFill>
-              </a:rPr>
-              <a:t>f0</a:t>
-            </a:r>
-          </a:p>
-          <a:p>
-            <a:r>
-              <a:rPr lang="en-US" dirty="0"/>
-              <a:t>;; RETURNS: the set of symbols from </a:t>
-            </a:r>
+              <a:t> is the set of variables that are available at the</a:t>
+            </a:r>
+          </a:p>
+          <a:p>
             <a:r>
               <a:rPr lang="en-US" dirty="0">
                 <a:solidFill>
                   <a:srgbClr val="FF0000"/>
                 </a:solidFill>
               </a:rPr>
-              <a:t>f</a:t>
-            </a:r>
-            <a:r>
-              <a:rPr lang="en-US" dirty="0"/>
-              <a:t> that are free</a:t>
-            </a:r>
-          </a:p>
-          <a:p>
-            <a:r>
-              <a:rPr lang="en-US" dirty="0"/>
-              <a:t>;;   in </a:t>
-            </a:r>
-            <a:r>
-              <a:rPr lang="en-US" dirty="0">
-                <a:solidFill>
-                  <a:srgbClr val="FFC000"/>
-                </a:solidFill>
-              </a:rPr>
-              <a:t>f0</a:t>
-            </a:r>
-            <a:r>
-              <a:rPr lang="en-US" dirty="0"/>
-              <a:t>.</a:t>
+              <a:t>;; occurrence of e in p</a:t>
+            </a:r>
+          </a:p>
+          <a:p>
+            <a:r>
+              <a:rPr lang="en-US" dirty="0"/>
+              <a:t>;; RETURNS: true </a:t>
+            </a:r>
+            <a:r>
+              <a:rPr lang="en-US" dirty="0" err="1"/>
+              <a:t>iff</a:t>
+            </a:r>
+            <a:r>
+              <a:rPr lang="en-US" dirty="0"/>
+              <a:t> all the variable in e are defined</a:t>
+            </a:r>
+          </a:p>
+          <a:p>
+            <a:r>
+              <a:rPr lang="en-US" dirty="0"/>
+              <a:t>;; STRATEGY: Use template for </a:t>
+            </a:r>
+            <a:r>
+              <a:rPr lang="en-US" dirty="0" err="1"/>
+              <a:t>Exp</a:t>
+            </a:r>
+            <a:r>
+              <a:rPr lang="en-US" dirty="0"/>
+              <a:t> on e</a:t>
             </a:r>
           </a:p>
           <a:p>
@@ -7890,13 +10379,15 @@
           <a:p>
             <a:r>
               <a:rPr lang="en-US" dirty="0"/>
-              <a:t>;; EXAMPLE: </a:t>
-            </a:r>
-          </a:p>
-          <a:p>
-            <a:r>
-              <a:rPr lang="en-US" dirty="0"/>
-              <a:t>;; (free-</a:t>
+              <a:t>(define (</a:t>
+            </a:r>
+            <a:r>
+              <a:rPr lang="en-US" dirty="0" err="1"/>
+              <a:t>exp</a:t>
+            </a:r>
+            <a:r>
+              <a:rPr lang="en-US" dirty="0"/>
+              <a:t>-all-defined? e </a:t>
             </a:r>
             <a:r>
               <a:rPr lang="en-US" dirty="0" err="1"/>
@@ -7904,37 +10395,133 @@
             </a:r>
             <a:r>
               <a:rPr lang="en-US" dirty="0"/>
-              <a:t>-in-</a:t>
+              <a:t>)</a:t>
+            </a:r>
+          </a:p>
+          <a:p>
+            <a:r>
+              <a:rPr lang="en-US" dirty="0"/>
+              <a:t>  (cond</a:t>
+            </a:r>
+          </a:p>
+          <a:p>
+            <a:r>
+              <a:rPr lang="en-US" dirty="0"/>
+              <a:t>    [(</a:t>
             </a:r>
             <a:r>
               <a:rPr lang="en-US" dirty="0" err="1"/>
-              <a:t>subexp</a:t>
-            </a:r>
-            <a:r>
-              <a:rPr lang="en-US" dirty="0"/>
-              <a:t> </a:t>
-            </a:r>
-          </a:p>
-          <a:p>
-            <a:r>
-              <a:rPr lang="en-US" dirty="0"/>
-              <a:t>;;   (z (lambda (x) (x y))) (list z)) </a:t>
-            </a:r>
-          </a:p>
-          <a:p>
-            <a:r>
-              <a:rPr lang="en-US" dirty="0"/>
-              <a:t>;; = (list y) </a:t>
-            </a:r>
-          </a:p>
-          <a:p>
+              <a:t>varexp</a:t>
+            </a:r>
+            <a:r>
+              <a:rPr lang="en-US" dirty="0"/>
+              <a:t>? e) (my-member? (</a:t>
+            </a:r>
+            <a:r>
+              <a:rPr lang="en-US" dirty="0" err="1"/>
+              <a:t>varexp</a:t>
+            </a:r>
+            <a:r>
+              <a:rPr lang="en-US" dirty="0"/>
+              <a:t>-name e) </a:t>
+            </a:r>
+            <a:r>
+              <a:rPr lang="en-US" dirty="0" err="1"/>
+              <a:t>vars</a:t>
+            </a:r>
+            <a:r>
+              <a:rPr lang="en-US" dirty="0"/>
+              <a:t>)]</a:t>
+            </a:r>
+          </a:p>
+          <a:p>
+            <a:r>
+              <a:rPr lang="en-US" dirty="0"/>
+              <a:t>    [(</a:t>
+            </a:r>
+            <a:r>
+              <a:rPr lang="en-US" dirty="0" err="1"/>
+              <a:t>appexp</a:t>
+            </a:r>
+            <a:r>
+              <a:rPr lang="en-US" dirty="0"/>
+              <a:t>? e)</a:t>
+            </a:r>
+          </a:p>
+          <a:p>
+            <a:r>
+              <a:rPr lang="en-US" dirty="0"/>
+              <a:t>     (and (my-member? (</a:t>
+            </a:r>
+            <a:r>
+              <a:rPr lang="en-US" dirty="0" err="1"/>
+              <a:t>appexp-fn</a:t>
+            </a:r>
+            <a:r>
+              <a:rPr lang="en-US" dirty="0"/>
+              <a:t> e) </a:t>
+            </a:r>
+            <a:r>
+              <a:rPr lang="en-US" dirty="0" err="1"/>
+              <a:t>vars</a:t>
+            </a:r>
+            <a:r>
+              <a:rPr lang="en-US" dirty="0"/>
+              <a:t>)</a:t>
+            </a:r>
+          </a:p>
+          <a:p>
+            <a:r>
+              <a:rPr lang="en-US" dirty="0"/>
+              <a:t>          (</a:t>
+            </a:r>
+            <a:r>
+              <a:rPr lang="en-US" dirty="0" err="1"/>
+              <a:t>andmap</a:t>
+            </a:r>
             <a:endParaRPr lang="en-US" dirty="0"/>
           </a:p>
-        </p:txBody>
-      </p:sp>
-      <p:sp>
-        <p:nvSpPr>
-          <p:cNvPr id="5" name="Slide Number Placeholder 4"/>
+          <a:p>
+            <a:r>
+              <a:rPr lang="en-US" dirty="0"/>
+              <a:t>           (lambda (e1) (</a:t>
+            </a:r>
+            <a:r>
+              <a:rPr lang="en-US" dirty="0" err="1"/>
+              <a:t>exp</a:t>
+            </a:r>
+            <a:r>
+              <a:rPr lang="en-US" dirty="0"/>
+              <a:t>-all-defined? e1 </a:t>
+            </a:r>
+            <a:r>
+              <a:rPr lang="en-US" dirty="0" err="1"/>
+              <a:t>vars</a:t>
+            </a:r>
+            <a:r>
+              <a:rPr lang="en-US" dirty="0"/>
+              <a:t>))</a:t>
+            </a:r>
+          </a:p>
+          <a:p>
+            <a:r>
+              <a:rPr lang="en-US" dirty="0"/>
+              <a:t>           (</a:t>
+            </a:r>
+            <a:r>
+              <a:rPr lang="en-US" dirty="0" err="1"/>
+              <a:t>appexp-args</a:t>
+            </a:r>
+            <a:r>
+              <a:rPr lang="en-US" dirty="0"/>
+              <a:t> e)))]))</a:t>
+            </a:r>
+          </a:p>
+        </p:txBody>
+      </p:sp>
+      <p:sp>
+        <p:nvSpPr>
+          <p:cNvPr id="4" name="Slide Number Placeholder 3"/>
           <p:cNvSpPr>
             <a:spLocks noGrp="1"/>
           </p:cNvSpPr>
@@ -7947,104 +10534,18 @@
           <a:bodyPr/>
           <a:lstStyle/>
           <a:p>
-            <a:fld id="{9F4492BD-6A9C-48FC-AC76-0B4FE11194A1}" type="slidenum">
-              <a:rPr lang="en-US" smtClean="0">
-                <a:solidFill>
-                  <a:prstClr val="black">
-                    <a:tint val="75000"/>
-                  </a:prstClr>
-                </a:solidFill>
-              </a:rPr>
-              <a:pPr/>
+            <a:fld id="{2AF3B5EA-18B6-4040-9F78-6052AF49C681}" type="slidenum">
+              <a:rPr lang="en-US" smtClean="0"/>
               <a:t>25</a:t>
             </a:fld>
-            <a:endParaRPr lang="en-US">
-              <a:solidFill>
-                <a:prstClr val="black">
-                  <a:tint val="75000"/>
-                </a:prstClr>
-              </a:solidFill>
-            </a:endParaRPr>
-          </a:p>
-        </p:txBody>
-      </p:sp>
-      <p:sp>
-        <p:nvSpPr>
-          <p:cNvPr id="4" name="Rectangle 3"/>
-          <p:cNvSpPr/>
-          <p:nvPr/>
-        </p:nvSpPr>
-        <p:spPr>
-          <a:xfrm>
-            <a:off x="4995797" y="4038600"/>
-            <a:ext cx="3657600" cy="990600"/>
-          </a:xfrm>
-          <a:prstGeom prst="rect">
-            <a:avLst/>
-          </a:prstGeom>
-          <a:solidFill>
-            <a:schemeClr val="accent3">
-              <a:lumMod val="40000"/>
-              <a:lumOff val="60000"/>
-            </a:schemeClr>
-          </a:solidFill>
-          <a:ln/>
-        </p:spPr>
-        <p:style>
-          <a:lnRef idx="2">
-            <a:schemeClr val="accent1"/>
-          </a:lnRef>
-          <a:fillRef idx="1">
-            <a:schemeClr val="lt1"/>
-          </a:fillRef>
-          <a:effectRef idx="0">
-            <a:schemeClr val="accent1"/>
-          </a:effectRef>
-          <a:fontRef idx="minor">
-            <a:schemeClr val="dk1"/>
-          </a:fontRef>
-        </p:style>
-        <p:txBody>
-          <a:bodyPr rot="0" spcFirstLastPara="0" vertOverflow="overflow" horzOverflow="overflow" vert="horz" wrap="square" lIns="91440" tIns="45720" rIns="91440" bIns="45720" numCol="1" spcCol="0" rtlCol="0" fromWordArt="0" anchor="ctr" anchorCtr="0" forceAA="0" compatLnSpc="1">
-            <a:prstTxWarp prst="textNoShape">
-              <a:avLst/>
-            </a:prstTxWarp>
-            <a:noAutofit/>
-          </a:bodyPr>
-          <a:lstStyle/>
-          <a:p>
-            <a:pPr algn="ctr"/>
-            <a:r>
-              <a:rPr lang="en-US" dirty="0">
-                <a:solidFill>
-                  <a:schemeClr val="tx1"/>
-                </a:solidFill>
-              </a:rPr>
-              <a:t>The invariant (</a:t>
-            </a:r>
-            <a:r>
-              <a:rPr lang="en-US" b="1" dirty="0">
-                <a:solidFill>
-                  <a:schemeClr val="tx1"/>
-                </a:solidFill>
-              </a:rPr>
-              <a:t>WHERE</a:t>
-            </a:r>
-            <a:r>
-              <a:rPr lang="en-US" dirty="0">
-                <a:solidFill>
-                  <a:schemeClr val="tx1"/>
-                </a:solidFill>
-              </a:rPr>
-              <a:t> clause) gives an interpretation for the context variable</a:t>
-            </a:r>
+            <a:endParaRPr lang="en-US"/>
           </a:p>
         </p:txBody>
       </p:sp>
     </p:spTree>
     <p:extLst>
       <p:ext uri="{BB962C8B-B14F-4D97-AF65-F5344CB8AC3E}">
-        <p14:creationId xmlns:p14="http://schemas.microsoft.com/office/powerpoint/2010/main" val="967830448"/>
+        <p14:creationId xmlns:p14="http://schemas.microsoft.com/office/powerpoint/2010/main" val="4165388688"/>
       </p:ext>
     </p:extLst>
   </p:cSld>
@@ -8088,7 +10589,7 @@
           <a:p>
             <a:r>
               <a:rPr lang="en-US" dirty="0"/>
-              <a:t>With context variable</a:t>
+              <a:t>program-all-defined?</a:t>
             </a:r>
           </a:p>
         </p:txBody>
@@ -8106,258 +10607,172 @@
         <p:spPr/>
         <p:txBody>
           <a:bodyPr>
-            <a:normAutofit fontScale="70000" lnSpcReduction="20000"/>
+            <a:normAutofit/>
           </a:bodyPr>
           <a:lstStyle/>
           <a:p>
-            <a:r>
-              <a:rPr lang="en-US" dirty="0"/>
-              <a:t>;; free-</a:t>
-            </a:r>
-            <a:r>
-              <a:rPr lang="en-US" dirty="0" err="1"/>
-              <a:t>vars</a:t>
-            </a:r>
-            <a:r>
-              <a:rPr lang="en-US" dirty="0"/>
-              <a:t>-in-</a:t>
-            </a:r>
-            <a:r>
-              <a:rPr lang="en-US" dirty="0" err="1"/>
-              <a:t>subexp</a:t>
-            </a:r>
-            <a:r>
-              <a:rPr lang="en-US" dirty="0"/>
-              <a:t> </a:t>
-            </a:r>
-          </a:p>
-          <a:p>
-            <a:r>
-              <a:rPr lang="en-US" dirty="0"/>
-              <a:t>;;   : </a:t>
-            </a:r>
-            <a:r>
-              <a:rPr lang="en-US" dirty="0" err="1"/>
-              <a:t>FredExp</a:t>
-            </a:r>
-            <a:r>
-              <a:rPr lang="en-US" dirty="0"/>
-              <a:t> </a:t>
-            </a:r>
-            <a:r>
-              <a:rPr lang="en-US" dirty="0" err="1"/>
-              <a:t>ListOfSymbol</a:t>
-            </a:r>
-            <a:r>
-              <a:rPr lang="en-US" dirty="0"/>
-              <a:t> -&gt; </a:t>
-            </a:r>
-            <a:r>
-              <a:rPr lang="en-US" dirty="0" err="1"/>
-              <a:t>SetOfSymbol</a:t>
-            </a:r>
-            <a:endParaRPr lang="en-US" dirty="0"/>
-          </a:p>
-          <a:p>
-            <a:r>
-              <a:rPr lang="en-US" dirty="0"/>
-              <a:t>;; GIVEN: a </a:t>
-            </a:r>
-            <a:r>
-              <a:rPr lang="en-US" dirty="0" err="1"/>
-              <a:t>FredExp</a:t>
-            </a:r>
-            <a:r>
-              <a:rPr lang="en-US" dirty="0"/>
-              <a:t> </a:t>
-            </a:r>
-            <a:r>
-              <a:rPr lang="en-US" dirty="0">
-                <a:solidFill>
-                  <a:srgbClr val="FF0000"/>
-                </a:solidFill>
-              </a:rPr>
-              <a:t>f</a:t>
-            </a:r>
-            <a:r>
-              <a:rPr lang="en-US" dirty="0"/>
-              <a:t> that is part of some larger </a:t>
-            </a:r>
-          </a:p>
-          <a:p>
-            <a:r>
-              <a:rPr lang="en-US" dirty="0"/>
-              <a:t>;;   </a:t>
-            </a:r>
-            <a:r>
-              <a:rPr lang="en-US" dirty="0" err="1"/>
-              <a:t>FredExp</a:t>
-            </a:r>
-            <a:r>
-              <a:rPr lang="en-US" dirty="0"/>
-              <a:t> </a:t>
-            </a:r>
-            <a:r>
-              <a:rPr lang="en-US" dirty="0">
-                <a:solidFill>
-                  <a:srgbClr val="FFC000"/>
-                </a:solidFill>
-              </a:rPr>
-              <a:t>f0</a:t>
-            </a:r>
-            <a:r>
-              <a:rPr lang="en-US" dirty="0"/>
-              <a:t>, and a </a:t>
-            </a:r>
-            <a:r>
-              <a:rPr lang="en-US" dirty="0" err="1"/>
-              <a:t>ListOfSymbol</a:t>
-            </a:r>
-            <a:r>
-              <a:rPr lang="en-US" dirty="0"/>
-              <a:t> </a:t>
-            </a:r>
-            <a:r>
-              <a:rPr lang="en-US" dirty="0" err="1">
-                <a:solidFill>
-                  <a:srgbClr val="FF0000"/>
-                </a:solidFill>
-              </a:rPr>
-              <a:t>bvars</a:t>
-            </a:r>
-            <a:endParaRPr lang="en-US" dirty="0">
-              <a:solidFill>
-                <a:srgbClr val="FF0000"/>
-              </a:solidFill>
-            </a:endParaRPr>
-          </a:p>
-          <a:p>
-            <a:r>
-              <a:rPr lang="en-US" dirty="0"/>
-              <a:t>;; WHERE: </a:t>
-            </a:r>
-            <a:r>
-              <a:rPr lang="en-US" dirty="0" err="1"/>
-              <a:t>bvars</a:t>
-            </a:r>
-            <a:r>
-              <a:rPr lang="en-US" dirty="0"/>
-              <a:t> is the list of symbols that occur in</a:t>
-            </a:r>
-          </a:p>
-          <a:p>
-            <a:r>
-              <a:rPr lang="en-US" dirty="0"/>
-              <a:t>;;   lambdas above </a:t>
-            </a:r>
-            <a:r>
-              <a:rPr lang="en-US" dirty="0">
-                <a:solidFill>
-                  <a:srgbClr val="FF0000"/>
-                </a:solidFill>
-              </a:rPr>
-              <a:t>f</a:t>
-            </a:r>
-            <a:r>
-              <a:rPr lang="en-US" dirty="0"/>
-              <a:t> in </a:t>
-            </a:r>
-            <a:r>
-              <a:rPr lang="en-US" dirty="0">
-                <a:solidFill>
-                  <a:srgbClr val="FFC000"/>
-                </a:solidFill>
-              </a:rPr>
-              <a:t>f0</a:t>
-            </a:r>
-          </a:p>
-          <a:p>
-            <a:r>
-              <a:rPr lang="en-US" dirty="0"/>
-              <a:t>;; RETURNS: the set of symbols from </a:t>
-            </a:r>
-            <a:r>
-              <a:rPr lang="en-US" dirty="0">
-                <a:solidFill>
-                  <a:srgbClr val="FF0000"/>
-                </a:solidFill>
-              </a:rPr>
-              <a:t>f</a:t>
-            </a:r>
-            <a:r>
-              <a:rPr lang="en-US" dirty="0"/>
-              <a:t> that are free</a:t>
-            </a:r>
-          </a:p>
-          <a:p>
-            <a:r>
-              <a:rPr lang="en-US" dirty="0"/>
-              <a:t>;;   in </a:t>
-            </a:r>
-            <a:r>
-              <a:rPr lang="en-US" dirty="0">
-                <a:solidFill>
-                  <a:srgbClr val="FFC000"/>
-                </a:solidFill>
-              </a:rPr>
-              <a:t>f0</a:t>
-            </a:r>
-            <a:r>
-              <a:rPr lang="en-US" dirty="0"/>
-              <a:t>.</a:t>
-            </a:r>
-          </a:p>
-          <a:p>
-            <a:endParaRPr lang="en-US" dirty="0"/>
-          </a:p>
-          <a:p>
-            <a:r>
-              <a:rPr lang="en-US" dirty="0"/>
-              <a:t>;; EXAMPLE: </a:t>
-            </a:r>
-          </a:p>
-          <a:p>
-            <a:r>
-              <a:rPr lang="en-US" dirty="0"/>
-              <a:t>;; (free-</a:t>
-            </a:r>
-            <a:r>
-              <a:rPr lang="en-US" dirty="0" err="1"/>
-              <a:t>vars</a:t>
-            </a:r>
-            <a:r>
-              <a:rPr lang="en-US" dirty="0"/>
-              <a:t>-in-</a:t>
-            </a:r>
-            <a:r>
-              <a:rPr lang="en-US" dirty="0" err="1"/>
-              <a:t>subexp</a:t>
-            </a:r>
-            <a:r>
-              <a:rPr lang="en-US" dirty="0"/>
-              <a:t> </a:t>
-            </a:r>
-          </a:p>
-          <a:p>
-            <a:r>
-              <a:rPr lang="en-US" dirty="0"/>
-              <a:t>;;   (z (lambda (x) (x y))) (list z)) </a:t>
-            </a:r>
-          </a:p>
-          <a:p>
-            <a:r>
-              <a:rPr lang="en-US" dirty="0"/>
-              <a:t>;; = (list y) </a:t>
-            </a:r>
-          </a:p>
-          <a:p>
-            <a:endParaRPr lang="en-US" dirty="0"/>
-          </a:p>
-        </p:txBody>
-      </p:sp>
-      <p:sp>
-        <p:nvSpPr>
-          <p:cNvPr id="5" name="Slide Number Placeholder 4"/>
+            <a:pPr>
+              <a:spcBef>
+                <a:spcPts val="0"/>
+              </a:spcBef>
+            </a:pPr>
+            <a:r>
+              <a:rPr lang="en-US" sz="1800" dirty="0"/>
+              <a:t>;; And finally, we can write program-all-defined?, which</a:t>
+            </a:r>
+          </a:p>
+          <a:p>
+            <a:pPr>
+              <a:spcBef>
+                <a:spcPts val="0"/>
+              </a:spcBef>
+            </a:pPr>
+            <a:r>
+              <a:rPr lang="en-US" sz="1800" dirty="0"/>
+              <a:t>;; initializes the invariant information for the other</a:t>
+            </a:r>
+          </a:p>
+          <a:p>
+            <a:pPr>
+              <a:spcBef>
+                <a:spcPts val="0"/>
+              </a:spcBef>
+            </a:pPr>
+            <a:r>
+              <a:rPr lang="en-US" sz="1800" dirty="0"/>
+              <a:t>;; functions.</a:t>
+            </a:r>
+          </a:p>
+          <a:p>
+            <a:pPr>
+              <a:spcBef>
+                <a:spcPts val="0"/>
+              </a:spcBef>
+            </a:pPr>
+            <a:endParaRPr lang="en-US" sz="1800" dirty="0"/>
+          </a:p>
+          <a:p>
+            <a:pPr>
+              <a:spcBef>
+                <a:spcPts val="0"/>
+              </a:spcBef>
+            </a:pPr>
+            <a:r>
+              <a:rPr lang="en-US" sz="1800" dirty="0"/>
+              <a:t>;; program-all-defined? : Program -&gt; Bool</a:t>
+            </a:r>
+          </a:p>
+          <a:p>
+            <a:pPr>
+              <a:spcBef>
+                <a:spcPts val="0"/>
+              </a:spcBef>
+            </a:pPr>
+            <a:r>
+              <a:rPr lang="en-US" sz="1800" dirty="0"/>
+              <a:t>;; GIVEN: A </a:t>
+            </a:r>
+            <a:r>
+              <a:rPr lang="en-US" sz="1800" dirty="0" err="1"/>
+              <a:t>GarterSnake</a:t>
+            </a:r>
+            <a:r>
+              <a:rPr lang="en-US" sz="1800" dirty="0"/>
+              <a:t> program p</a:t>
+            </a:r>
+          </a:p>
+          <a:p>
+            <a:pPr>
+              <a:spcBef>
+                <a:spcPts val="0"/>
+              </a:spcBef>
+            </a:pPr>
+            <a:r>
+              <a:rPr lang="en-US" sz="1800" dirty="0"/>
+              <a:t>;; RETURNS: true </a:t>
+            </a:r>
+            <a:r>
+              <a:rPr lang="en-US" sz="1800" dirty="0" err="1"/>
+              <a:t>iff</a:t>
+            </a:r>
+            <a:r>
+              <a:rPr lang="en-US" sz="1800" dirty="0"/>
+              <a:t> there every variable occurring in p </a:t>
+            </a:r>
+          </a:p>
+          <a:p>
+            <a:pPr>
+              <a:spcBef>
+                <a:spcPts val="0"/>
+              </a:spcBef>
+            </a:pPr>
+            <a:r>
+              <a:rPr lang="en-US" sz="1800" dirty="0"/>
+              <a:t>;; is defined at the place it occurs.</a:t>
+            </a:r>
+          </a:p>
+          <a:p>
+            <a:pPr>
+              <a:spcBef>
+                <a:spcPts val="0"/>
+              </a:spcBef>
+            </a:pPr>
+            <a:r>
+              <a:rPr lang="en-US" sz="1800" dirty="0"/>
+              <a:t>;; STRATEGY: Initialize the invariant of </a:t>
+            </a:r>
+            <a:r>
+              <a:rPr lang="en-US" sz="1800" dirty="0" err="1"/>
+              <a:t>lod</a:t>
+            </a:r>
+            <a:r>
+              <a:rPr lang="en-US" sz="1800" dirty="0"/>
+              <a:t>-all-defined?</a:t>
+            </a:r>
+          </a:p>
+          <a:p>
+            <a:pPr>
+              <a:spcBef>
+                <a:spcPts val="0"/>
+              </a:spcBef>
+            </a:pPr>
+            <a:endParaRPr lang="en-US" sz="1800" dirty="0"/>
+          </a:p>
+          <a:p>
+            <a:pPr>
+              <a:spcBef>
+                <a:spcPts val="0"/>
+              </a:spcBef>
+            </a:pPr>
+            <a:r>
+              <a:rPr lang="en-US" sz="1800" dirty="0"/>
+              <a:t>(define (program-all-defined? p)</a:t>
+            </a:r>
+          </a:p>
+          <a:p>
+            <a:pPr>
+              <a:spcBef>
+                <a:spcPts val="0"/>
+              </a:spcBef>
+            </a:pPr>
+            <a:r>
+              <a:rPr lang="en-US" sz="1800" dirty="0"/>
+              <a:t>  (</a:t>
+            </a:r>
+            <a:r>
+              <a:rPr lang="en-US" sz="1800" dirty="0" err="1"/>
+              <a:t>lod</a:t>
+            </a:r>
+            <a:r>
+              <a:rPr lang="en-US" sz="1800" dirty="0"/>
+              <a:t>-all-defined? p empty))</a:t>
+            </a:r>
+          </a:p>
+        </p:txBody>
+      </p:sp>
+      <p:sp>
+        <p:nvSpPr>
+          <p:cNvPr id="4" name="Slide Number Placeholder 3"/>
           <p:cNvSpPr>
             <a:spLocks noGrp="1"/>
           </p:cNvSpPr>
@@ -8370,151 +10785,85 @@
           <a:bodyPr/>
           <a:lstStyle/>
           <a:p>
-            <a:fld id="{9F4492BD-6A9C-48FC-AC76-0B4FE11194A1}" type="slidenum">
-              <a:rPr lang="en-US" smtClean="0">
-                <a:solidFill>
-                  <a:prstClr val="black">
-                    <a:tint val="75000"/>
-                  </a:prstClr>
-                </a:solidFill>
-              </a:rPr>
-              <a:pPr/>
+            <a:fld id="{2AF3B5EA-18B6-4040-9F78-6052AF49C681}" type="slidenum">
+              <a:rPr lang="en-US" smtClean="0"/>
               <a:t>26</a:t>
             </a:fld>
-            <a:endParaRPr lang="en-US">
-              <a:solidFill>
-                <a:prstClr val="black">
-                  <a:tint val="75000"/>
-                </a:prstClr>
-              </a:solidFill>
-            </a:endParaRPr>
-          </a:p>
-        </p:txBody>
-      </p:sp>
-      <p:sp>
-        <p:nvSpPr>
-          <p:cNvPr id="4" name="Rectangle 3"/>
-          <p:cNvSpPr/>
+            <a:endParaRPr lang="en-US"/>
+          </a:p>
+        </p:txBody>
+      </p:sp>
+      <p:sp>
+        <p:nvSpPr>
+          <p:cNvPr id="5" name="TextBox 4"/>
+          <p:cNvSpPr txBox="1"/>
           <p:nvPr/>
         </p:nvSpPr>
         <p:spPr>
           <a:xfrm>
-            <a:off x="5029200" y="3962400"/>
-            <a:ext cx="3657600" cy="1219200"/>
+            <a:off x="5410201" y="4648200"/>
+            <a:ext cx="3276600" cy="923330"/>
           </a:xfrm>
           <a:prstGeom prst="rect">
             <a:avLst/>
           </a:prstGeom>
           <a:solidFill>
-            <a:schemeClr val="accent3">
-              <a:lumMod val="40000"/>
-              <a:lumOff val="60000"/>
+            <a:schemeClr val="accent1">
+              <a:lumMod val="20000"/>
+              <a:lumOff val="80000"/>
             </a:schemeClr>
           </a:solidFill>
-          <a:ln/>
+        </p:spPr>
+        <p:txBody>
+          <a:bodyPr wrap="square" rtlCol="0">
+            <a:spAutoFit/>
+          </a:bodyPr>
+          <a:lstStyle/>
+          <a:p>
+            <a:r>
+              <a:rPr lang="en-US" dirty="0"/>
+              <a:t>It would be ok to write “call a more general function” here, but this is more informative.</a:t>
+            </a:r>
+          </a:p>
+        </p:txBody>
+      </p:sp>
+      <p:cxnSp>
+        <p:nvCxnSpPr>
+          <p:cNvPr id="7" name="Straight Arrow Connector 6"/>
+          <p:cNvCxnSpPr/>
+          <p:nvPr/>
+        </p:nvCxnSpPr>
+        <p:spPr>
+          <a:xfrm flipH="1" flipV="1">
+            <a:off x="5410201" y="4191000"/>
+            <a:ext cx="457199" cy="457200"/>
+          </a:xfrm>
+          <a:prstGeom prst="straightConnector1">
+            <a:avLst/>
+          </a:prstGeom>
+          <a:ln>
+            <a:tailEnd type="triangle"/>
+          </a:ln>
         </p:spPr>
         <p:style>
-          <a:lnRef idx="2">
+          <a:lnRef idx="1">
             <a:schemeClr val="accent1"/>
           </a:lnRef>
-          <a:fillRef idx="1">
-            <a:schemeClr val="lt1"/>
+          <a:fillRef idx="0">
+            <a:schemeClr val="accent1"/>
           </a:fillRef>
           <a:effectRef idx="0">
             <a:schemeClr val="accent1"/>
           </a:effectRef>
           <a:fontRef idx="minor">
-            <a:schemeClr val="dk1"/>
+            <a:schemeClr val="tx1"/>
           </a:fontRef>
         </p:style>
-        <p:txBody>
-          <a:bodyPr rot="0" spcFirstLastPara="0" vertOverflow="overflow" horzOverflow="overflow" vert="horz" wrap="square" lIns="91440" tIns="45720" rIns="91440" bIns="45720" numCol="1" spcCol="0" rtlCol="0" fromWordArt="0" anchor="ctr" anchorCtr="0" forceAA="0" compatLnSpc="1">
-            <a:prstTxWarp prst="textNoShape">
-              <a:avLst/>
-            </a:prstTxWarp>
-            <a:noAutofit/>
-          </a:bodyPr>
-          <a:lstStyle/>
-          <a:p>
-            <a:r>
-              <a:rPr lang="en-US" dirty="0">
-                <a:solidFill>
-                  <a:schemeClr val="tx1"/>
-                </a:solidFill>
-              </a:rPr>
-              <a:t>We don’t know what </a:t>
-            </a:r>
-            <a:r>
-              <a:rPr lang="en-US" b="1" dirty="0">
-                <a:solidFill>
-                  <a:schemeClr val="tx1"/>
-                </a:solidFill>
-              </a:rPr>
-              <a:t>f0</a:t>
-            </a:r>
-            <a:r>
-              <a:rPr lang="en-US" dirty="0">
-                <a:solidFill>
-                  <a:schemeClr val="tx1"/>
-                </a:solidFill>
-              </a:rPr>
-              <a:t> is.  We only know that </a:t>
-            </a:r>
-            <a:r>
-              <a:rPr lang="en-US" b="1" dirty="0" err="1">
-                <a:solidFill>
-                  <a:schemeClr val="tx1"/>
-                </a:solidFill>
-              </a:rPr>
-              <a:t>bvars</a:t>
-            </a:r>
-            <a:r>
-              <a:rPr lang="en-US" dirty="0">
-                <a:solidFill>
-                  <a:schemeClr val="tx1"/>
-                </a:solidFill>
-              </a:rPr>
-              <a:t> is the list of symbols that occur above </a:t>
-            </a:r>
-            <a:r>
-              <a:rPr lang="en-US" b="1" dirty="0">
-                <a:solidFill>
-                  <a:schemeClr val="tx1"/>
-                </a:solidFill>
-              </a:rPr>
-              <a:t>f</a:t>
-            </a:r>
-            <a:r>
-              <a:rPr lang="en-US" dirty="0">
-                <a:solidFill>
-                  <a:schemeClr val="tx1"/>
-                </a:solidFill>
-              </a:rPr>
-              <a:t> in </a:t>
-            </a:r>
-            <a:r>
-              <a:rPr lang="en-US" b="1" dirty="0">
-                <a:solidFill>
-                  <a:schemeClr val="tx1"/>
-                </a:solidFill>
-              </a:rPr>
-              <a:t>f0</a:t>
-            </a:r>
-            <a:r>
-              <a:rPr lang="en-US" dirty="0">
-                <a:solidFill>
-                  <a:schemeClr val="tx1"/>
-                </a:solidFill>
-              </a:rPr>
-              <a:t>. (See Lesson 7.1, Slide 27)</a:t>
-            </a:r>
-          </a:p>
-        </p:txBody>
-      </p:sp>
+      </p:cxnSp>
     </p:spTree>
     <p:extLst>
       <p:ext uri="{BB962C8B-B14F-4D97-AF65-F5344CB8AC3E}">
-        <p14:creationId xmlns:p14="http://schemas.microsoft.com/office/powerpoint/2010/main" val="2506840274"/>
+        <p14:creationId xmlns:p14="http://schemas.microsoft.com/office/powerpoint/2010/main" val="2580742151"/>
       </p:ext>
     </p:extLst>
   </p:cSld>
@@ -8543,7 +10892,7 @@
       </p:grpSpPr>
       <p:sp>
         <p:nvSpPr>
-          <p:cNvPr id="2" name="Title 1"/>
+          <p:cNvPr id="5" name="Title 4"/>
           <p:cNvSpPr>
             <a:spLocks noGrp="1"/>
           </p:cNvSpPr>
@@ -8552,33 +10901,6 @@
           </p:nvPr>
         </p:nvSpPr>
         <p:spPr/>
-        <p:txBody>
-          <a:bodyPr/>
-          <a:lstStyle/>
-          <a:p>
-            <a:r>
-              <a:rPr lang="en-US" dirty="0"/>
-              <a:t>Function Definition</a:t>
-            </a:r>
-          </a:p>
-        </p:txBody>
-      </p:sp>
-      <p:sp>
-        <p:nvSpPr>
-          <p:cNvPr id="3" name="Content Placeholder 2"/>
-          <p:cNvSpPr>
-            <a:spLocks noGrp="1"/>
-          </p:cNvSpPr>
-          <p:nvPr>
-            <p:ph idx="1"/>
-          </p:nvPr>
-        </p:nvSpPr>
-        <p:spPr>
-          <a:xfrm>
-            <a:off x="457200" y="1600200"/>
-            <a:ext cx="8534400" cy="4525963"/>
-          </a:xfrm>
-        </p:spPr>
         <p:txBody>
           <a:bodyPr>
             <a:normAutofit/>
@@ -8586,238 +10908,8 @@
           <a:lstStyle/>
           <a:p>
             <a:r>
-              <a:rPr lang="en-US" sz="2000" dirty="0"/>
-              <a:t>;; STRATEGY: Struct </a:t>
-            </a:r>
-            <a:r>
-              <a:rPr lang="en-US" sz="2000" dirty="0" err="1"/>
-              <a:t>Decomp</a:t>
-            </a:r>
-            <a:r>
-              <a:rPr lang="en-US" sz="2000" dirty="0"/>
-              <a:t> on f : </a:t>
-            </a:r>
-            <a:r>
-              <a:rPr lang="en-US" sz="2000" dirty="0" err="1"/>
-              <a:t>FredExp</a:t>
-            </a:r>
-            <a:endParaRPr lang="en-US" sz="2000" dirty="0"/>
-          </a:p>
-          <a:p>
-            <a:r>
-              <a:rPr lang="en-US" sz="2000" dirty="0"/>
-              <a:t>(define (free-</a:t>
-            </a:r>
-            <a:r>
-              <a:rPr lang="en-US" sz="2000" dirty="0" err="1"/>
-              <a:t>vars</a:t>
-            </a:r>
-            <a:r>
-              <a:rPr lang="en-US" sz="2000" dirty="0"/>
-              <a:t>-in-</a:t>
-            </a:r>
-            <a:r>
-              <a:rPr lang="en-US" sz="2000" dirty="0" err="1"/>
-              <a:t>subexp</a:t>
-            </a:r>
-            <a:r>
-              <a:rPr lang="en-US" sz="2000" dirty="0"/>
-              <a:t> f </a:t>
-            </a:r>
-            <a:r>
-              <a:rPr lang="en-US" sz="2000" dirty="0" err="1"/>
-              <a:t>bvars</a:t>
-            </a:r>
-            <a:r>
-              <a:rPr lang="en-US" sz="2000" dirty="0"/>
-              <a:t>)</a:t>
-            </a:r>
-          </a:p>
-          <a:p>
-            <a:r>
-              <a:rPr lang="en-US" sz="2000" dirty="0"/>
-              <a:t>  (</a:t>
-            </a:r>
-            <a:r>
-              <a:rPr lang="en-US" sz="2000" dirty="0" err="1"/>
-              <a:t>cond</a:t>
-            </a:r>
-            <a:endParaRPr lang="en-US" sz="2000" dirty="0"/>
-          </a:p>
-          <a:p>
-            <a:r>
-              <a:rPr lang="en-US" sz="2000" dirty="0"/>
-              <a:t>    [(</a:t>
-            </a:r>
-            <a:r>
-              <a:rPr lang="en-US" sz="2000" dirty="0" err="1"/>
-              <a:t>var</a:t>
-            </a:r>
-            <a:r>
-              <a:rPr lang="en-US" sz="2000" dirty="0"/>
-              <a:t>? f) (if (my-member? (</a:t>
-            </a:r>
-            <a:r>
-              <a:rPr lang="en-US" sz="2000" dirty="0" err="1"/>
-              <a:t>var</a:t>
-            </a:r>
-            <a:r>
-              <a:rPr lang="en-US" sz="2000" dirty="0"/>
-              <a:t>-name f) </a:t>
-            </a:r>
-            <a:r>
-              <a:rPr lang="en-US" sz="2000" dirty="0" err="1"/>
-              <a:t>bvars</a:t>
-            </a:r>
-            <a:r>
-              <a:rPr lang="en-US" sz="2000" dirty="0"/>
-              <a:t>)</a:t>
-            </a:r>
-          </a:p>
-          <a:p>
-            <a:r>
-              <a:rPr lang="en-US" sz="2000" dirty="0"/>
-              <a:t>                empty</a:t>
-            </a:r>
-          </a:p>
-          <a:p>
-            <a:r>
-              <a:rPr lang="en-US" sz="2000" dirty="0"/>
-              <a:t>                (list (</a:t>
-            </a:r>
-            <a:r>
-              <a:rPr lang="en-US" sz="2000" dirty="0" err="1"/>
-              <a:t>var</a:t>
-            </a:r>
-            <a:r>
-              <a:rPr lang="en-US" sz="2000" dirty="0"/>
-              <a:t>-name f)))]     </a:t>
-            </a:r>
-          </a:p>
-          <a:p>
-            <a:r>
-              <a:rPr lang="en-US" sz="2000" dirty="0"/>
-              <a:t>    [(lam? f) (free-</a:t>
-            </a:r>
-            <a:r>
-              <a:rPr lang="en-US" sz="2000" dirty="0" err="1"/>
-              <a:t>vars</a:t>
-            </a:r>
-            <a:r>
-              <a:rPr lang="en-US" sz="2000" dirty="0"/>
-              <a:t>-in-</a:t>
-            </a:r>
-            <a:r>
-              <a:rPr lang="en-US" sz="2000" dirty="0" err="1"/>
-              <a:t>subexp</a:t>
-            </a:r>
-            <a:r>
-              <a:rPr lang="en-US" sz="2000" dirty="0"/>
-              <a:t> (lam-body f)</a:t>
-            </a:r>
-          </a:p>
-          <a:p>
-            <a:r>
-              <a:rPr lang="en-US" sz="2000" dirty="0"/>
-              <a:t>                   (cons (lam-</a:t>
-            </a:r>
-            <a:r>
-              <a:rPr lang="en-US" sz="2000" dirty="0" err="1"/>
-              <a:t>var</a:t>
-            </a:r>
-            <a:r>
-              <a:rPr lang="en-US" sz="2000" dirty="0"/>
-              <a:t> f) </a:t>
-            </a:r>
-            <a:r>
-              <a:rPr lang="en-US" sz="2000" dirty="0" err="1"/>
-              <a:t>bvars</a:t>
-            </a:r>
-            <a:r>
-              <a:rPr lang="en-US" sz="2000" dirty="0"/>
-              <a:t>))]                                           </a:t>
-            </a:r>
-          </a:p>
-          <a:p>
-            <a:r>
-              <a:rPr lang="en-US" sz="2000" dirty="0"/>
-              <a:t>    [(app? f) (set-union</a:t>
-            </a:r>
-          </a:p>
-          <a:p>
-            <a:r>
-              <a:rPr lang="en-US" sz="2000" dirty="0"/>
-              <a:t>                (free-</a:t>
-            </a:r>
-            <a:r>
-              <a:rPr lang="en-US" sz="2000" dirty="0" err="1"/>
-              <a:t>vars</a:t>
-            </a:r>
-            <a:r>
-              <a:rPr lang="en-US" sz="2000" dirty="0"/>
-              <a:t>-in-</a:t>
-            </a:r>
-            <a:r>
-              <a:rPr lang="en-US" sz="2000" dirty="0" err="1"/>
-              <a:t>subexp</a:t>
-            </a:r>
-            <a:r>
-              <a:rPr lang="en-US" sz="2000" dirty="0"/>
-              <a:t> (app-</a:t>
-            </a:r>
-            <a:r>
-              <a:rPr lang="en-US" sz="2000" dirty="0" err="1"/>
-              <a:t>fn</a:t>
-            </a:r>
-            <a:r>
-              <a:rPr lang="en-US" sz="2000" dirty="0"/>
-              <a:t> f) </a:t>
-            </a:r>
-            <a:r>
-              <a:rPr lang="en-US" sz="2000" dirty="0" err="1"/>
-              <a:t>bvars</a:t>
-            </a:r>
-            <a:r>
-              <a:rPr lang="en-US" sz="2000" dirty="0"/>
-              <a:t>)</a:t>
-            </a:r>
-          </a:p>
-          <a:p>
-            <a:r>
-              <a:rPr lang="en-US" sz="2000" dirty="0"/>
-              <a:t>                (free-</a:t>
-            </a:r>
-            <a:r>
-              <a:rPr lang="en-US" sz="2000" dirty="0" err="1"/>
-              <a:t>vars</a:t>
-            </a:r>
-            <a:r>
-              <a:rPr lang="en-US" sz="2000" dirty="0"/>
-              <a:t>-in-</a:t>
-            </a:r>
-            <a:r>
-              <a:rPr lang="en-US" sz="2000" dirty="0" err="1"/>
-              <a:t>subexp</a:t>
-            </a:r>
-            <a:r>
-              <a:rPr lang="en-US" sz="2000" dirty="0"/>
-              <a:t> (app-</a:t>
-            </a:r>
-            <a:r>
-              <a:rPr lang="en-US" sz="2000" dirty="0" err="1"/>
-              <a:t>arg</a:t>
-            </a:r>
-            <a:r>
-              <a:rPr lang="en-US" sz="2000" dirty="0"/>
-              <a:t> f) </a:t>
-            </a:r>
-            <a:r>
-              <a:rPr lang="en-US" sz="2000" dirty="0" err="1"/>
-              <a:t>bvars</a:t>
-            </a:r>
-            <a:r>
-              <a:rPr lang="en-US" sz="2000" dirty="0"/>
-              <a:t>))]))</a:t>
+              <a:rPr lang="en-US" dirty="0"/>
+              <a:t>Call Graph for this Program</a:t>
             </a:r>
           </a:p>
         </p:txBody>
@@ -8837,221 +10929,1267 @@
           <a:bodyPr/>
           <a:lstStyle/>
           <a:p>
-            <a:fld id="{9F4492BD-6A9C-48FC-AC76-0B4FE11194A1}" type="slidenum">
-              <a:rPr lang="en-US" smtClean="0">
-                <a:solidFill>
-                  <a:prstClr val="black">
-                    <a:tint val="75000"/>
-                  </a:prstClr>
-                </a:solidFill>
-              </a:rPr>
-              <a:pPr/>
+            <a:fld id="{2AF3B5EA-18B6-4040-9F78-6052AF49C681}" type="slidenum">
+              <a:rPr lang="en-US" smtClean="0"/>
               <a:t>27</a:t>
             </a:fld>
-            <a:endParaRPr lang="en-US">
-              <a:solidFill>
-                <a:prstClr val="black">
-                  <a:tint val="75000"/>
-                </a:prstClr>
-              </a:solidFill>
-            </a:endParaRPr>
-          </a:p>
-        </p:txBody>
-      </p:sp>
-      <p:sp>
-        <p:nvSpPr>
-          <p:cNvPr id="8" name="Rectangle 7"/>
-          <p:cNvSpPr/>
+            <a:endParaRPr lang="en-US"/>
+          </a:p>
+        </p:txBody>
+      </p:sp>
+      <p:sp>
+        <p:nvSpPr>
+          <p:cNvPr id="54" name="TextBox 53"/>
+          <p:cNvSpPr txBox="1"/>
           <p:nvPr/>
         </p:nvSpPr>
         <p:spPr>
           <a:xfrm>
-            <a:off x="381000" y="5749131"/>
-            <a:ext cx="4419600" cy="906463"/>
+            <a:off x="7565951" y="5437152"/>
+            <a:ext cx="1501850" cy="830997"/>
           </a:xfrm>
           <a:prstGeom prst="rect">
             <a:avLst/>
           </a:prstGeom>
           <a:solidFill>
-            <a:schemeClr val="accent3">
-              <a:lumMod val="40000"/>
-              <a:lumOff val="60000"/>
+            <a:schemeClr val="accent1">
+              <a:lumMod val="20000"/>
+              <a:lumOff val="80000"/>
             </a:schemeClr>
           </a:solidFill>
-          <a:ln/>
         </p:spPr>
-        <p:style>
-          <a:lnRef idx="2">
-            <a:schemeClr val="accent1"/>
-          </a:lnRef>
-          <a:fillRef idx="1">
-            <a:schemeClr val="lt1"/>
-          </a:fillRef>
-          <a:effectRef idx="0">
-            <a:schemeClr val="accent1"/>
-          </a:effectRef>
-          <a:fontRef idx="minor">
-            <a:schemeClr val="dk1"/>
-          </a:fontRef>
-        </p:style>
-        <p:txBody>
-          <a:bodyPr rot="0" spcFirstLastPara="0" vertOverflow="overflow" horzOverflow="overflow" vert="horz" wrap="square" lIns="91440" tIns="45720" rIns="91440" bIns="45720" numCol="1" spcCol="0" rtlCol="0" fromWordArt="0" anchor="ctr" anchorCtr="0" forceAA="0" compatLnSpc="1">
-            <a:prstTxWarp prst="textNoShape">
+        <p:txBody>
+          <a:bodyPr wrap="square" rtlCol="0">
+            <a:spAutoFit/>
+          </a:bodyPr>
+          <a:lstStyle/>
+          <a:p>
+            <a:r>
+              <a:rPr lang="en-US" sz="1200" dirty="0"/>
+              <a:t>We used an </a:t>
+            </a:r>
+            <a:r>
+              <a:rPr lang="en-US" sz="1200" b="1" dirty="0" err="1"/>
+              <a:t>andmap</a:t>
+            </a:r>
+            <a:r>
+              <a:rPr lang="en-US" sz="1200" dirty="0"/>
+              <a:t> instead of defining </a:t>
+            </a:r>
+            <a:r>
+              <a:rPr lang="en-US" sz="1200" b="1" dirty="0" err="1"/>
+              <a:t>listofexp</a:t>
+            </a:r>
+            <a:r>
+              <a:rPr lang="en-US" sz="1200" b="1" dirty="0"/>
+              <a:t>-all-defined?</a:t>
+            </a:r>
+          </a:p>
+        </p:txBody>
+      </p:sp>
+      <p:grpSp>
+        <p:nvGrpSpPr>
+          <p:cNvPr id="28" name="Group 27"/>
+          <p:cNvGrpSpPr/>
+          <p:nvPr/>
+        </p:nvGrpSpPr>
+        <p:grpSpPr>
+          <a:xfrm>
+            <a:off x="457200" y="1525704"/>
+            <a:ext cx="7083669" cy="5013208"/>
+            <a:chOff x="762000" y="1524000"/>
+            <a:chExt cx="7083669" cy="5013208"/>
+          </a:xfrm>
+        </p:grpSpPr>
+        <p:sp>
+          <p:nvSpPr>
+            <p:cNvPr id="6" name="Rectangle 5"/>
+            <p:cNvSpPr/>
+            <p:nvPr/>
+          </p:nvSpPr>
+          <p:spPr>
+            <a:xfrm>
+              <a:off x="2915009" y="4690611"/>
+              <a:ext cx="1600200" cy="533400"/>
+            </a:xfrm>
+            <a:prstGeom prst="rect">
               <a:avLst/>
-            </a:prstTxWarp>
-            <a:noAutofit/>
-          </a:bodyPr>
-          <a:lstStyle/>
-          <a:p>
-            <a:pPr algn="ctr"/>
-            <a:r>
-              <a:rPr lang="en-US" dirty="0">
+            </a:prstGeom>
+            <a:noFill/>
+            <a:ln w="12700">
+              <a:solidFill>
+                <a:schemeClr val="tx1"/>
+              </a:solidFill>
+            </a:ln>
+          </p:spPr>
+          <p:style>
+            <a:lnRef idx="2">
+              <a:schemeClr val="accent1"/>
+            </a:lnRef>
+            <a:fillRef idx="1">
+              <a:schemeClr val="lt1"/>
+            </a:fillRef>
+            <a:effectRef idx="0">
+              <a:schemeClr val="accent1"/>
+            </a:effectRef>
+            <a:fontRef idx="minor">
+              <a:schemeClr val="dk1"/>
+            </a:fontRef>
+          </p:style>
+          <p:txBody>
+            <a:bodyPr rot="0" spcFirstLastPara="0" vertOverflow="overflow" horzOverflow="overflow" vert="horz" wrap="square" lIns="91440" tIns="45720" rIns="91440" bIns="45720" numCol="1" spcCol="0" rtlCol="0" fromWordArt="0" anchor="ctr" anchorCtr="0" forceAA="0" compatLnSpc="1">
+              <a:prstTxWarp prst="textNoShape">
+                <a:avLst/>
+              </a:prstTxWarp>
+              <a:noAutofit/>
+            </a:bodyPr>
+            <a:lstStyle/>
+            <a:p>
+              <a:pPr algn="ctr"/>
+              <a:r>
+                <a:rPr lang="en-US" i="1" dirty="0">
+                  <a:solidFill>
+                    <a:schemeClr val="tx1"/>
+                  </a:solidFill>
+                </a:rPr>
+                <a:t>variable case</a:t>
+              </a:r>
+            </a:p>
+          </p:txBody>
+        </p:sp>
+        <p:sp>
+          <p:nvSpPr>
+            <p:cNvPr id="7" name="Rectangle 6"/>
+            <p:cNvSpPr/>
+            <p:nvPr/>
+          </p:nvSpPr>
+          <p:spPr>
+            <a:xfrm>
+              <a:off x="4876800" y="4690611"/>
+              <a:ext cx="1600200" cy="533400"/>
+            </a:xfrm>
+            <a:prstGeom prst="rect">
+              <a:avLst/>
+            </a:prstGeom>
+            <a:noFill/>
+            <a:ln w="12700">
+              <a:solidFill>
+                <a:schemeClr val="tx1"/>
+              </a:solidFill>
+            </a:ln>
+          </p:spPr>
+          <p:style>
+            <a:lnRef idx="2">
+              <a:schemeClr val="accent1"/>
+            </a:lnRef>
+            <a:fillRef idx="1">
+              <a:schemeClr val="lt1"/>
+            </a:fillRef>
+            <a:effectRef idx="0">
+              <a:schemeClr val="accent1"/>
+            </a:effectRef>
+            <a:fontRef idx="minor">
+              <a:schemeClr val="dk1"/>
+            </a:fontRef>
+          </p:style>
+          <p:txBody>
+            <a:bodyPr rot="0" spcFirstLastPara="0" vertOverflow="overflow" horzOverflow="overflow" vert="horz" wrap="square" lIns="91440" tIns="45720" rIns="91440" bIns="45720" numCol="1" spcCol="0" rtlCol="0" fromWordArt="0" anchor="ctr" anchorCtr="0" forceAA="0" compatLnSpc="1">
+              <a:prstTxWarp prst="textNoShape">
+                <a:avLst/>
+              </a:prstTxWarp>
+              <a:noAutofit/>
+            </a:bodyPr>
+            <a:lstStyle/>
+            <a:p>
+              <a:pPr algn="ctr"/>
+              <a:r>
+                <a:rPr lang="en-US" i="1" dirty="0">
+                  <a:solidFill>
+                    <a:schemeClr val="tx1"/>
+                  </a:solidFill>
+                </a:rPr>
+                <a:t>application case</a:t>
+              </a:r>
+            </a:p>
+          </p:txBody>
+        </p:sp>
+        <p:sp>
+          <p:nvSpPr>
+            <p:cNvPr id="8" name="Rectangle 7"/>
+            <p:cNvSpPr/>
+            <p:nvPr/>
+          </p:nvSpPr>
+          <p:spPr>
+            <a:xfrm>
+              <a:off x="4495800" y="3754792"/>
+              <a:ext cx="1600200" cy="533400"/>
+            </a:xfrm>
+            <a:prstGeom prst="rect">
+              <a:avLst/>
+            </a:prstGeom>
+            <a:noFill/>
+            <a:ln w="12700">
+              <a:solidFill>
+                <a:schemeClr val="tx1"/>
+              </a:solidFill>
+            </a:ln>
+          </p:spPr>
+          <p:style>
+            <a:lnRef idx="2">
+              <a:schemeClr val="accent1"/>
+            </a:lnRef>
+            <a:fillRef idx="1">
+              <a:schemeClr val="lt1"/>
+            </a:fillRef>
+            <a:effectRef idx="0">
+              <a:schemeClr val="accent1"/>
+            </a:effectRef>
+            <a:fontRef idx="minor">
+              <a:schemeClr val="dk1"/>
+            </a:fontRef>
+          </p:style>
+          <p:txBody>
+            <a:bodyPr rot="0" spcFirstLastPara="0" vertOverflow="overflow" horzOverflow="overflow" vert="horz" wrap="square" lIns="91440" tIns="45720" rIns="91440" bIns="45720" numCol="1" spcCol="0" rtlCol="0" fromWordArt="0" anchor="ctr" anchorCtr="0" forceAA="0" compatLnSpc="1">
+              <a:prstTxWarp prst="textNoShape">
+                <a:avLst/>
+              </a:prstTxWarp>
+              <a:noAutofit/>
+            </a:bodyPr>
+            <a:lstStyle/>
+            <a:p>
+              <a:pPr algn="ctr"/>
+              <a:r>
+                <a:rPr lang="en-US" dirty="0" err="1">
+                  <a:solidFill>
+                    <a:schemeClr val="tx1"/>
+                  </a:solidFill>
+                </a:rPr>
+                <a:t>exp</a:t>
+              </a:r>
+              <a:r>
+                <a:rPr lang="en-US" dirty="0">
+                  <a:solidFill>
+                    <a:schemeClr val="tx1"/>
+                  </a:solidFill>
+                </a:rPr>
+                <a:t>-all-defined?</a:t>
+              </a:r>
+            </a:p>
+          </p:txBody>
+        </p:sp>
+        <p:sp>
+          <p:nvSpPr>
+            <p:cNvPr id="9" name="Rectangle 8"/>
+            <p:cNvSpPr/>
+            <p:nvPr/>
+          </p:nvSpPr>
+          <p:spPr>
+            <a:xfrm>
+              <a:off x="2628900" y="3762451"/>
+              <a:ext cx="1600200" cy="533400"/>
+            </a:xfrm>
+            <a:prstGeom prst="rect">
+              <a:avLst/>
+            </a:prstGeom>
+            <a:noFill/>
+            <a:ln w="12700">
+              <a:solidFill>
+                <a:schemeClr val="tx1">
+                  <a:lumMod val="50000"/>
+                  <a:lumOff val="50000"/>
+                </a:schemeClr>
+              </a:solidFill>
+            </a:ln>
+          </p:spPr>
+          <p:style>
+            <a:lnRef idx="2">
+              <a:schemeClr val="accent1"/>
+            </a:lnRef>
+            <a:fillRef idx="1">
+              <a:schemeClr val="lt1"/>
+            </a:fillRef>
+            <a:effectRef idx="0">
+              <a:schemeClr val="accent1"/>
+            </a:effectRef>
+            <a:fontRef idx="minor">
+              <a:schemeClr val="dk1"/>
+            </a:fontRef>
+          </p:style>
+          <p:txBody>
+            <a:bodyPr rot="0" spcFirstLastPara="0" vertOverflow="overflow" horzOverflow="overflow" vert="horz" wrap="square" lIns="91440" tIns="45720" rIns="91440" bIns="45720" numCol="1" spcCol="0" rtlCol="0" fromWordArt="0" anchor="ctr" anchorCtr="0" forceAA="0" compatLnSpc="1">
+              <a:prstTxWarp prst="textNoShape">
+                <a:avLst/>
+              </a:prstTxWarp>
+              <a:noAutofit/>
+            </a:bodyPr>
+            <a:lstStyle/>
+            <a:p>
+              <a:pPr algn="ctr"/>
+              <a:r>
+                <a:rPr lang="en-US" dirty="0" err="1">
+                  <a:solidFill>
+                    <a:schemeClr val="tx1">
+                      <a:lumMod val="50000"/>
+                      <a:lumOff val="50000"/>
+                    </a:schemeClr>
+                  </a:solidFill>
+                </a:rPr>
+                <a:t>ListOfVariable</a:t>
+              </a:r>
+              <a:endParaRPr lang="en-US" dirty="0">
                 <a:solidFill>
-                  <a:schemeClr val="tx1"/>
+                  <a:schemeClr val="tx1">
+                    <a:lumMod val="50000"/>
+                    <a:lumOff val="50000"/>
+                  </a:schemeClr>
                 </a:solidFill>
-              </a:rPr>
-              <a:t>Adds the lambda-variable to the list of bound variables in the body, so the called function's WHERE clause will become true.</a:t>
-            </a:r>
-          </a:p>
-        </p:txBody>
-      </p:sp>
-      <p:cxnSp>
-        <p:nvCxnSpPr>
-          <p:cNvPr id="5" name="Straight Arrow Connector 4"/>
-          <p:cNvCxnSpPr>
-            <a:stCxn id="6" idx="1"/>
-          </p:cNvCxnSpPr>
-          <p:nvPr/>
-        </p:nvCxnSpPr>
-        <p:spPr>
-          <a:xfrm flipH="1">
-            <a:off x="4648200" y="1704125"/>
-            <a:ext cx="2514600" cy="1039075"/>
-          </a:xfrm>
-          <a:prstGeom prst="straightConnector1">
-            <a:avLst/>
-          </a:prstGeom>
-          <a:ln w="12700">
-            <a:solidFill>
+              </a:endParaRPr>
+            </a:p>
+          </p:txBody>
+        </p:sp>
+        <p:sp>
+          <p:nvSpPr>
+            <p:cNvPr id="10" name="Rectangle 9"/>
+            <p:cNvSpPr/>
+            <p:nvPr/>
+          </p:nvSpPr>
+          <p:spPr>
+            <a:xfrm>
+              <a:off x="762000" y="3762451"/>
+              <a:ext cx="1600200" cy="533400"/>
+            </a:xfrm>
+            <a:prstGeom prst="rect">
+              <a:avLst/>
+            </a:prstGeom>
+            <a:noFill/>
+            <a:ln w="12700">
+              <a:solidFill>
+                <a:schemeClr val="tx1">
+                  <a:lumMod val="50000"/>
+                  <a:lumOff val="50000"/>
+                </a:schemeClr>
+              </a:solidFill>
+            </a:ln>
+          </p:spPr>
+          <p:style>
+            <a:lnRef idx="2">
+              <a:schemeClr val="accent1"/>
+            </a:lnRef>
+            <a:fillRef idx="1">
+              <a:schemeClr val="lt1"/>
+            </a:fillRef>
+            <a:effectRef idx="0">
+              <a:schemeClr val="accent1"/>
+            </a:effectRef>
+            <a:fontRef idx="minor">
+              <a:schemeClr val="dk1"/>
+            </a:fontRef>
+          </p:style>
+          <p:txBody>
+            <a:bodyPr rot="0" spcFirstLastPara="0" vertOverflow="overflow" horzOverflow="overflow" vert="horz" wrap="square" lIns="91440" tIns="45720" rIns="91440" bIns="45720" numCol="1" spcCol="0" rtlCol="0" fromWordArt="0" anchor="ctr" anchorCtr="0" forceAA="0" compatLnSpc="1">
+              <a:prstTxWarp prst="textNoShape">
+                <a:avLst/>
+              </a:prstTxWarp>
+              <a:noAutofit/>
+            </a:bodyPr>
+            <a:lstStyle/>
+            <a:p>
+              <a:pPr algn="ctr"/>
+              <a:r>
+                <a:rPr lang="en-US" dirty="0">
+                  <a:solidFill>
+                    <a:schemeClr val="tx1">
+                      <a:lumMod val="50000"/>
+                      <a:lumOff val="50000"/>
+                    </a:schemeClr>
+                  </a:solidFill>
+                </a:rPr>
+                <a:t>Variable</a:t>
+              </a:r>
+            </a:p>
+          </p:txBody>
+        </p:sp>
+        <p:sp>
+          <p:nvSpPr>
+            <p:cNvPr id="11" name="Rectangle 10"/>
+            <p:cNvSpPr/>
+            <p:nvPr/>
+          </p:nvSpPr>
+          <p:spPr>
+            <a:xfrm>
+              <a:off x="2628900" y="3024308"/>
+              <a:ext cx="1600200" cy="533400"/>
+            </a:xfrm>
+            <a:prstGeom prst="rect">
+              <a:avLst/>
+            </a:prstGeom>
+            <a:noFill/>
+            <a:ln w="12700">
+              <a:solidFill>
+                <a:schemeClr val="tx1"/>
+              </a:solidFill>
+            </a:ln>
+          </p:spPr>
+          <p:style>
+            <a:lnRef idx="2">
+              <a:schemeClr val="accent1"/>
+            </a:lnRef>
+            <a:fillRef idx="1">
+              <a:schemeClr val="lt1"/>
+            </a:fillRef>
+            <a:effectRef idx="0">
+              <a:schemeClr val="accent1"/>
+            </a:effectRef>
+            <a:fontRef idx="minor">
+              <a:schemeClr val="dk1"/>
+            </a:fontRef>
+          </p:style>
+          <p:txBody>
+            <a:bodyPr rot="0" spcFirstLastPara="0" vertOverflow="overflow" horzOverflow="overflow" vert="horz" wrap="square" lIns="91440" tIns="45720" rIns="91440" bIns="45720" numCol="1" spcCol="0" rtlCol="0" fromWordArt="0" anchor="ctr" anchorCtr="0" forceAA="0" compatLnSpc="1">
+              <a:prstTxWarp prst="textNoShape">
+                <a:avLst/>
+              </a:prstTxWarp>
+              <a:noAutofit/>
+            </a:bodyPr>
+            <a:lstStyle/>
+            <a:p>
+              <a:pPr algn="ctr"/>
+              <a:r>
+                <a:rPr lang="en-US" dirty="0" err="1">
+                  <a:solidFill>
+                    <a:schemeClr val="tx1"/>
+                  </a:solidFill>
+                </a:rPr>
+                <a:t>def</a:t>
+              </a:r>
+              <a:r>
+                <a:rPr lang="en-US" dirty="0">
+                  <a:solidFill>
+                    <a:schemeClr val="tx1"/>
+                  </a:solidFill>
+                </a:rPr>
+                <a:t>-all-defined</a:t>
+              </a:r>
+            </a:p>
+          </p:txBody>
+        </p:sp>
+        <p:sp>
+          <p:nvSpPr>
+            <p:cNvPr id="12" name="Rectangle 11"/>
+            <p:cNvSpPr/>
+            <p:nvPr/>
+          </p:nvSpPr>
+          <p:spPr>
+            <a:xfrm>
+              <a:off x="2552700" y="2227481"/>
+              <a:ext cx="1752600" cy="533400"/>
+            </a:xfrm>
+            <a:prstGeom prst="rect">
+              <a:avLst/>
+            </a:prstGeom>
+            <a:noFill/>
+            <a:ln w="12700">
+              <a:solidFill>
+                <a:schemeClr val="tx1"/>
+              </a:solidFill>
+            </a:ln>
+          </p:spPr>
+          <p:style>
+            <a:lnRef idx="2">
+              <a:schemeClr val="accent1"/>
+            </a:lnRef>
+            <a:fillRef idx="1">
+              <a:schemeClr val="lt1"/>
+            </a:fillRef>
+            <a:effectRef idx="0">
+              <a:schemeClr val="accent1"/>
+            </a:effectRef>
+            <a:fontRef idx="minor">
+              <a:schemeClr val="dk1"/>
+            </a:fontRef>
+          </p:style>
+          <p:txBody>
+            <a:bodyPr rot="0" spcFirstLastPara="0" vertOverflow="overflow" horzOverflow="overflow" vert="horz" wrap="square" lIns="91440" tIns="45720" rIns="91440" bIns="45720" numCol="1" spcCol="0" rtlCol="0" fromWordArt="0" anchor="ctr" anchorCtr="0" forceAA="0" compatLnSpc="1">
+              <a:prstTxWarp prst="textNoShape">
+                <a:avLst/>
+              </a:prstTxWarp>
+              <a:noAutofit/>
+            </a:bodyPr>
+            <a:lstStyle/>
+            <a:p>
+              <a:pPr algn="ctr"/>
+              <a:r>
+                <a:rPr lang="en-US" dirty="0" err="1">
+                  <a:solidFill>
+                    <a:schemeClr val="tx1"/>
+                  </a:solidFill>
+                </a:rPr>
+                <a:t>lod</a:t>
+              </a:r>
+              <a:r>
+                <a:rPr lang="en-US" dirty="0">
+                  <a:solidFill>
+                    <a:schemeClr val="tx1"/>
+                  </a:solidFill>
+                </a:rPr>
+                <a:t>-all-defined?</a:t>
+              </a:r>
+            </a:p>
+          </p:txBody>
+        </p:sp>
+        <p:sp>
+          <p:nvSpPr>
+            <p:cNvPr id="13" name="Rectangle 12"/>
+            <p:cNvSpPr/>
+            <p:nvPr/>
+          </p:nvSpPr>
+          <p:spPr>
+            <a:xfrm>
+              <a:off x="2628900" y="1524000"/>
+              <a:ext cx="1600200" cy="533400"/>
+            </a:xfrm>
+            <a:prstGeom prst="rect">
+              <a:avLst/>
+            </a:prstGeom>
+            <a:noFill/>
+            <a:ln w="12700">
+              <a:solidFill>
+                <a:schemeClr val="tx1"/>
+              </a:solidFill>
+            </a:ln>
+          </p:spPr>
+          <p:style>
+            <a:lnRef idx="2">
+              <a:schemeClr val="accent1"/>
+            </a:lnRef>
+            <a:fillRef idx="1">
+              <a:schemeClr val="lt1"/>
+            </a:fillRef>
+            <a:effectRef idx="0">
+              <a:schemeClr val="accent1"/>
+            </a:effectRef>
+            <a:fontRef idx="minor">
+              <a:schemeClr val="dk1"/>
+            </a:fontRef>
+          </p:style>
+          <p:txBody>
+            <a:bodyPr rot="0" spcFirstLastPara="0" vertOverflow="overflow" horzOverflow="overflow" vert="horz" wrap="square" lIns="91440" tIns="45720" rIns="91440" bIns="45720" numCol="1" spcCol="0" rtlCol="0" fromWordArt="0" anchor="ctr" anchorCtr="0" forceAA="0" compatLnSpc="1">
+              <a:prstTxWarp prst="textNoShape">
+                <a:avLst/>
+              </a:prstTxWarp>
+              <a:noAutofit/>
+            </a:bodyPr>
+            <a:lstStyle/>
+            <a:p>
+              <a:pPr algn="ctr"/>
+              <a:r>
+                <a:rPr lang="en-US" dirty="0">
+                  <a:solidFill>
+                    <a:schemeClr val="tx1"/>
+                  </a:solidFill>
+                </a:rPr>
+                <a:t>program-all-defined?</a:t>
+              </a:r>
+            </a:p>
+          </p:txBody>
+        </p:sp>
+        <p:sp>
+          <p:nvSpPr>
+            <p:cNvPr id="15" name="Rectangle 14"/>
+            <p:cNvSpPr/>
+            <p:nvPr/>
+          </p:nvSpPr>
+          <p:spPr>
+            <a:xfrm>
+              <a:off x="5676900" y="5457763"/>
+              <a:ext cx="1752600" cy="541377"/>
+            </a:xfrm>
+            <a:prstGeom prst="rect">
+              <a:avLst/>
+            </a:prstGeom>
+            <a:noFill/>
+            <a:ln w="12700">
+              <a:solidFill>
+                <a:schemeClr val="tx1"/>
+              </a:solidFill>
+            </a:ln>
+          </p:spPr>
+          <p:style>
+            <a:lnRef idx="2">
+              <a:schemeClr val="accent1"/>
+            </a:lnRef>
+            <a:fillRef idx="1">
+              <a:schemeClr val="lt1"/>
+            </a:fillRef>
+            <a:effectRef idx="0">
+              <a:schemeClr val="accent1"/>
+            </a:effectRef>
+            <a:fontRef idx="minor">
+              <a:schemeClr val="dk1"/>
+            </a:fontRef>
+          </p:style>
+          <p:txBody>
+            <a:bodyPr rot="0" spcFirstLastPara="0" vertOverflow="overflow" horzOverflow="overflow" vert="horz" wrap="square" lIns="91440" tIns="45720" rIns="91440" bIns="45720" numCol="1" spcCol="0" rtlCol="0" fromWordArt="0" anchor="ctr" anchorCtr="0" forceAA="0" compatLnSpc="1">
+              <a:prstTxWarp prst="textNoShape">
+                <a:avLst/>
+              </a:prstTxWarp>
+              <a:noAutofit/>
+            </a:bodyPr>
+            <a:lstStyle/>
+            <a:p>
+              <a:pPr algn="ctr"/>
+              <a:r>
+                <a:rPr lang="en-US" sz="1200" i="1" dirty="0" err="1">
+                  <a:solidFill>
+                    <a:schemeClr val="tx1"/>
+                  </a:solidFill>
+                </a:rPr>
+                <a:t>andmap</a:t>
+              </a:r>
+              <a:r>
+                <a:rPr lang="en-US" sz="1200" i="1" dirty="0">
+                  <a:solidFill>
+                    <a:schemeClr val="tx1"/>
+                  </a:solidFill>
+                </a:rPr>
+                <a:t> </a:t>
+              </a:r>
+              <a:r>
+                <a:rPr lang="en-US" sz="1200" b="1" dirty="0" err="1">
+                  <a:solidFill>
+                    <a:schemeClr val="tx1"/>
+                  </a:solidFill>
+                </a:rPr>
+                <a:t>exp</a:t>
+              </a:r>
+              <a:r>
+                <a:rPr lang="en-US" sz="1200" b="1" dirty="0">
+                  <a:solidFill>
+                    <a:schemeClr val="tx1"/>
+                  </a:solidFill>
+                </a:rPr>
+                <a:t>-all-defined?</a:t>
+              </a:r>
+              <a:r>
+                <a:rPr lang="en-US" sz="1200" i="1" dirty="0">
+                  <a:solidFill>
+                    <a:schemeClr val="tx1"/>
+                  </a:solidFill>
+                </a:rPr>
+                <a:t> on arguments</a:t>
+              </a:r>
+            </a:p>
+          </p:txBody>
+        </p:sp>
+        <p:sp>
+          <p:nvSpPr>
+            <p:cNvPr id="16" name="Rectangle 15"/>
+            <p:cNvSpPr/>
+            <p:nvPr/>
+          </p:nvSpPr>
+          <p:spPr>
+            <a:xfrm>
+              <a:off x="3886200" y="5471294"/>
+              <a:ext cx="1600200" cy="700906"/>
+            </a:xfrm>
+            <a:prstGeom prst="rect">
+              <a:avLst/>
+            </a:prstGeom>
+            <a:noFill/>
+            <a:ln w="12700">
+              <a:solidFill>
+                <a:schemeClr val="tx1"/>
+              </a:solidFill>
+            </a:ln>
+          </p:spPr>
+          <p:style>
+            <a:lnRef idx="2">
+              <a:schemeClr val="accent1"/>
+            </a:lnRef>
+            <a:fillRef idx="1">
+              <a:schemeClr val="lt1"/>
+            </a:fillRef>
+            <a:effectRef idx="0">
+              <a:schemeClr val="accent1"/>
+            </a:effectRef>
+            <a:fontRef idx="minor">
+              <a:schemeClr val="dk1"/>
+            </a:fontRef>
+          </p:style>
+          <p:txBody>
+            <a:bodyPr rot="0" spcFirstLastPara="0" vertOverflow="overflow" horzOverflow="overflow" vert="horz" wrap="square" lIns="91440" tIns="45720" rIns="91440" bIns="45720" numCol="1" spcCol="0" rtlCol="0" fromWordArt="0" anchor="ctr" anchorCtr="0" forceAA="0" compatLnSpc="1">
+              <a:prstTxWarp prst="textNoShape">
+                <a:avLst/>
+              </a:prstTxWarp>
+              <a:noAutofit/>
+            </a:bodyPr>
+            <a:lstStyle/>
+            <a:p>
+              <a:pPr algn="ctr"/>
+              <a:r>
+                <a:rPr lang="en-US" i="1" dirty="0">
+                  <a:solidFill>
+                    <a:schemeClr val="tx1"/>
+                  </a:solidFill>
+                </a:rPr>
+                <a:t>is function name defined?</a:t>
+              </a:r>
+            </a:p>
+          </p:txBody>
+        </p:sp>
+        <p:cxnSp>
+          <p:nvCxnSpPr>
+            <p:cNvPr id="37" name="Straight Arrow Connector 36"/>
+            <p:cNvCxnSpPr>
+              <a:stCxn id="8" idx="0"/>
+              <a:endCxn id="11" idx="2"/>
+            </p:cNvCxnSpPr>
+            <p:nvPr/>
+          </p:nvCxnSpPr>
+          <p:spPr>
+            <a:xfrm flipH="1" flipV="1">
+              <a:off x="3429000" y="3557708"/>
+              <a:ext cx="1866900" cy="197084"/>
+            </a:xfrm>
+            <a:prstGeom prst="straightConnector1">
+              <a:avLst/>
+            </a:prstGeom>
+            <a:ln>
+              <a:headEnd type="triangle"/>
+              <a:tailEnd type="none"/>
+            </a:ln>
+          </p:spPr>
+          <p:style>
+            <a:lnRef idx="1">
+              <a:schemeClr val="accent1"/>
+            </a:lnRef>
+            <a:fillRef idx="0">
+              <a:schemeClr val="accent1"/>
+            </a:fillRef>
+            <a:effectRef idx="0">
+              <a:schemeClr val="accent1"/>
+            </a:effectRef>
+            <a:fontRef idx="minor">
               <a:schemeClr val="tx1"/>
-            </a:solidFill>
-            <a:tailEnd type="arrow"/>
-          </a:ln>
-        </p:spPr>
-        <p:style>
-          <a:lnRef idx="1">
-            <a:schemeClr val="accent1"/>
-          </a:lnRef>
-          <a:fillRef idx="0">
-            <a:schemeClr val="accent1"/>
-          </a:fillRef>
-          <a:effectRef idx="0">
-            <a:schemeClr val="accent1"/>
-          </a:effectRef>
-          <a:fontRef idx="minor">
-            <a:schemeClr val="tx1"/>
-          </a:fontRef>
-        </p:style>
-      </p:cxnSp>
-      <p:cxnSp>
-        <p:nvCxnSpPr>
-          <p:cNvPr id="11" name="Straight Arrow Connector 10"/>
-          <p:cNvCxnSpPr>
-            <a:stCxn id="8" idx="0"/>
-          </p:cNvCxnSpPr>
-          <p:nvPr/>
-        </p:nvCxnSpPr>
-        <p:spPr>
-          <a:xfrm flipV="1">
-            <a:off x="2590800" y="4529931"/>
-            <a:ext cx="990600" cy="1219200"/>
-          </a:xfrm>
-          <a:prstGeom prst="straightConnector1">
-            <a:avLst/>
-          </a:prstGeom>
-          <a:ln w="12700">
-            <a:solidFill>
+            </a:fontRef>
+          </p:style>
+        </p:cxnSp>
+        <p:cxnSp>
+          <p:nvCxnSpPr>
+            <p:cNvPr id="39" name="Straight Arrow Connector 38"/>
+            <p:cNvCxnSpPr>
+              <a:stCxn id="6" idx="0"/>
+              <a:endCxn id="8" idx="2"/>
+            </p:cNvCxnSpPr>
+            <p:nvPr/>
+          </p:nvCxnSpPr>
+          <p:spPr>
+            <a:xfrm flipV="1">
+              <a:off x="3715109" y="4288192"/>
+              <a:ext cx="1580791" cy="402419"/>
+            </a:xfrm>
+            <a:prstGeom prst="straightConnector1">
+              <a:avLst/>
+            </a:prstGeom>
+            <a:ln>
+              <a:headEnd type="triangle"/>
+              <a:tailEnd type="none"/>
+            </a:ln>
+          </p:spPr>
+          <p:style>
+            <a:lnRef idx="1">
+              <a:schemeClr val="accent1"/>
+            </a:lnRef>
+            <a:fillRef idx="0">
+              <a:schemeClr val="accent1"/>
+            </a:fillRef>
+            <a:effectRef idx="0">
+              <a:schemeClr val="accent1"/>
+            </a:effectRef>
+            <a:fontRef idx="minor">
               <a:schemeClr val="tx1"/>
-            </a:solidFill>
-            <a:tailEnd type="arrow"/>
-          </a:ln>
-        </p:spPr>
-        <p:style>
-          <a:lnRef idx="1">
-            <a:schemeClr val="accent1"/>
-          </a:lnRef>
-          <a:fillRef idx="0">
-            <a:schemeClr val="accent1"/>
-          </a:fillRef>
-          <a:effectRef idx="0">
-            <a:schemeClr val="accent1"/>
-          </a:effectRef>
-          <a:fontRef idx="minor">
-            <a:schemeClr val="tx1"/>
-          </a:fontRef>
-        </p:style>
-      </p:cxnSp>
-      <p:sp>
-        <p:nvSpPr>
-          <p:cNvPr id="6" name="Rectangle 5"/>
-          <p:cNvSpPr/>
-          <p:nvPr/>
-        </p:nvSpPr>
-        <p:spPr>
-          <a:xfrm>
-            <a:off x="7162800" y="1246925"/>
-            <a:ext cx="1714500" cy="914400"/>
-          </a:xfrm>
-          <a:prstGeom prst="rect">
-            <a:avLst/>
-          </a:prstGeom>
-          <a:solidFill>
-            <a:schemeClr val="accent3">
-              <a:lumMod val="40000"/>
-              <a:lumOff val="60000"/>
-            </a:schemeClr>
-          </a:solidFill>
-          <a:ln/>
-        </p:spPr>
-        <p:style>
-          <a:lnRef idx="2">
-            <a:schemeClr val="accent1"/>
-          </a:lnRef>
-          <a:fillRef idx="1">
-            <a:schemeClr val="lt1"/>
-          </a:fillRef>
-          <a:effectRef idx="0">
-            <a:schemeClr val="accent1"/>
-          </a:effectRef>
-          <a:fontRef idx="minor">
-            <a:schemeClr val="dk1"/>
-          </a:fontRef>
-        </p:style>
-        <p:txBody>
-          <a:bodyPr rot="0" spcFirstLastPara="0" vertOverflow="overflow" horzOverflow="overflow" vert="horz" wrap="square" lIns="91440" tIns="45720" rIns="91440" bIns="45720" numCol="1" spcCol="0" rtlCol="0" fromWordArt="0" anchor="ctr" anchorCtr="0" forceAA="0" compatLnSpc="1">
-            <a:prstTxWarp prst="textNoShape">
+            </a:fontRef>
+          </p:style>
+        </p:cxnSp>
+        <p:cxnSp>
+          <p:nvCxnSpPr>
+            <p:cNvPr id="41" name="Straight Arrow Connector 40"/>
+            <p:cNvCxnSpPr>
+              <a:stCxn id="7" idx="0"/>
+              <a:endCxn id="8" idx="2"/>
+            </p:cNvCxnSpPr>
+            <p:nvPr/>
+          </p:nvCxnSpPr>
+          <p:spPr>
+            <a:xfrm flipH="1" flipV="1">
+              <a:off x="5295900" y="4288192"/>
+              <a:ext cx="381000" cy="402419"/>
+            </a:xfrm>
+            <a:prstGeom prst="straightConnector1">
               <a:avLst/>
-            </a:prstTxWarp>
-            <a:noAutofit/>
-          </a:bodyPr>
-          <a:lstStyle/>
-          <a:p>
-            <a:pPr algn="ctr"/>
-            <a:r>
-              <a:rPr lang="en-US" dirty="0">
-                <a:solidFill>
-                  <a:schemeClr val="tx1"/>
-                </a:solidFill>
-              </a:rPr>
-              <a:t>Is the variable already bound? </a:t>
-            </a:r>
-          </a:p>
-        </p:txBody>
-      </p:sp>
+            </a:prstGeom>
+            <a:ln>
+              <a:headEnd type="triangle"/>
+              <a:tailEnd type="none"/>
+            </a:ln>
+          </p:spPr>
+          <p:style>
+            <a:lnRef idx="1">
+              <a:schemeClr val="accent1"/>
+            </a:lnRef>
+            <a:fillRef idx="0">
+              <a:schemeClr val="accent1"/>
+            </a:fillRef>
+            <a:effectRef idx="0">
+              <a:schemeClr val="accent1"/>
+            </a:effectRef>
+            <a:fontRef idx="minor">
+              <a:schemeClr val="tx1"/>
+            </a:fontRef>
+          </p:style>
+        </p:cxnSp>
+        <p:cxnSp>
+          <p:nvCxnSpPr>
+            <p:cNvPr id="43" name="Straight Arrow Connector 42"/>
+            <p:cNvCxnSpPr>
+              <a:stCxn id="16" idx="0"/>
+              <a:endCxn id="7" idx="2"/>
+            </p:cNvCxnSpPr>
+            <p:nvPr/>
+          </p:nvCxnSpPr>
+          <p:spPr>
+            <a:xfrm flipV="1">
+              <a:off x="4686300" y="5224011"/>
+              <a:ext cx="990600" cy="247283"/>
+            </a:xfrm>
+            <a:prstGeom prst="straightConnector1">
+              <a:avLst/>
+            </a:prstGeom>
+            <a:ln>
+              <a:headEnd type="triangle"/>
+              <a:tailEnd type="none"/>
+            </a:ln>
+          </p:spPr>
+          <p:style>
+            <a:lnRef idx="1">
+              <a:schemeClr val="accent1"/>
+            </a:lnRef>
+            <a:fillRef idx="0">
+              <a:schemeClr val="accent1"/>
+            </a:fillRef>
+            <a:effectRef idx="0">
+              <a:schemeClr val="accent1"/>
+            </a:effectRef>
+            <a:fontRef idx="minor">
+              <a:schemeClr val="tx1"/>
+            </a:fontRef>
+          </p:style>
+        </p:cxnSp>
+        <p:cxnSp>
+          <p:nvCxnSpPr>
+            <p:cNvPr id="45" name="Straight Arrow Connector 44"/>
+            <p:cNvCxnSpPr>
+              <a:stCxn id="15" idx="0"/>
+              <a:endCxn id="7" idx="2"/>
+            </p:cNvCxnSpPr>
+            <p:nvPr/>
+          </p:nvCxnSpPr>
+          <p:spPr>
+            <a:xfrm flipH="1" flipV="1">
+              <a:off x="5676900" y="5224011"/>
+              <a:ext cx="876300" cy="233752"/>
+            </a:xfrm>
+            <a:prstGeom prst="straightConnector1">
+              <a:avLst/>
+            </a:prstGeom>
+            <a:ln>
+              <a:headEnd type="triangle"/>
+              <a:tailEnd type="none"/>
+            </a:ln>
+          </p:spPr>
+          <p:style>
+            <a:lnRef idx="1">
+              <a:schemeClr val="accent1"/>
+            </a:lnRef>
+            <a:fillRef idx="0">
+              <a:schemeClr val="accent1"/>
+            </a:fillRef>
+            <a:effectRef idx="0">
+              <a:schemeClr val="accent1"/>
+            </a:effectRef>
+            <a:fontRef idx="minor">
+              <a:schemeClr val="tx1"/>
+            </a:fontRef>
+          </p:style>
+        </p:cxnSp>
+        <p:sp>
+          <p:nvSpPr>
+            <p:cNvPr id="50" name="Arc 49"/>
+            <p:cNvSpPr/>
+            <p:nvPr/>
+          </p:nvSpPr>
+          <p:spPr>
+            <a:xfrm>
+              <a:off x="4064976" y="2604811"/>
+              <a:ext cx="480647" cy="375037"/>
+            </a:xfrm>
+            <a:prstGeom prst="arc">
+              <a:avLst>
+                <a:gd name="adj1" fmla="val 16200000"/>
+                <a:gd name="adj2" fmla="val 11142639"/>
+              </a:avLst>
+            </a:prstGeom>
+            <a:ln>
+              <a:tailEnd type="triangle"/>
+            </a:ln>
+          </p:spPr>
+          <p:style>
+            <a:lnRef idx="1">
+              <a:schemeClr val="accent1"/>
+            </a:lnRef>
+            <a:fillRef idx="0">
+              <a:schemeClr val="accent1"/>
+            </a:fillRef>
+            <a:effectRef idx="0">
+              <a:schemeClr val="accent1"/>
+            </a:effectRef>
+            <a:fontRef idx="minor">
+              <a:schemeClr val="tx1"/>
+            </a:fontRef>
+          </p:style>
+          <p:txBody>
+            <a:bodyPr rtlCol="0" anchor="ctr"/>
+            <a:lstStyle/>
+            <a:p>
+              <a:pPr algn="ctr"/>
+              <a:endParaRPr lang="en-US"/>
+            </a:p>
+          </p:txBody>
+        </p:sp>
+        <p:grpSp>
+          <p:nvGrpSpPr>
+            <p:cNvPr id="35" name="Group 34"/>
+            <p:cNvGrpSpPr/>
+            <p:nvPr/>
+          </p:nvGrpSpPr>
+          <p:grpSpPr>
+            <a:xfrm>
+              <a:off x="5562601" y="1700738"/>
+              <a:ext cx="2283068" cy="276999"/>
+              <a:chOff x="5562601" y="1700738"/>
+              <a:chExt cx="2971800" cy="276999"/>
+            </a:xfrm>
+          </p:grpSpPr>
+          <p:sp>
+            <p:nvSpPr>
+              <p:cNvPr id="36" name="TextBox 35"/>
+              <p:cNvSpPr txBox="1"/>
+              <p:nvPr/>
+            </p:nvSpPr>
+            <p:spPr>
+              <a:xfrm>
+                <a:off x="5562601" y="1700738"/>
+                <a:ext cx="2971800" cy="276999"/>
+              </a:xfrm>
+              <a:prstGeom prst="rect">
+                <a:avLst/>
+              </a:prstGeom>
+              <a:solidFill>
+                <a:schemeClr val="accent1">
+                  <a:lumMod val="20000"/>
+                  <a:lumOff val="80000"/>
+                </a:schemeClr>
+              </a:solidFill>
+            </p:spPr>
+            <p:txBody>
+              <a:bodyPr wrap="square" rtlCol="0">
+                <a:spAutoFit/>
+              </a:bodyPr>
+              <a:lstStyle/>
+              <a:p>
+                <a:pPr algn="r"/>
+                <a:r>
+                  <a:rPr lang="en-US" sz="1200" dirty="0"/>
+                  <a:t>means “calls” or “may call”</a:t>
+                </a:r>
+              </a:p>
+            </p:txBody>
+          </p:sp>
+          <p:cxnSp>
+            <p:nvCxnSpPr>
+              <p:cNvPr id="38" name="Straight Arrow Connector 37"/>
+              <p:cNvCxnSpPr/>
+              <p:nvPr/>
+            </p:nvCxnSpPr>
+            <p:spPr>
+              <a:xfrm>
+                <a:off x="5676900" y="1828800"/>
+                <a:ext cx="419100" cy="0"/>
+              </a:xfrm>
+              <a:prstGeom prst="straightConnector1">
+                <a:avLst/>
+              </a:prstGeom>
+              <a:ln>
+                <a:tailEnd type="triangle"/>
+              </a:ln>
+            </p:spPr>
+            <p:style>
+              <a:lnRef idx="1">
+                <a:schemeClr val="accent1"/>
+              </a:lnRef>
+              <a:fillRef idx="0">
+                <a:schemeClr val="accent1"/>
+              </a:fillRef>
+              <a:effectRef idx="0">
+                <a:schemeClr val="accent1"/>
+              </a:effectRef>
+              <a:fontRef idx="minor">
+                <a:schemeClr val="tx1"/>
+              </a:fontRef>
+            </p:style>
+          </p:cxnSp>
+        </p:grpSp>
+        <p:cxnSp>
+          <p:nvCxnSpPr>
+            <p:cNvPr id="3" name="Straight Arrow Connector 2"/>
+            <p:cNvCxnSpPr>
+              <a:stCxn id="13" idx="2"/>
+              <a:endCxn id="12" idx="0"/>
+            </p:cNvCxnSpPr>
+            <p:nvPr/>
+          </p:nvCxnSpPr>
+          <p:spPr>
+            <a:xfrm>
+              <a:off x="3429000" y="2057400"/>
+              <a:ext cx="0" cy="170081"/>
+            </a:xfrm>
+            <a:prstGeom prst="straightConnector1">
+              <a:avLst/>
+            </a:prstGeom>
+            <a:ln>
+              <a:tailEnd type="triangle"/>
+            </a:ln>
+          </p:spPr>
+          <p:style>
+            <a:lnRef idx="1">
+              <a:schemeClr val="accent1"/>
+            </a:lnRef>
+            <a:fillRef idx="0">
+              <a:schemeClr val="accent1"/>
+            </a:fillRef>
+            <a:effectRef idx="0">
+              <a:schemeClr val="accent1"/>
+            </a:effectRef>
+            <a:fontRef idx="minor">
+              <a:schemeClr val="tx1"/>
+            </a:fontRef>
+          </p:style>
+        </p:cxnSp>
+        <p:cxnSp>
+          <p:nvCxnSpPr>
+            <p:cNvPr id="17" name="Straight Arrow Connector 16"/>
+            <p:cNvCxnSpPr>
+              <a:stCxn id="12" idx="2"/>
+              <a:endCxn id="11" idx="0"/>
+            </p:cNvCxnSpPr>
+            <p:nvPr/>
+          </p:nvCxnSpPr>
+          <p:spPr>
+            <a:xfrm>
+              <a:off x="3429000" y="2760881"/>
+              <a:ext cx="0" cy="263427"/>
+            </a:xfrm>
+            <a:prstGeom prst="straightConnector1">
+              <a:avLst/>
+            </a:prstGeom>
+            <a:ln>
+              <a:tailEnd type="triangle"/>
+            </a:ln>
+          </p:spPr>
+          <p:style>
+            <a:lnRef idx="1">
+              <a:schemeClr val="accent1"/>
+            </a:lnRef>
+            <a:fillRef idx="0">
+              <a:schemeClr val="accent1"/>
+            </a:fillRef>
+            <a:effectRef idx="0">
+              <a:schemeClr val="accent1"/>
+            </a:effectRef>
+            <a:fontRef idx="minor">
+              <a:schemeClr val="tx1"/>
+            </a:fontRef>
+          </p:style>
+        </p:cxnSp>
+        <p:sp>
+          <p:nvSpPr>
+            <p:cNvPr id="42" name="Arc 41"/>
+            <p:cNvSpPr/>
+            <p:nvPr/>
+          </p:nvSpPr>
+          <p:spPr>
+            <a:xfrm rot="7922642">
+              <a:off x="4765582" y="3757337"/>
+              <a:ext cx="707830" cy="785827"/>
+            </a:xfrm>
+            <a:prstGeom prst="arc">
+              <a:avLst/>
+            </a:prstGeom>
+          </p:spPr>
+          <p:style>
+            <a:lnRef idx="1">
+              <a:schemeClr val="accent1"/>
+            </a:lnRef>
+            <a:fillRef idx="0">
+              <a:schemeClr val="accent1"/>
+            </a:fillRef>
+            <a:effectRef idx="0">
+              <a:schemeClr val="accent1"/>
+            </a:effectRef>
+            <a:fontRef idx="minor">
+              <a:schemeClr val="tx1"/>
+            </a:fontRef>
+          </p:style>
+          <p:txBody>
+            <a:bodyPr rtlCol="0" anchor="ctr"/>
+            <a:lstStyle/>
+            <a:p>
+              <a:pPr algn="ctr"/>
+              <a:endParaRPr lang="en-US"/>
+            </a:p>
+          </p:txBody>
+        </p:sp>
+        <p:sp>
+          <p:nvSpPr>
+            <p:cNvPr id="27" name="Freeform 26"/>
+            <p:cNvSpPr/>
+            <p:nvPr/>
+          </p:nvSpPr>
+          <p:spPr>
+            <a:xfrm>
+              <a:off x="5607170" y="3009412"/>
+              <a:ext cx="2167971" cy="3527796"/>
+            </a:xfrm>
+            <a:custGeom>
+              <a:avLst/>
+              <a:gdLst>
+                <a:gd name="connsiteX0" fmla="*/ 1009290 w 2050949"/>
+                <a:gd name="connsiteY0" fmla="*/ 2985946 h 3564667"/>
+                <a:gd name="connsiteX1" fmla="*/ 1440611 w 2050949"/>
+                <a:gd name="connsiteY1" fmla="*/ 3477652 h 3564667"/>
+                <a:gd name="connsiteX2" fmla="*/ 2044460 w 2050949"/>
+                <a:gd name="connsiteY2" fmla="*/ 1415939 h 3564667"/>
+                <a:gd name="connsiteX3" fmla="*/ 1026543 w 2050949"/>
+                <a:gd name="connsiteY3" fmla="*/ 18460 h 3564667"/>
+                <a:gd name="connsiteX4" fmla="*/ 0 w 2050949"/>
+                <a:gd name="connsiteY4" fmla="*/ 743079 h 3564667"/>
+                <a:gd name="connsiteX0" fmla="*/ 1009290 w 2167971"/>
+                <a:gd name="connsiteY0" fmla="*/ 2985946 h 3527796"/>
+                <a:gd name="connsiteX1" fmla="*/ 2035833 w 2167971"/>
+                <a:gd name="connsiteY1" fmla="*/ 3434520 h 3527796"/>
+                <a:gd name="connsiteX2" fmla="*/ 2044460 w 2167971"/>
+                <a:gd name="connsiteY2" fmla="*/ 1415939 h 3527796"/>
+                <a:gd name="connsiteX3" fmla="*/ 1026543 w 2167971"/>
+                <a:gd name="connsiteY3" fmla="*/ 18460 h 3527796"/>
+                <a:gd name="connsiteX4" fmla="*/ 0 w 2167971"/>
+                <a:gd name="connsiteY4" fmla="*/ 743079 h 3527796"/>
+                <a:gd name="connsiteX0" fmla="*/ 1009290 w 2167971"/>
+                <a:gd name="connsiteY0" fmla="*/ 2985946 h 3527796"/>
+                <a:gd name="connsiteX1" fmla="*/ 2035833 w 2167971"/>
+                <a:gd name="connsiteY1" fmla="*/ 3434520 h 3527796"/>
+                <a:gd name="connsiteX2" fmla="*/ 2044460 w 2167971"/>
+                <a:gd name="connsiteY2" fmla="*/ 1415939 h 3527796"/>
+                <a:gd name="connsiteX3" fmla="*/ 1026543 w 2167971"/>
+                <a:gd name="connsiteY3" fmla="*/ 18460 h 3527796"/>
+                <a:gd name="connsiteX4" fmla="*/ 0 w 2167971"/>
+                <a:gd name="connsiteY4" fmla="*/ 743079 h 3527796"/>
+              </a:gdLst>
+              <a:ahLst/>
+              <a:cxnLst>
+                <a:cxn ang="0">
+                  <a:pos x="connsiteX0" y="connsiteY0"/>
+                </a:cxn>
+                <a:cxn ang="0">
+                  <a:pos x="connsiteX1" y="connsiteY1"/>
+                </a:cxn>
+                <a:cxn ang="0">
+                  <a:pos x="connsiteX2" y="connsiteY2"/>
+                </a:cxn>
+                <a:cxn ang="0">
+                  <a:pos x="connsiteX3" y="connsiteY3"/>
+                </a:cxn>
+                <a:cxn ang="0">
+                  <a:pos x="connsiteX4" y="connsiteY4"/>
+                </a:cxn>
+              </a:cxnLst>
+              <a:rect l="l" t="t" r="r" b="b"/>
+              <a:pathLst>
+                <a:path w="2167971" h="3527796">
+                  <a:moveTo>
+                    <a:pt x="1009290" y="2985946"/>
+                  </a:moveTo>
+                  <a:cubicBezTo>
+                    <a:pt x="1138686" y="3362633"/>
+                    <a:pt x="1863305" y="3696188"/>
+                    <a:pt x="2035833" y="3434520"/>
+                  </a:cubicBezTo>
+                  <a:cubicBezTo>
+                    <a:pt x="2208361" y="3172852"/>
+                    <a:pt x="2212675" y="1985282"/>
+                    <a:pt x="2044460" y="1415939"/>
+                  </a:cubicBezTo>
+                  <a:cubicBezTo>
+                    <a:pt x="1876245" y="846596"/>
+                    <a:pt x="1367286" y="130603"/>
+                    <a:pt x="1026543" y="18460"/>
+                  </a:cubicBezTo>
+                  <a:cubicBezTo>
+                    <a:pt x="685800" y="-93683"/>
+                    <a:pt x="342900" y="324698"/>
+                    <a:pt x="0" y="743079"/>
+                  </a:cubicBezTo>
+                </a:path>
+              </a:pathLst>
+            </a:custGeom>
+            <a:noFill/>
+            <a:ln w="12700">
+              <a:solidFill>
+                <a:schemeClr val="accent1">
+                  <a:shade val="95000"/>
+                  <a:satMod val="105000"/>
+                </a:schemeClr>
+              </a:solidFill>
+              <a:tailEnd type="triangle"/>
+            </a:ln>
+          </p:spPr>
+          <p:style>
+            <a:lnRef idx="2">
+              <a:schemeClr val="accent1"/>
+            </a:lnRef>
+            <a:fillRef idx="1">
+              <a:schemeClr val="lt1"/>
+            </a:fillRef>
+            <a:effectRef idx="0">
+              <a:schemeClr val="accent1"/>
+            </a:effectRef>
+            <a:fontRef idx="minor">
+              <a:schemeClr val="dk1"/>
+            </a:fontRef>
+          </p:style>
+          <p:txBody>
+            <a:bodyPr rtlCol="0" anchor="ctr"/>
+            <a:lstStyle/>
+            <a:p>
+              <a:pPr algn="ctr"/>
+              <a:endParaRPr lang="en-US"/>
+            </a:p>
+          </p:txBody>
+        </p:sp>
+      </p:grpSp>
     </p:spTree>
     <p:extLst>
       <p:ext uri="{BB962C8B-B14F-4D97-AF65-F5344CB8AC3E}">
-        <p14:creationId xmlns:p14="http://schemas.microsoft.com/office/powerpoint/2010/main" val="2947686172"/>
+        <p14:creationId xmlns:p14="http://schemas.microsoft.com/office/powerpoint/2010/main" val="3437048469"/>
       </p:ext>
     </p:extLst>
   </p:cSld>
@@ -9080,7 +12218,7 @@
       </p:grpSpPr>
       <p:sp>
         <p:nvSpPr>
-          <p:cNvPr id="2" name="Title 1"/>
+          <p:cNvPr id="5" name="Title 4"/>
           <p:cNvSpPr>
             <a:spLocks noGrp="1"/>
           </p:cNvSpPr>
@@ -9097,202 +12235,1436 @@
           <a:p>
             <a:r>
               <a:rPr lang="en-US" dirty="0"/>
-              <a:t>Function Definition </a:t>
-            </a:r>
-            <a:br>
-              <a:rPr lang="en-US" dirty="0"/>
-            </a:br>
-            <a:r>
-              <a:rPr lang="en-US" dirty="0"/>
-              <a:t>(part 2)</a:t>
-            </a:r>
-          </a:p>
-        </p:txBody>
-      </p:sp>
-      <p:sp>
-        <p:nvSpPr>
-          <p:cNvPr id="3" name="Content Placeholder 2"/>
-          <p:cNvSpPr>
-            <a:spLocks noGrp="1"/>
-          </p:cNvSpPr>
-          <p:nvPr>
-            <p:ph idx="1"/>
+              <a:t>See how the call graph follows the structure of the data!</a:t>
+            </a:r>
+          </a:p>
+        </p:txBody>
+      </p:sp>
+      <p:sp>
+        <p:nvSpPr>
+          <p:cNvPr id="4" name="Slide Number Placeholder 3"/>
+          <p:cNvSpPr>
+            <a:spLocks noGrp="1"/>
+          </p:cNvSpPr>
+          <p:nvPr>
+            <p:ph type="sldNum" sz="quarter" idx="12"/>
           </p:nvPr>
         </p:nvSpPr>
         <p:spPr/>
         <p:txBody>
-          <a:bodyPr>
-            <a:normAutofit/>
-          </a:bodyPr>
-          <a:lstStyle/>
-          <a:p>
-            <a:r>
-              <a:rPr lang="en-US" sz="2400" dirty="0"/>
-              <a:t>;; free-</a:t>
-            </a:r>
-            <a:r>
-              <a:rPr lang="en-US" sz="2400" dirty="0" err="1"/>
-              <a:t>vars</a:t>
-            </a:r>
-            <a:r>
-              <a:rPr lang="en-US" sz="2400" dirty="0"/>
-              <a:t> : </a:t>
-            </a:r>
-            <a:r>
-              <a:rPr lang="en-US" sz="2400" dirty="0" err="1"/>
-              <a:t>FredExp</a:t>
-            </a:r>
-            <a:r>
-              <a:rPr lang="en-US" sz="2400" dirty="0"/>
-              <a:t> -&gt; </a:t>
-            </a:r>
-            <a:r>
-              <a:rPr lang="en-US" sz="2400" dirty="0" err="1"/>
-              <a:t>SetOfSymbol</a:t>
-            </a:r>
-            <a:endParaRPr lang="en-US" sz="2400" dirty="0"/>
-          </a:p>
-          <a:p>
-            <a:r>
-              <a:rPr lang="en-US" sz="2400" dirty="0"/>
-              <a:t>;; Produces the set of names that occur free in the given </a:t>
-            </a:r>
-            <a:r>
-              <a:rPr lang="en-US" sz="2400" dirty="0" err="1"/>
-              <a:t>FredExp</a:t>
-            </a:r>
-            <a:endParaRPr lang="en-US" sz="2400" dirty="0"/>
-          </a:p>
-          <a:p>
-            <a:r>
-              <a:rPr lang="en-US" sz="2400" dirty="0"/>
-              <a:t>;; EXAMPLE:</a:t>
-            </a:r>
-          </a:p>
-          <a:p>
-            <a:r>
-              <a:rPr lang="en-US" sz="2400" dirty="0"/>
-              <a:t>;; (free-</a:t>
-            </a:r>
-            <a:r>
-              <a:rPr lang="en-US" sz="2400" dirty="0" err="1"/>
-              <a:t>vars</a:t>
-            </a:r>
-            <a:r>
-              <a:rPr lang="en-US" sz="2400" dirty="0"/>
-              <a:t> (z (lambda (x) (x y)))) </a:t>
-            </a:r>
-          </a:p>
-          <a:p>
-            <a:r>
-              <a:rPr lang="en-US" sz="2400" dirty="0"/>
-              <a:t>;;  = {y, z}</a:t>
-            </a:r>
-          </a:p>
-          <a:p>
-            <a:endParaRPr lang="en-US" sz="2400" dirty="0"/>
-          </a:p>
-          <a:p>
-            <a:r>
-              <a:rPr lang="en-US" sz="2400" dirty="0"/>
-              <a:t>;; Strategy: call a more general function</a:t>
-            </a:r>
-          </a:p>
-          <a:p>
-            <a:r>
-              <a:rPr lang="en-US" sz="2400" dirty="0"/>
-              <a:t>(define (free-</a:t>
-            </a:r>
-            <a:r>
-              <a:rPr lang="en-US" sz="2400" dirty="0" err="1"/>
-              <a:t>vars</a:t>
-            </a:r>
-            <a:r>
-              <a:rPr lang="en-US" sz="2400" dirty="0"/>
-              <a:t> f)</a:t>
-            </a:r>
-          </a:p>
-          <a:p>
-            <a:r>
-              <a:rPr lang="en-US" sz="2400" dirty="0"/>
-              <a:t>   (free-</a:t>
-            </a:r>
-            <a:r>
-              <a:rPr lang="en-US" sz="2400" dirty="0" err="1"/>
-              <a:t>vars</a:t>
-            </a:r>
-            <a:r>
-              <a:rPr lang="en-US" sz="2400" dirty="0"/>
-              <a:t>-in-</a:t>
-            </a:r>
-            <a:r>
-              <a:rPr lang="en-US" sz="2400" dirty="0" err="1"/>
-              <a:t>subexp</a:t>
-            </a:r>
-            <a:r>
-              <a:rPr lang="en-US" sz="2400" dirty="0"/>
-              <a:t> f empty))</a:t>
-            </a:r>
-          </a:p>
-        </p:txBody>
-      </p:sp>
-      <p:sp>
-        <p:nvSpPr>
-          <p:cNvPr id="4" name="Slide Number Placeholder 3"/>
-          <p:cNvSpPr>
-            <a:spLocks noGrp="1"/>
-          </p:cNvSpPr>
-          <p:nvPr>
-            <p:ph type="sldNum" sz="quarter" idx="12"/>
-          </p:nvPr>
-        </p:nvSpPr>
-        <p:spPr/>
-        <p:txBody>
           <a:bodyPr/>
           <a:lstStyle/>
           <a:p>
-            <a:fld id="{9F4492BD-6A9C-48FC-AC76-0B4FE11194A1}" type="slidenum">
-              <a:rPr lang="en-US" smtClean="0">
-                <a:solidFill>
-                  <a:prstClr val="black">
-                    <a:tint val="75000"/>
-                  </a:prstClr>
-                </a:solidFill>
-              </a:rPr>
-              <a:pPr/>
+            <a:fld id="{2AF3B5EA-18B6-4040-9F78-6052AF49C681}" type="slidenum">
+              <a:rPr lang="en-US" smtClean="0"/>
               <a:t>28</a:t>
             </a:fld>
-            <a:endParaRPr lang="en-US">
+            <a:endParaRPr lang="en-US"/>
+          </a:p>
+        </p:txBody>
+      </p:sp>
+      <p:grpSp>
+        <p:nvGrpSpPr>
+          <p:cNvPr id="52" name="Group 51"/>
+          <p:cNvGrpSpPr/>
+          <p:nvPr/>
+        </p:nvGrpSpPr>
+        <p:grpSpPr>
+          <a:xfrm>
+            <a:off x="762000" y="1524000"/>
+            <a:ext cx="7083669" cy="4930736"/>
+            <a:chOff x="1905000" y="1516085"/>
+            <a:chExt cx="7083669" cy="4930736"/>
+          </a:xfrm>
+        </p:grpSpPr>
+        <p:sp>
+          <p:nvSpPr>
+            <p:cNvPr id="6" name="Rectangle 5"/>
+            <p:cNvSpPr/>
+            <p:nvPr/>
+          </p:nvSpPr>
+          <p:spPr>
+            <a:xfrm>
+              <a:off x="4058009" y="4682696"/>
+              <a:ext cx="1600200" cy="533400"/>
+            </a:xfrm>
+            <a:prstGeom prst="rect">
+              <a:avLst/>
+            </a:prstGeom>
+            <a:noFill/>
+            <a:ln w="12700">
               <a:solidFill>
-                <a:prstClr val="black">
-                  <a:tint val="75000"/>
-                </a:prstClr>
+                <a:schemeClr val="tx1"/>
               </a:solidFill>
-            </a:endParaRPr>
-          </a:p>
-        </p:txBody>
-      </p:sp>
-      <p:sp>
-        <p:nvSpPr>
-          <p:cNvPr id="6" name="Rectangle 5"/>
-          <p:cNvSpPr/>
+            </a:ln>
+          </p:spPr>
+          <p:style>
+            <a:lnRef idx="2">
+              <a:schemeClr val="accent1"/>
+            </a:lnRef>
+            <a:fillRef idx="1">
+              <a:schemeClr val="lt1"/>
+            </a:fillRef>
+            <a:effectRef idx="0">
+              <a:schemeClr val="accent1"/>
+            </a:effectRef>
+            <a:fontRef idx="minor">
+              <a:schemeClr val="dk1"/>
+            </a:fontRef>
+          </p:style>
+          <p:txBody>
+            <a:bodyPr rot="0" spcFirstLastPara="0" vertOverflow="overflow" horzOverflow="overflow" vert="horz" wrap="square" lIns="91440" tIns="45720" rIns="91440" bIns="45720" numCol="1" spcCol="0" rtlCol="0" fromWordArt="0" anchor="ctr" anchorCtr="0" forceAA="0" compatLnSpc="1">
+              <a:prstTxWarp prst="textNoShape">
+                <a:avLst/>
+              </a:prstTxWarp>
+              <a:noAutofit/>
+            </a:bodyPr>
+            <a:lstStyle/>
+            <a:p>
+              <a:pPr algn="ctr"/>
+              <a:r>
+                <a:rPr lang="en-US" dirty="0">
+                  <a:solidFill>
+                    <a:schemeClr val="tx1"/>
+                  </a:solidFill>
+                </a:rPr>
+                <a:t>Variable</a:t>
+              </a:r>
+            </a:p>
+          </p:txBody>
+        </p:sp>
+        <p:sp>
+          <p:nvSpPr>
+            <p:cNvPr id="7" name="Rectangle 6"/>
+            <p:cNvSpPr/>
+            <p:nvPr/>
+          </p:nvSpPr>
+          <p:spPr>
+            <a:xfrm>
+              <a:off x="6019800" y="4682696"/>
+              <a:ext cx="1600200" cy="533400"/>
+            </a:xfrm>
+            <a:prstGeom prst="rect">
+              <a:avLst/>
+            </a:prstGeom>
+            <a:noFill/>
+            <a:ln w="12700">
+              <a:solidFill>
+                <a:schemeClr val="tx1"/>
+              </a:solidFill>
+            </a:ln>
+          </p:spPr>
+          <p:style>
+            <a:lnRef idx="2">
+              <a:schemeClr val="accent1"/>
+            </a:lnRef>
+            <a:fillRef idx="1">
+              <a:schemeClr val="lt1"/>
+            </a:fillRef>
+            <a:effectRef idx="0">
+              <a:schemeClr val="accent1"/>
+            </a:effectRef>
+            <a:fontRef idx="minor">
+              <a:schemeClr val="dk1"/>
+            </a:fontRef>
+          </p:style>
+          <p:txBody>
+            <a:bodyPr rot="0" spcFirstLastPara="0" vertOverflow="overflow" horzOverflow="overflow" vert="horz" wrap="square" lIns="91440" tIns="45720" rIns="91440" bIns="45720" numCol="1" spcCol="0" rtlCol="0" fromWordArt="0" anchor="ctr" anchorCtr="0" forceAA="0" compatLnSpc="1">
+              <a:prstTxWarp prst="textNoShape">
+                <a:avLst/>
+              </a:prstTxWarp>
+              <a:noAutofit/>
+            </a:bodyPr>
+            <a:lstStyle/>
+            <a:p>
+              <a:pPr algn="ctr"/>
+              <a:r>
+                <a:rPr lang="en-US" dirty="0">
+                  <a:solidFill>
+                    <a:schemeClr val="tx1"/>
+                  </a:solidFill>
+                </a:rPr>
+                <a:t>Application</a:t>
+              </a:r>
+            </a:p>
+          </p:txBody>
+        </p:sp>
+        <p:sp>
+          <p:nvSpPr>
+            <p:cNvPr id="8" name="Rectangle 7"/>
+            <p:cNvSpPr/>
+            <p:nvPr/>
+          </p:nvSpPr>
+          <p:spPr>
+            <a:xfrm>
+              <a:off x="5638800" y="3746877"/>
+              <a:ext cx="1600200" cy="533400"/>
+            </a:xfrm>
+            <a:prstGeom prst="rect">
+              <a:avLst/>
+            </a:prstGeom>
+            <a:noFill/>
+            <a:ln w="12700">
+              <a:solidFill>
+                <a:schemeClr val="tx1"/>
+              </a:solidFill>
+            </a:ln>
+          </p:spPr>
+          <p:style>
+            <a:lnRef idx="2">
+              <a:schemeClr val="accent1"/>
+            </a:lnRef>
+            <a:fillRef idx="1">
+              <a:schemeClr val="lt1"/>
+            </a:fillRef>
+            <a:effectRef idx="0">
+              <a:schemeClr val="accent1"/>
+            </a:effectRef>
+            <a:fontRef idx="minor">
+              <a:schemeClr val="dk1"/>
+            </a:fontRef>
+          </p:style>
+          <p:txBody>
+            <a:bodyPr rot="0" spcFirstLastPara="0" vertOverflow="overflow" horzOverflow="overflow" vert="horz" wrap="square" lIns="91440" tIns="45720" rIns="91440" bIns="45720" numCol="1" spcCol="0" rtlCol="0" fromWordArt="0" anchor="ctr" anchorCtr="0" forceAA="0" compatLnSpc="1">
+              <a:prstTxWarp prst="textNoShape">
+                <a:avLst/>
+              </a:prstTxWarp>
+              <a:noAutofit/>
+            </a:bodyPr>
+            <a:lstStyle/>
+            <a:p>
+              <a:pPr algn="ctr"/>
+              <a:r>
+                <a:rPr lang="en-US" dirty="0">
+                  <a:solidFill>
+                    <a:schemeClr val="tx1"/>
+                  </a:solidFill>
+                </a:rPr>
+                <a:t>Expression</a:t>
+              </a:r>
+            </a:p>
+          </p:txBody>
+        </p:sp>
+        <p:sp>
+          <p:nvSpPr>
+            <p:cNvPr id="9" name="Rectangle 8"/>
+            <p:cNvSpPr/>
+            <p:nvPr/>
+          </p:nvSpPr>
+          <p:spPr>
+            <a:xfrm>
+              <a:off x="3771900" y="3754536"/>
+              <a:ext cx="1600200" cy="533400"/>
+            </a:xfrm>
+            <a:prstGeom prst="rect">
+              <a:avLst/>
+            </a:prstGeom>
+            <a:noFill/>
+            <a:ln w="12700">
+              <a:solidFill>
+                <a:schemeClr val="tx1"/>
+              </a:solidFill>
+            </a:ln>
+          </p:spPr>
+          <p:style>
+            <a:lnRef idx="2">
+              <a:schemeClr val="accent1"/>
+            </a:lnRef>
+            <a:fillRef idx="1">
+              <a:schemeClr val="lt1"/>
+            </a:fillRef>
+            <a:effectRef idx="0">
+              <a:schemeClr val="accent1"/>
+            </a:effectRef>
+            <a:fontRef idx="minor">
+              <a:schemeClr val="dk1"/>
+            </a:fontRef>
+          </p:style>
+          <p:txBody>
+            <a:bodyPr rot="0" spcFirstLastPara="0" vertOverflow="overflow" horzOverflow="overflow" vert="horz" wrap="square" lIns="91440" tIns="45720" rIns="91440" bIns="45720" numCol="1" spcCol="0" rtlCol="0" fromWordArt="0" anchor="ctr" anchorCtr="0" forceAA="0" compatLnSpc="1">
+              <a:prstTxWarp prst="textNoShape">
+                <a:avLst/>
+              </a:prstTxWarp>
+              <a:noAutofit/>
+            </a:bodyPr>
+            <a:lstStyle/>
+            <a:p>
+              <a:pPr algn="ctr"/>
+              <a:r>
+                <a:rPr lang="en-US" dirty="0" err="1">
+                  <a:solidFill>
+                    <a:schemeClr val="tx1"/>
+                  </a:solidFill>
+                </a:rPr>
+                <a:t>ListOfVariable</a:t>
+              </a:r>
+              <a:endParaRPr lang="en-US" dirty="0">
+                <a:solidFill>
+                  <a:schemeClr val="tx1"/>
+                </a:solidFill>
+              </a:endParaRPr>
+            </a:p>
+          </p:txBody>
+        </p:sp>
+        <p:sp>
+          <p:nvSpPr>
+            <p:cNvPr id="10" name="Rectangle 9"/>
+            <p:cNvSpPr/>
+            <p:nvPr/>
+          </p:nvSpPr>
+          <p:spPr>
+            <a:xfrm>
+              <a:off x="1905000" y="3754536"/>
+              <a:ext cx="1600200" cy="533400"/>
+            </a:xfrm>
+            <a:prstGeom prst="rect">
+              <a:avLst/>
+            </a:prstGeom>
+            <a:noFill/>
+            <a:ln w="12700">
+              <a:solidFill>
+                <a:schemeClr val="tx1"/>
+              </a:solidFill>
+            </a:ln>
+          </p:spPr>
+          <p:style>
+            <a:lnRef idx="2">
+              <a:schemeClr val="accent1"/>
+            </a:lnRef>
+            <a:fillRef idx="1">
+              <a:schemeClr val="lt1"/>
+            </a:fillRef>
+            <a:effectRef idx="0">
+              <a:schemeClr val="accent1"/>
+            </a:effectRef>
+            <a:fontRef idx="minor">
+              <a:schemeClr val="dk1"/>
+            </a:fontRef>
+          </p:style>
+          <p:txBody>
+            <a:bodyPr rot="0" spcFirstLastPara="0" vertOverflow="overflow" horzOverflow="overflow" vert="horz" wrap="square" lIns="91440" tIns="45720" rIns="91440" bIns="45720" numCol="1" spcCol="0" rtlCol="0" fromWordArt="0" anchor="ctr" anchorCtr="0" forceAA="0" compatLnSpc="1">
+              <a:prstTxWarp prst="textNoShape">
+                <a:avLst/>
+              </a:prstTxWarp>
+              <a:noAutofit/>
+            </a:bodyPr>
+            <a:lstStyle/>
+            <a:p>
+              <a:pPr algn="ctr"/>
+              <a:r>
+                <a:rPr lang="en-US" dirty="0">
+                  <a:solidFill>
+                    <a:schemeClr val="tx1"/>
+                  </a:solidFill>
+                </a:rPr>
+                <a:t>Variable</a:t>
+              </a:r>
+            </a:p>
+          </p:txBody>
+        </p:sp>
+        <p:sp>
+          <p:nvSpPr>
+            <p:cNvPr id="11" name="Rectangle 10"/>
+            <p:cNvSpPr/>
+            <p:nvPr/>
+          </p:nvSpPr>
+          <p:spPr>
+            <a:xfrm>
+              <a:off x="3771900" y="3016393"/>
+              <a:ext cx="1600200" cy="533400"/>
+            </a:xfrm>
+            <a:prstGeom prst="rect">
+              <a:avLst/>
+            </a:prstGeom>
+            <a:noFill/>
+            <a:ln w="12700">
+              <a:solidFill>
+                <a:schemeClr val="tx1"/>
+              </a:solidFill>
+            </a:ln>
+          </p:spPr>
+          <p:style>
+            <a:lnRef idx="2">
+              <a:schemeClr val="accent1"/>
+            </a:lnRef>
+            <a:fillRef idx="1">
+              <a:schemeClr val="lt1"/>
+            </a:fillRef>
+            <a:effectRef idx="0">
+              <a:schemeClr val="accent1"/>
+            </a:effectRef>
+            <a:fontRef idx="minor">
+              <a:schemeClr val="dk1"/>
+            </a:fontRef>
+          </p:style>
+          <p:txBody>
+            <a:bodyPr rot="0" spcFirstLastPara="0" vertOverflow="overflow" horzOverflow="overflow" vert="horz" wrap="square" lIns="91440" tIns="45720" rIns="91440" bIns="45720" numCol="1" spcCol="0" rtlCol="0" fromWordArt="0" anchor="ctr" anchorCtr="0" forceAA="0" compatLnSpc="1">
+              <a:prstTxWarp prst="textNoShape">
+                <a:avLst/>
+              </a:prstTxWarp>
+              <a:noAutofit/>
+            </a:bodyPr>
+            <a:lstStyle/>
+            <a:p>
+              <a:pPr algn="ctr"/>
+              <a:r>
+                <a:rPr lang="en-US" dirty="0">
+                  <a:solidFill>
+                    <a:schemeClr val="tx1"/>
+                  </a:solidFill>
+                </a:rPr>
+                <a:t>Definition</a:t>
+              </a:r>
+            </a:p>
+          </p:txBody>
+        </p:sp>
+        <p:sp>
+          <p:nvSpPr>
+            <p:cNvPr id="12" name="Rectangle 11"/>
+            <p:cNvSpPr/>
+            <p:nvPr/>
+          </p:nvSpPr>
+          <p:spPr>
+            <a:xfrm>
+              <a:off x="3695700" y="2219566"/>
+              <a:ext cx="1752600" cy="533400"/>
+            </a:xfrm>
+            <a:prstGeom prst="rect">
+              <a:avLst/>
+            </a:prstGeom>
+            <a:noFill/>
+            <a:ln w="12700">
+              <a:solidFill>
+                <a:schemeClr val="tx1"/>
+              </a:solidFill>
+            </a:ln>
+          </p:spPr>
+          <p:style>
+            <a:lnRef idx="2">
+              <a:schemeClr val="accent1"/>
+            </a:lnRef>
+            <a:fillRef idx="1">
+              <a:schemeClr val="lt1"/>
+            </a:fillRef>
+            <a:effectRef idx="0">
+              <a:schemeClr val="accent1"/>
+            </a:effectRef>
+            <a:fontRef idx="minor">
+              <a:schemeClr val="dk1"/>
+            </a:fontRef>
+          </p:style>
+          <p:txBody>
+            <a:bodyPr rot="0" spcFirstLastPara="0" vertOverflow="overflow" horzOverflow="overflow" vert="horz" wrap="square" lIns="91440" tIns="45720" rIns="91440" bIns="45720" numCol="1" spcCol="0" rtlCol="0" fromWordArt="0" anchor="ctr" anchorCtr="0" forceAA="0" compatLnSpc="1">
+              <a:prstTxWarp prst="textNoShape">
+                <a:avLst/>
+              </a:prstTxWarp>
+              <a:noAutofit/>
+            </a:bodyPr>
+            <a:lstStyle/>
+            <a:p>
+              <a:pPr algn="ctr"/>
+              <a:r>
+                <a:rPr lang="en-US" dirty="0" err="1">
+                  <a:solidFill>
+                    <a:schemeClr val="tx1"/>
+                  </a:solidFill>
+                </a:rPr>
+                <a:t>ListOfDefinition</a:t>
+              </a:r>
+              <a:endParaRPr lang="en-US" dirty="0">
+                <a:solidFill>
+                  <a:schemeClr val="tx1"/>
+                </a:solidFill>
+              </a:endParaRPr>
+            </a:p>
+          </p:txBody>
+        </p:sp>
+        <p:sp>
+          <p:nvSpPr>
+            <p:cNvPr id="13" name="Rectangle 12"/>
+            <p:cNvSpPr/>
+            <p:nvPr/>
+          </p:nvSpPr>
+          <p:spPr>
+            <a:xfrm>
+              <a:off x="3771900" y="1516085"/>
+              <a:ext cx="1600200" cy="533400"/>
+            </a:xfrm>
+            <a:prstGeom prst="rect">
+              <a:avLst/>
+            </a:prstGeom>
+            <a:noFill/>
+            <a:ln w="12700">
+              <a:solidFill>
+                <a:schemeClr val="tx1"/>
+              </a:solidFill>
+            </a:ln>
+          </p:spPr>
+          <p:style>
+            <a:lnRef idx="2">
+              <a:schemeClr val="accent1"/>
+            </a:lnRef>
+            <a:fillRef idx="1">
+              <a:schemeClr val="lt1"/>
+            </a:fillRef>
+            <a:effectRef idx="0">
+              <a:schemeClr val="accent1"/>
+            </a:effectRef>
+            <a:fontRef idx="minor">
+              <a:schemeClr val="dk1"/>
+            </a:fontRef>
+          </p:style>
+          <p:txBody>
+            <a:bodyPr rot="0" spcFirstLastPara="0" vertOverflow="overflow" horzOverflow="overflow" vert="horz" wrap="square" lIns="91440" tIns="45720" rIns="91440" bIns="45720" numCol="1" spcCol="0" rtlCol="0" fromWordArt="0" anchor="ctr" anchorCtr="0" forceAA="0" compatLnSpc="1">
+              <a:prstTxWarp prst="textNoShape">
+                <a:avLst/>
+              </a:prstTxWarp>
+              <a:noAutofit/>
+            </a:bodyPr>
+            <a:lstStyle/>
+            <a:p>
+              <a:pPr algn="ctr"/>
+              <a:r>
+                <a:rPr lang="en-US" dirty="0">
+                  <a:solidFill>
+                    <a:schemeClr val="tx1"/>
+                  </a:solidFill>
+                </a:rPr>
+                <a:t>Program</a:t>
+              </a:r>
+            </a:p>
+          </p:txBody>
+        </p:sp>
+        <p:sp>
+          <p:nvSpPr>
+            <p:cNvPr id="15" name="Rectangle 14"/>
+            <p:cNvSpPr/>
+            <p:nvPr/>
+          </p:nvSpPr>
+          <p:spPr>
+            <a:xfrm>
+              <a:off x="6819900" y="5449848"/>
+              <a:ext cx="1752600" cy="533400"/>
+            </a:xfrm>
+            <a:prstGeom prst="rect">
+              <a:avLst/>
+            </a:prstGeom>
+            <a:noFill/>
+            <a:ln w="12700">
+              <a:solidFill>
+                <a:schemeClr val="tx1"/>
+              </a:solidFill>
+            </a:ln>
+          </p:spPr>
+          <p:style>
+            <a:lnRef idx="2">
+              <a:schemeClr val="accent1"/>
+            </a:lnRef>
+            <a:fillRef idx="1">
+              <a:schemeClr val="lt1"/>
+            </a:fillRef>
+            <a:effectRef idx="0">
+              <a:schemeClr val="accent1"/>
+            </a:effectRef>
+            <a:fontRef idx="minor">
+              <a:schemeClr val="dk1"/>
+            </a:fontRef>
+          </p:style>
+          <p:txBody>
+            <a:bodyPr rot="0" spcFirstLastPara="0" vertOverflow="overflow" horzOverflow="overflow" vert="horz" wrap="square" lIns="91440" tIns="45720" rIns="91440" bIns="45720" numCol="1" spcCol="0" rtlCol="0" fromWordArt="0" anchor="ctr" anchorCtr="0" forceAA="0" compatLnSpc="1">
+              <a:prstTxWarp prst="textNoShape">
+                <a:avLst/>
+              </a:prstTxWarp>
+              <a:noAutofit/>
+            </a:bodyPr>
+            <a:lstStyle/>
+            <a:p>
+              <a:pPr algn="ctr"/>
+              <a:r>
+                <a:rPr lang="en-US" dirty="0" err="1">
+                  <a:solidFill>
+                    <a:schemeClr val="tx1"/>
+                  </a:solidFill>
+                </a:rPr>
+                <a:t>ListOfExpression</a:t>
+              </a:r>
+              <a:endParaRPr lang="en-US" dirty="0">
+                <a:solidFill>
+                  <a:schemeClr val="tx1"/>
+                </a:solidFill>
+              </a:endParaRPr>
+            </a:p>
+          </p:txBody>
+        </p:sp>
+        <p:sp>
+          <p:nvSpPr>
+            <p:cNvPr id="16" name="Rectangle 15"/>
+            <p:cNvSpPr/>
+            <p:nvPr/>
+          </p:nvSpPr>
+          <p:spPr>
+            <a:xfrm>
+              <a:off x="5029200" y="5463379"/>
+              <a:ext cx="1600200" cy="533400"/>
+            </a:xfrm>
+            <a:prstGeom prst="rect">
+              <a:avLst/>
+            </a:prstGeom>
+            <a:noFill/>
+            <a:ln w="12700">
+              <a:solidFill>
+                <a:schemeClr val="tx1"/>
+              </a:solidFill>
+            </a:ln>
+          </p:spPr>
+          <p:style>
+            <a:lnRef idx="2">
+              <a:schemeClr val="accent1"/>
+            </a:lnRef>
+            <a:fillRef idx="1">
+              <a:schemeClr val="lt1"/>
+            </a:fillRef>
+            <a:effectRef idx="0">
+              <a:schemeClr val="accent1"/>
+            </a:effectRef>
+            <a:fontRef idx="minor">
+              <a:schemeClr val="dk1"/>
+            </a:fontRef>
+          </p:style>
+          <p:txBody>
+            <a:bodyPr rot="0" spcFirstLastPara="0" vertOverflow="overflow" horzOverflow="overflow" vert="horz" wrap="square" lIns="91440" tIns="45720" rIns="91440" bIns="45720" numCol="1" spcCol="0" rtlCol="0" fromWordArt="0" anchor="ctr" anchorCtr="0" forceAA="0" compatLnSpc="1">
+              <a:prstTxWarp prst="textNoShape">
+                <a:avLst/>
+              </a:prstTxWarp>
+              <a:noAutofit/>
+            </a:bodyPr>
+            <a:lstStyle/>
+            <a:p>
+              <a:pPr algn="ctr"/>
+              <a:r>
+                <a:rPr lang="en-US" dirty="0">
+                  <a:solidFill>
+                    <a:schemeClr val="tx1"/>
+                  </a:solidFill>
+                </a:rPr>
+                <a:t>Variable</a:t>
+              </a:r>
+            </a:p>
+          </p:txBody>
+        </p:sp>
+        <p:cxnSp>
+          <p:nvCxnSpPr>
+            <p:cNvPr id="18" name="Straight Arrow Connector 17"/>
+            <p:cNvCxnSpPr>
+              <a:stCxn id="12" idx="0"/>
+              <a:endCxn id="13" idx="2"/>
+            </p:cNvCxnSpPr>
+            <p:nvPr/>
+          </p:nvCxnSpPr>
+          <p:spPr>
+            <a:xfrm flipV="1">
+              <a:off x="4572000" y="2049485"/>
+              <a:ext cx="0" cy="170081"/>
+            </a:xfrm>
+            <a:prstGeom prst="straightConnector1">
+              <a:avLst/>
+            </a:prstGeom>
+            <a:ln>
+              <a:tailEnd type="triangle"/>
+            </a:ln>
+          </p:spPr>
+          <p:style>
+            <a:lnRef idx="1">
+              <a:schemeClr val="accent1"/>
+            </a:lnRef>
+            <a:fillRef idx="0">
+              <a:schemeClr val="accent1"/>
+            </a:fillRef>
+            <a:effectRef idx="0">
+              <a:schemeClr val="accent1"/>
+            </a:effectRef>
+            <a:fontRef idx="minor">
+              <a:schemeClr val="tx1"/>
+            </a:fontRef>
+          </p:style>
+        </p:cxnSp>
+        <p:cxnSp>
+          <p:nvCxnSpPr>
+            <p:cNvPr id="20" name="Straight Arrow Connector 19"/>
+            <p:cNvCxnSpPr>
+              <a:stCxn id="11" idx="0"/>
+              <a:endCxn id="12" idx="2"/>
+            </p:cNvCxnSpPr>
+            <p:nvPr/>
+          </p:nvCxnSpPr>
+          <p:spPr>
+            <a:xfrm flipV="1">
+              <a:off x="4572000" y="2752966"/>
+              <a:ext cx="0" cy="263427"/>
+            </a:xfrm>
+            <a:prstGeom prst="straightConnector1">
+              <a:avLst/>
+            </a:prstGeom>
+            <a:ln>
+              <a:tailEnd type="triangle"/>
+            </a:ln>
+          </p:spPr>
+          <p:style>
+            <a:lnRef idx="1">
+              <a:schemeClr val="accent1"/>
+            </a:lnRef>
+            <a:fillRef idx="0">
+              <a:schemeClr val="accent1"/>
+            </a:fillRef>
+            <a:effectRef idx="0">
+              <a:schemeClr val="accent1"/>
+            </a:effectRef>
+            <a:fontRef idx="minor">
+              <a:schemeClr val="tx1"/>
+            </a:fontRef>
+          </p:style>
+        </p:cxnSp>
+        <p:grpSp>
+          <p:nvGrpSpPr>
+            <p:cNvPr id="51" name="Group 50"/>
+            <p:cNvGrpSpPr/>
+            <p:nvPr/>
+          </p:nvGrpSpPr>
+          <p:grpSpPr>
+            <a:xfrm>
+              <a:off x="5750169" y="2436642"/>
+              <a:ext cx="2708030" cy="646331"/>
+              <a:chOff x="5987562" y="2080670"/>
+              <a:chExt cx="2708030" cy="646331"/>
+            </a:xfrm>
+          </p:grpSpPr>
+          <p:sp>
+            <p:nvSpPr>
+              <p:cNvPr id="23" name="TextBox 22"/>
+              <p:cNvSpPr txBox="1"/>
+              <p:nvPr/>
+            </p:nvSpPr>
+            <p:spPr>
+              <a:xfrm>
+                <a:off x="6561992" y="2080670"/>
+                <a:ext cx="2133600" cy="646331"/>
+              </a:xfrm>
+              <a:prstGeom prst="rect">
+                <a:avLst/>
+              </a:prstGeom>
+              <a:solidFill>
+                <a:schemeClr val="accent1">
+                  <a:lumMod val="20000"/>
+                  <a:lumOff val="80000"/>
+                </a:schemeClr>
+              </a:solidFill>
+            </p:spPr>
+            <p:txBody>
+              <a:bodyPr wrap="square" rtlCol="0">
+                <a:spAutoFit/>
+              </a:bodyPr>
+              <a:lstStyle>
+                <a:defPPr>
+                  <a:defRPr lang="en-US"/>
+                </a:defPPr>
+                <a:lvl1pPr algn="r">
+                  <a:defRPr sz="1200"/>
+                </a:lvl1pPr>
+              </a:lstStyle>
+              <a:p>
+                <a:pPr algn="l"/>
+                <a:r>
+                  <a:rPr lang="en-US" dirty="0"/>
+                  <a:t>A </a:t>
+                </a:r>
+                <a:r>
+                  <a:rPr lang="en-US" dirty="0" err="1"/>
+                  <a:t>ListOfDefinitions</a:t>
+                </a:r>
+                <a:r>
+                  <a:rPr lang="en-US" dirty="0"/>
+                  <a:t> may contain a Definition and a </a:t>
+                </a:r>
+                <a:r>
+                  <a:rPr lang="en-US" dirty="0" err="1"/>
+                  <a:t>ListofDefinitions</a:t>
+                </a:r>
+                <a:endParaRPr lang="en-US" dirty="0"/>
+              </a:p>
+            </p:txBody>
+          </p:sp>
+          <p:sp>
+            <p:nvSpPr>
+              <p:cNvPr id="24" name="Freeform 23"/>
+              <p:cNvSpPr/>
+              <p:nvPr/>
+            </p:nvSpPr>
+            <p:spPr>
+              <a:xfrm>
+                <a:off x="5987562" y="2206960"/>
+                <a:ext cx="641838" cy="311072"/>
+              </a:xfrm>
+              <a:custGeom>
+                <a:avLst/>
+                <a:gdLst>
+                  <a:gd name="connsiteX0" fmla="*/ 562707 w 562707"/>
+                  <a:gd name="connsiteY0" fmla="*/ 189590 h 396415"/>
+                  <a:gd name="connsiteX1" fmla="*/ 483576 w 562707"/>
+                  <a:gd name="connsiteY1" fmla="*/ 391813 h 396415"/>
+                  <a:gd name="connsiteX2" fmla="*/ 281353 w 562707"/>
+                  <a:gd name="connsiteY2" fmla="*/ 13744 h 396415"/>
+                  <a:gd name="connsiteX3" fmla="*/ 0 w 562707"/>
+                  <a:gd name="connsiteY3" fmla="*/ 119251 h 396415"/>
+                  <a:gd name="connsiteX0" fmla="*/ 562707 w 562707"/>
+                  <a:gd name="connsiteY0" fmla="*/ 184549 h 317270"/>
+                  <a:gd name="connsiteX1" fmla="*/ 360483 w 562707"/>
+                  <a:gd name="connsiteY1" fmla="*/ 307641 h 317270"/>
+                  <a:gd name="connsiteX2" fmla="*/ 281353 w 562707"/>
+                  <a:gd name="connsiteY2" fmla="*/ 8703 h 317270"/>
+                  <a:gd name="connsiteX3" fmla="*/ 0 w 562707"/>
+                  <a:gd name="connsiteY3" fmla="*/ 114210 h 317270"/>
+                  <a:gd name="connsiteX0" fmla="*/ 562707 w 562707"/>
+                  <a:gd name="connsiteY0" fmla="*/ 184549 h 311072"/>
+                  <a:gd name="connsiteX1" fmla="*/ 360483 w 562707"/>
+                  <a:gd name="connsiteY1" fmla="*/ 307641 h 311072"/>
+                  <a:gd name="connsiteX2" fmla="*/ 281353 w 562707"/>
+                  <a:gd name="connsiteY2" fmla="*/ 8703 h 311072"/>
+                  <a:gd name="connsiteX3" fmla="*/ 0 w 562707"/>
+                  <a:gd name="connsiteY3" fmla="*/ 114210 h 311072"/>
+                </a:gdLst>
+                <a:ahLst/>
+                <a:cxnLst>
+                  <a:cxn ang="0">
+                    <a:pos x="connsiteX0" y="connsiteY0"/>
+                  </a:cxn>
+                  <a:cxn ang="0">
+                    <a:pos x="connsiteX1" y="connsiteY1"/>
+                  </a:cxn>
+                  <a:cxn ang="0">
+                    <a:pos x="connsiteX2" y="connsiteY2"/>
+                  </a:cxn>
+                  <a:cxn ang="0">
+                    <a:pos x="connsiteX3" y="connsiteY3"/>
+                  </a:cxn>
+                </a:cxnLst>
+                <a:rect l="l" t="t" r="r" b="b"/>
+                <a:pathLst>
+                  <a:path w="562707" h="311072">
+                    <a:moveTo>
+                      <a:pt x="562707" y="184549"/>
+                    </a:moveTo>
+                    <a:cubicBezTo>
+                      <a:pt x="449872" y="168430"/>
+                      <a:pt x="407375" y="336949"/>
+                      <a:pt x="360483" y="307641"/>
+                    </a:cubicBezTo>
+                    <a:cubicBezTo>
+                      <a:pt x="313591" y="278333"/>
+                      <a:pt x="341433" y="40941"/>
+                      <a:pt x="281353" y="8703"/>
+                    </a:cubicBezTo>
+                    <a:cubicBezTo>
+                      <a:pt x="221273" y="-23535"/>
+                      <a:pt x="100378" y="38743"/>
+                      <a:pt x="0" y="114210"/>
+                    </a:cubicBezTo>
+                  </a:path>
+                </a:pathLst>
+              </a:custGeom>
+              <a:noFill/>
+              <a:ln w="12700">
+                <a:solidFill>
+                  <a:schemeClr val="accent3"/>
+                </a:solidFill>
+                <a:tailEnd type="arrow"/>
+              </a:ln>
+            </p:spPr>
+            <p:style>
+              <a:lnRef idx="2">
+                <a:schemeClr val="accent1"/>
+              </a:lnRef>
+              <a:fillRef idx="1">
+                <a:schemeClr val="lt1"/>
+              </a:fillRef>
+              <a:effectRef idx="0">
+                <a:schemeClr val="accent1"/>
+              </a:effectRef>
+              <a:fontRef idx="minor">
+                <a:schemeClr val="dk1"/>
+              </a:fontRef>
+            </p:style>
+            <p:txBody>
+              <a:bodyPr rtlCol="0" anchor="ctr"/>
+              <a:lstStyle/>
+              <a:p>
+                <a:pPr algn="ctr"/>
+                <a:endParaRPr lang="en-US"/>
+              </a:p>
+            </p:txBody>
+          </p:sp>
+        </p:grpSp>
+        <p:cxnSp>
+          <p:nvCxnSpPr>
+            <p:cNvPr id="26" name="Straight Arrow Connector 25"/>
+            <p:cNvCxnSpPr>
+              <a:endCxn id="11" idx="2"/>
+            </p:cNvCxnSpPr>
+            <p:nvPr/>
+          </p:nvCxnSpPr>
+          <p:spPr>
+            <a:xfrm flipV="1">
+              <a:off x="2838450" y="3549793"/>
+              <a:ext cx="1733550" cy="204744"/>
+            </a:xfrm>
+            <a:prstGeom prst="straightConnector1">
+              <a:avLst/>
+            </a:prstGeom>
+            <a:ln>
+              <a:tailEnd type="triangle"/>
+            </a:ln>
+          </p:spPr>
+          <p:style>
+            <a:lnRef idx="1">
+              <a:schemeClr val="accent1"/>
+            </a:lnRef>
+            <a:fillRef idx="0">
+              <a:schemeClr val="accent1"/>
+            </a:fillRef>
+            <a:effectRef idx="0">
+              <a:schemeClr val="accent1"/>
+            </a:effectRef>
+            <a:fontRef idx="minor">
+              <a:schemeClr val="tx1"/>
+            </a:fontRef>
+          </p:style>
+        </p:cxnSp>
+        <p:cxnSp>
+          <p:nvCxnSpPr>
+            <p:cNvPr id="30" name="Straight Arrow Connector 29"/>
+            <p:cNvCxnSpPr>
+              <a:stCxn id="9" idx="0"/>
+              <a:endCxn id="11" idx="2"/>
+            </p:cNvCxnSpPr>
+            <p:nvPr/>
+          </p:nvCxnSpPr>
+          <p:spPr>
+            <a:xfrm flipV="1">
+              <a:off x="4572000" y="3549793"/>
+              <a:ext cx="0" cy="204743"/>
+            </a:xfrm>
+            <a:prstGeom prst="straightConnector1">
+              <a:avLst/>
+            </a:prstGeom>
+            <a:ln>
+              <a:tailEnd type="triangle"/>
+            </a:ln>
+          </p:spPr>
+          <p:style>
+            <a:lnRef idx="1">
+              <a:schemeClr val="accent1"/>
+            </a:lnRef>
+            <a:fillRef idx="0">
+              <a:schemeClr val="accent1"/>
+            </a:fillRef>
+            <a:effectRef idx="0">
+              <a:schemeClr val="accent1"/>
+            </a:effectRef>
+            <a:fontRef idx="minor">
+              <a:schemeClr val="tx1"/>
+            </a:fontRef>
+          </p:style>
+        </p:cxnSp>
+        <p:cxnSp>
+          <p:nvCxnSpPr>
+            <p:cNvPr id="37" name="Straight Arrow Connector 36"/>
+            <p:cNvCxnSpPr>
+              <a:stCxn id="8" idx="0"/>
+              <a:endCxn id="11" idx="2"/>
+            </p:cNvCxnSpPr>
+            <p:nvPr/>
+          </p:nvCxnSpPr>
+          <p:spPr>
+            <a:xfrm flipH="1" flipV="1">
+              <a:off x="4572000" y="3549793"/>
+              <a:ext cx="1866900" cy="197084"/>
+            </a:xfrm>
+            <a:prstGeom prst="straightConnector1">
+              <a:avLst/>
+            </a:prstGeom>
+            <a:ln>
+              <a:tailEnd type="triangle"/>
+            </a:ln>
+          </p:spPr>
+          <p:style>
+            <a:lnRef idx="1">
+              <a:schemeClr val="accent1"/>
+            </a:lnRef>
+            <a:fillRef idx="0">
+              <a:schemeClr val="accent1"/>
+            </a:fillRef>
+            <a:effectRef idx="0">
+              <a:schemeClr val="accent1"/>
+            </a:effectRef>
+            <a:fontRef idx="minor">
+              <a:schemeClr val="tx1"/>
+            </a:fontRef>
+          </p:style>
+        </p:cxnSp>
+        <p:cxnSp>
+          <p:nvCxnSpPr>
+            <p:cNvPr id="39" name="Straight Arrow Connector 38"/>
+            <p:cNvCxnSpPr>
+              <a:stCxn id="6" idx="0"/>
+              <a:endCxn id="8" idx="2"/>
+            </p:cNvCxnSpPr>
+            <p:nvPr/>
+          </p:nvCxnSpPr>
+          <p:spPr>
+            <a:xfrm flipV="1">
+              <a:off x="4858109" y="4280277"/>
+              <a:ext cx="1580791" cy="402419"/>
+            </a:xfrm>
+            <a:prstGeom prst="straightConnector1">
+              <a:avLst/>
+            </a:prstGeom>
+            <a:ln>
+              <a:tailEnd type="triangle"/>
+            </a:ln>
+          </p:spPr>
+          <p:style>
+            <a:lnRef idx="1">
+              <a:schemeClr val="accent1"/>
+            </a:lnRef>
+            <a:fillRef idx="0">
+              <a:schemeClr val="accent1"/>
+            </a:fillRef>
+            <a:effectRef idx="0">
+              <a:schemeClr val="accent1"/>
+            </a:effectRef>
+            <a:fontRef idx="minor">
+              <a:schemeClr val="tx1"/>
+            </a:fontRef>
+          </p:style>
+        </p:cxnSp>
+        <p:cxnSp>
+          <p:nvCxnSpPr>
+            <p:cNvPr id="41" name="Straight Arrow Connector 40"/>
+            <p:cNvCxnSpPr>
+              <a:stCxn id="7" idx="0"/>
+              <a:endCxn id="8" idx="2"/>
+            </p:cNvCxnSpPr>
+            <p:nvPr/>
+          </p:nvCxnSpPr>
+          <p:spPr>
+            <a:xfrm flipH="1" flipV="1">
+              <a:off x="6438900" y="4280277"/>
+              <a:ext cx="381000" cy="402419"/>
+            </a:xfrm>
+            <a:prstGeom prst="straightConnector1">
+              <a:avLst/>
+            </a:prstGeom>
+            <a:ln>
+              <a:tailEnd type="triangle"/>
+            </a:ln>
+          </p:spPr>
+          <p:style>
+            <a:lnRef idx="1">
+              <a:schemeClr val="accent1"/>
+            </a:lnRef>
+            <a:fillRef idx="0">
+              <a:schemeClr val="accent1"/>
+            </a:fillRef>
+            <a:effectRef idx="0">
+              <a:schemeClr val="accent1"/>
+            </a:effectRef>
+            <a:fontRef idx="minor">
+              <a:schemeClr val="tx1"/>
+            </a:fontRef>
+          </p:style>
+        </p:cxnSp>
+        <p:cxnSp>
+          <p:nvCxnSpPr>
+            <p:cNvPr id="43" name="Straight Arrow Connector 42"/>
+            <p:cNvCxnSpPr>
+              <a:stCxn id="16" idx="0"/>
+              <a:endCxn id="7" idx="2"/>
+            </p:cNvCxnSpPr>
+            <p:nvPr/>
+          </p:nvCxnSpPr>
+          <p:spPr>
+            <a:xfrm flipV="1">
+              <a:off x="5829300" y="5216096"/>
+              <a:ext cx="990600" cy="247283"/>
+            </a:xfrm>
+            <a:prstGeom prst="straightConnector1">
+              <a:avLst/>
+            </a:prstGeom>
+            <a:ln>
+              <a:tailEnd type="triangle"/>
+            </a:ln>
+          </p:spPr>
+          <p:style>
+            <a:lnRef idx="1">
+              <a:schemeClr val="accent1"/>
+            </a:lnRef>
+            <a:fillRef idx="0">
+              <a:schemeClr val="accent1"/>
+            </a:fillRef>
+            <a:effectRef idx="0">
+              <a:schemeClr val="accent1"/>
+            </a:effectRef>
+            <a:fontRef idx="minor">
+              <a:schemeClr val="tx1"/>
+            </a:fontRef>
+          </p:style>
+        </p:cxnSp>
+        <p:cxnSp>
+          <p:nvCxnSpPr>
+            <p:cNvPr id="45" name="Straight Arrow Connector 44"/>
+            <p:cNvCxnSpPr>
+              <a:stCxn id="15" idx="0"/>
+              <a:endCxn id="7" idx="2"/>
+            </p:cNvCxnSpPr>
+            <p:nvPr/>
+          </p:nvCxnSpPr>
+          <p:spPr>
+            <a:xfrm flipH="1" flipV="1">
+              <a:off x="6819900" y="5216096"/>
+              <a:ext cx="876300" cy="233752"/>
+            </a:xfrm>
+            <a:prstGeom prst="straightConnector1">
+              <a:avLst/>
+            </a:prstGeom>
+            <a:ln>
+              <a:tailEnd type="triangle"/>
+            </a:ln>
+          </p:spPr>
+          <p:style>
+            <a:lnRef idx="1">
+              <a:schemeClr val="accent1"/>
+            </a:lnRef>
+            <a:fillRef idx="0">
+              <a:schemeClr val="accent1"/>
+            </a:fillRef>
+            <a:effectRef idx="0">
+              <a:schemeClr val="accent1"/>
+            </a:effectRef>
+            <a:fontRef idx="minor">
+              <a:schemeClr val="tx1"/>
+            </a:fontRef>
+          </p:style>
+        </p:cxnSp>
+        <p:sp>
+          <p:nvSpPr>
+            <p:cNvPr id="47" name="Freeform 46"/>
+            <p:cNvSpPr/>
+            <p:nvPr/>
+          </p:nvSpPr>
+          <p:spPr>
+            <a:xfrm>
+              <a:off x="6356838" y="3340526"/>
+              <a:ext cx="1494693" cy="3106295"/>
+            </a:xfrm>
+            <a:custGeom>
+              <a:avLst/>
+              <a:gdLst>
+                <a:gd name="connsiteX0" fmla="*/ 0 w 1494693"/>
+                <a:gd name="connsiteY0" fmla="*/ 835306 h 3855199"/>
+                <a:gd name="connsiteX1" fmla="*/ 316524 w 1494693"/>
+                <a:gd name="connsiteY1" fmla="*/ 175883 h 3855199"/>
+                <a:gd name="connsiteX2" fmla="*/ 1230924 w 1494693"/>
+                <a:gd name="connsiteY2" fmla="*/ 3666429 h 3855199"/>
+                <a:gd name="connsiteX3" fmla="*/ 1494693 w 1494693"/>
+                <a:gd name="connsiteY3" fmla="*/ 3077345 h 3855199"/>
+                <a:gd name="connsiteX0" fmla="*/ 0 w 1494693"/>
+                <a:gd name="connsiteY0" fmla="*/ 429002 h 3407142"/>
+                <a:gd name="connsiteX1" fmla="*/ 457201 w 1494693"/>
+                <a:gd name="connsiteY1" fmla="*/ 349871 h 3407142"/>
+                <a:gd name="connsiteX2" fmla="*/ 1230924 w 1494693"/>
+                <a:gd name="connsiteY2" fmla="*/ 3260125 h 3407142"/>
+                <a:gd name="connsiteX3" fmla="*/ 1494693 w 1494693"/>
+                <a:gd name="connsiteY3" fmla="*/ 2671041 h 3407142"/>
+                <a:gd name="connsiteX0" fmla="*/ 0 w 1494693"/>
+                <a:gd name="connsiteY0" fmla="*/ 404997 h 3106295"/>
+                <a:gd name="connsiteX1" fmla="*/ 457201 w 1494693"/>
+                <a:gd name="connsiteY1" fmla="*/ 325866 h 3106295"/>
+                <a:gd name="connsiteX2" fmla="*/ 1081455 w 1494693"/>
+                <a:gd name="connsiteY2" fmla="*/ 2858051 h 3106295"/>
+                <a:gd name="connsiteX3" fmla="*/ 1494693 w 1494693"/>
+                <a:gd name="connsiteY3" fmla="*/ 2647036 h 3106295"/>
+              </a:gdLst>
+              <a:ahLst/>
+              <a:cxnLst>
+                <a:cxn ang="0">
+                  <a:pos x="connsiteX0" y="connsiteY0"/>
+                </a:cxn>
+                <a:cxn ang="0">
+                  <a:pos x="connsiteX1" y="connsiteY1"/>
+                </a:cxn>
+                <a:cxn ang="0">
+                  <a:pos x="connsiteX2" y="connsiteY2"/>
+                </a:cxn>
+                <a:cxn ang="0">
+                  <a:pos x="connsiteX3" y="connsiteY3"/>
+                </a:cxn>
+              </a:cxnLst>
+              <a:rect l="l" t="t" r="r" b="b"/>
+              <a:pathLst>
+                <a:path w="1494693" h="3106295">
+                  <a:moveTo>
+                    <a:pt x="0" y="404997"/>
+                  </a:moveTo>
+                  <a:cubicBezTo>
+                    <a:pt x="55685" y="-160642"/>
+                    <a:pt x="276959" y="-82976"/>
+                    <a:pt x="457201" y="325866"/>
+                  </a:cubicBezTo>
+                  <a:cubicBezTo>
+                    <a:pt x="637443" y="734708"/>
+                    <a:pt x="908540" y="2471189"/>
+                    <a:pt x="1081455" y="2858051"/>
+                  </a:cubicBezTo>
+                  <a:cubicBezTo>
+                    <a:pt x="1254370" y="3244913"/>
+                    <a:pt x="1460989" y="3183366"/>
+                    <a:pt x="1494693" y="2647036"/>
+                  </a:cubicBezTo>
+                </a:path>
+              </a:pathLst>
+            </a:custGeom>
+            <a:noFill/>
+            <a:ln w="12700">
+              <a:tailEnd type="triangle" w="med" len="med"/>
+            </a:ln>
+          </p:spPr>
+          <p:style>
+            <a:lnRef idx="2">
+              <a:schemeClr val="accent1"/>
+            </a:lnRef>
+            <a:fillRef idx="1">
+              <a:schemeClr val="lt1"/>
+            </a:fillRef>
+            <a:effectRef idx="0">
+              <a:schemeClr val="accent1"/>
+            </a:effectRef>
+            <a:fontRef idx="minor">
+              <a:schemeClr val="dk1"/>
+            </a:fontRef>
+          </p:style>
+          <p:txBody>
+            <a:bodyPr rtlCol="0" anchor="ctr"/>
+            <a:lstStyle/>
+            <a:p>
+              <a:pPr algn="ctr"/>
+              <a:endParaRPr lang="en-US"/>
+            </a:p>
+          </p:txBody>
+        </p:sp>
+        <p:sp>
+          <p:nvSpPr>
+            <p:cNvPr id="49" name="Arc 48"/>
+            <p:cNvSpPr/>
+            <p:nvPr/>
+          </p:nvSpPr>
+          <p:spPr>
+            <a:xfrm>
+              <a:off x="8153400" y="5730079"/>
+              <a:ext cx="835269" cy="626271"/>
+            </a:xfrm>
+            <a:prstGeom prst="arc">
+              <a:avLst>
+                <a:gd name="adj1" fmla="val 16200000"/>
+                <a:gd name="adj2" fmla="val 11142639"/>
+              </a:avLst>
+            </a:prstGeom>
+            <a:ln>
+              <a:tailEnd type="triangle"/>
+            </a:ln>
+          </p:spPr>
+          <p:style>
+            <a:lnRef idx="1">
+              <a:schemeClr val="accent1"/>
+            </a:lnRef>
+            <a:fillRef idx="0">
+              <a:schemeClr val="accent1"/>
+            </a:fillRef>
+            <a:effectRef idx="0">
+              <a:schemeClr val="accent1"/>
+            </a:effectRef>
+            <a:fontRef idx="minor">
+              <a:schemeClr val="tx1"/>
+            </a:fontRef>
+          </p:style>
+          <p:txBody>
+            <a:bodyPr rtlCol="0" anchor="ctr"/>
+            <a:lstStyle/>
+            <a:p>
+              <a:pPr algn="ctr"/>
+              <a:endParaRPr lang="en-US"/>
+            </a:p>
+          </p:txBody>
+        </p:sp>
+        <p:sp>
+          <p:nvSpPr>
+            <p:cNvPr id="50" name="Arc 49"/>
+            <p:cNvSpPr/>
+            <p:nvPr/>
+          </p:nvSpPr>
+          <p:spPr>
+            <a:xfrm>
+              <a:off x="5207976" y="2596896"/>
+              <a:ext cx="480647" cy="375037"/>
+            </a:xfrm>
+            <a:prstGeom prst="arc">
+              <a:avLst>
+                <a:gd name="adj1" fmla="val 16200000"/>
+                <a:gd name="adj2" fmla="val 11142639"/>
+              </a:avLst>
+            </a:prstGeom>
+            <a:ln>
+              <a:tailEnd type="triangle"/>
+            </a:ln>
+          </p:spPr>
+          <p:style>
+            <a:lnRef idx="1">
+              <a:schemeClr val="accent1"/>
+            </a:lnRef>
+            <a:fillRef idx="0">
+              <a:schemeClr val="accent1"/>
+            </a:fillRef>
+            <a:effectRef idx="0">
+              <a:schemeClr val="accent1"/>
+            </a:effectRef>
+            <a:fontRef idx="minor">
+              <a:schemeClr val="tx1"/>
+            </a:fontRef>
+          </p:style>
+          <p:txBody>
+            <a:bodyPr rtlCol="0" anchor="ctr"/>
+            <a:lstStyle/>
+            <a:p>
+              <a:pPr algn="ctr"/>
+              <a:endParaRPr lang="en-US"/>
+            </a:p>
+          </p:txBody>
+        </p:sp>
+      </p:grpSp>
+      <p:sp>
+        <p:nvSpPr>
+          <p:cNvPr id="54" name="TextBox 53"/>
+          <p:cNvSpPr txBox="1"/>
           <p:nvPr/>
         </p:nvSpPr>
         <p:spPr>
           <a:xfrm>
-            <a:off x="5562600" y="3962400"/>
-            <a:ext cx="3352800" cy="609600"/>
+            <a:off x="7426569" y="4777387"/>
+            <a:ext cx="1695809" cy="646331"/>
           </a:xfrm>
           <a:prstGeom prst="rect">
             <a:avLst/>
           </a:prstGeom>
           <a:solidFill>
-            <a:schemeClr val="accent3">
-              <a:lumMod val="40000"/>
-              <a:lumOff val="60000"/>
+            <a:schemeClr val="accent1">
+              <a:lumMod val="20000"/>
+              <a:lumOff val="80000"/>
             </a:schemeClr>
           </a:solidFill>
-          <a:ln/>
+        </p:spPr>
+        <p:txBody>
+          <a:bodyPr wrap="square" rtlCol="0">
+            <a:spAutoFit/>
+          </a:bodyPr>
+          <a:lstStyle/>
+          <a:p>
+            <a:r>
+              <a:rPr lang="en-US" sz="1200" dirty="0"/>
+              <a:t>A </a:t>
+            </a:r>
+            <a:r>
+              <a:rPr lang="en-US" sz="1200" dirty="0" err="1"/>
+              <a:t>ListOfExpression</a:t>
+            </a:r>
+            <a:r>
+              <a:rPr lang="en-US" sz="1200" dirty="0"/>
+              <a:t> may contain a Expression and a </a:t>
+            </a:r>
+            <a:r>
+              <a:rPr lang="en-US" sz="1200" dirty="0" err="1"/>
+              <a:t>ListofExpressions</a:t>
+            </a:r>
+            <a:endParaRPr lang="en-US" sz="1200" dirty="0"/>
+          </a:p>
+        </p:txBody>
+      </p:sp>
+      <p:sp>
+        <p:nvSpPr>
+          <p:cNvPr id="55" name="Freeform 54"/>
+          <p:cNvSpPr/>
+          <p:nvPr/>
+        </p:nvSpPr>
+        <p:spPr>
+          <a:xfrm>
+            <a:off x="7754815" y="5433646"/>
+            <a:ext cx="648108" cy="486400"/>
+          </a:xfrm>
+          <a:custGeom>
+            <a:avLst/>
+            <a:gdLst>
+              <a:gd name="connsiteX0" fmla="*/ 527539 w 648108"/>
+              <a:gd name="connsiteY0" fmla="*/ 0 h 486400"/>
+              <a:gd name="connsiteX1" fmla="*/ 633047 w 648108"/>
+              <a:gd name="connsiteY1" fmla="*/ 483577 h 486400"/>
+              <a:gd name="connsiteX2" fmla="*/ 237393 w 648108"/>
+              <a:gd name="connsiteY2" fmla="*/ 202223 h 486400"/>
+              <a:gd name="connsiteX3" fmla="*/ 0 w 648108"/>
+              <a:gd name="connsiteY3" fmla="*/ 263769 h 486400"/>
+            </a:gdLst>
+            <a:ahLst/>
+            <a:cxnLst>
+              <a:cxn ang="0">
+                <a:pos x="connsiteX0" y="connsiteY0"/>
+              </a:cxn>
+              <a:cxn ang="0">
+                <a:pos x="connsiteX1" y="connsiteY1"/>
+              </a:cxn>
+              <a:cxn ang="0">
+                <a:pos x="connsiteX2" y="connsiteY2"/>
+              </a:cxn>
+              <a:cxn ang="0">
+                <a:pos x="connsiteX3" y="connsiteY3"/>
+              </a:cxn>
+            </a:cxnLst>
+            <a:rect l="l" t="t" r="r" b="b"/>
+            <a:pathLst>
+              <a:path w="648108" h="486400">
+                <a:moveTo>
+                  <a:pt x="527539" y="0"/>
+                </a:moveTo>
+                <a:cubicBezTo>
+                  <a:pt x="604472" y="224936"/>
+                  <a:pt x="681405" y="449873"/>
+                  <a:pt x="633047" y="483577"/>
+                </a:cubicBezTo>
+                <a:cubicBezTo>
+                  <a:pt x="584689" y="517281"/>
+                  <a:pt x="342901" y="238858"/>
+                  <a:pt x="237393" y="202223"/>
+                </a:cubicBezTo>
+                <a:cubicBezTo>
+                  <a:pt x="131885" y="165588"/>
+                  <a:pt x="65942" y="214678"/>
+                  <a:pt x="0" y="263769"/>
+                </a:cubicBezTo>
+              </a:path>
+            </a:pathLst>
+          </a:custGeom>
+          <a:noFill/>
+          <a:ln w="12700">
+            <a:solidFill>
+              <a:schemeClr val="accent3"/>
+            </a:solidFill>
+            <a:tailEnd type="arrow"/>
+          </a:ln>
         </p:spPr>
         <p:style>
           <a:lnRef idx="2">
@@ -9309,46 +13681,28 @@
           </a:fontRef>
         </p:style>
         <p:txBody>
-          <a:bodyPr rot="0" spcFirstLastPara="0" vertOverflow="overflow" horzOverflow="overflow" vert="horz" wrap="square" lIns="91440" tIns="45720" rIns="91440" bIns="45720" numCol="1" spcCol="0" rtlCol="0" fromWordArt="0" anchor="ctr" anchorCtr="0" forceAA="0" compatLnSpc="1">
-            <a:prstTxWarp prst="textNoShape">
-              <a:avLst/>
-            </a:prstTxWarp>
-            <a:noAutofit/>
-          </a:bodyPr>
+          <a:bodyPr rtlCol="0" anchor="ctr"/>
           <a:lstStyle/>
           <a:p>
             <a:pPr algn="ctr"/>
-            <a:r>
-              <a:rPr lang="en-US" dirty="0">
-                <a:solidFill>
-                  <a:schemeClr val="tx1"/>
-                </a:solidFill>
-              </a:rPr>
-              <a:t>There are no variables bound above the top.</a:t>
-            </a:r>
-          </a:p>
-        </p:txBody>
-      </p:sp>
-      <p:cxnSp>
-        <p:nvCxnSpPr>
-          <p:cNvPr id="8" name="Straight Arrow Connector 7"/>
-          <p:cNvCxnSpPr/>
+            <a:endParaRPr lang="en-US"/>
+          </a:p>
+        </p:txBody>
+      </p:sp>
+      <p:sp>
+        <p:nvSpPr>
+          <p:cNvPr id="56" name="Arc 55"/>
+          <p:cNvSpPr/>
           <p:nvPr/>
-        </p:nvCxnSpPr>
+        </p:nvSpPr>
         <p:spPr>
-          <a:xfrm flipH="1">
-            <a:off x="5410200" y="4572000"/>
-            <a:ext cx="1752600" cy="990600"/>
+          <a:xfrm rot="7922642">
+            <a:off x="3049976" y="2954371"/>
+            <a:ext cx="707830" cy="785827"/>
           </a:xfrm>
-          <a:prstGeom prst="straightConnector1">
+          <a:prstGeom prst="arc">
             <a:avLst/>
           </a:prstGeom>
-          <a:ln w="12700">
-            <a:solidFill>
-              <a:schemeClr val="tx1"/>
-            </a:solidFill>
-            <a:tailEnd type="arrow"/>
-          </a:ln>
         </p:spPr>
         <p:style>
           <a:lnRef idx="1">
@@ -9364,11 +13718,178 @@
             <a:schemeClr val="tx1"/>
           </a:fontRef>
         </p:style>
-      </p:cxnSp>
+        <p:txBody>
+          <a:bodyPr rtlCol="0" anchor="ctr"/>
+          <a:lstStyle/>
+          <a:p>
+            <a:pPr algn="ctr"/>
+            <a:endParaRPr lang="en-US"/>
+          </a:p>
+        </p:txBody>
+      </p:sp>
+      <p:sp>
+        <p:nvSpPr>
+          <p:cNvPr id="57" name="Arc 56"/>
+          <p:cNvSpPr/>
+          <p:nvPr/>
+        </p:nvSpPr>
+        <p:spPr>
+          <a:xfrm rot="7922642">
+            <a:off x="5279023" y="4654993"/>
+            <a:ext cx="707830" cy="785827"/>
+          </a:xfrm>
+          <a:prstGeom prst="arc">
+            <a:avLst/>
+          </a:prstGeom>
+        </p:spPr>
+        <p:style>
+          <a:lnRef idx="1">
+            <a:schemeClr val="accent1"/>
+          </a:lnRef>
+          <a:fillRef idx="0">
+            <a:schemeClr val="accent1"/>
+          </a:fillRef>
+          <a:effectRef idx="0">
+            <a:schemeClr val="accent1"/>
+          </a:effectRef>
+          <a:fontRef idx="minor">
+            <a:schemeClr val="tx1"/>
+          </a:fontRef>
+        </p:style>
+        <p:txBody>
+          <a:bodyPr rtlCol="0" anchor="ctr"/>
+          <a:lstStyle/>
+          <a:p>
+            <a:pPr algn="ctr"/>
+            <a:endParaRPr lang="en-US"/>
+          </a:p>
+        </p:txBody>
+      </p:sp>
+      <p:grpSp>
+        <p:nvGrpSpPr>
+          <p:cNvPr id="61" name="Group 60"/>
+          <p:cNvGrpSpPr/>
+          <p:nvPr/>
+        </p:nvGrpSpPr>
+        <p:grpSpPr>
+          <a:xfrm>
+            <a:off x="5562601" y="1700738"/>
+            <a:ext cx="2971800" cy="276999"/>
+            <a:chOff x="5562601" y="1700738"/>
+            <a:chExt cx="2971800" cy="276999"/>
+          </a:xfrm>
+        </p:grpSpPr>
+        <p:sp>
+          <p:nvSpPr>
+            <p:cNvPr id="60" name="TextBox 59"/>
+            <p:cNvSpPr txBox="1"/>
+            <p:nvPr/>
+          </p:nvSpPr>
+          <p:spPr>
+            <a:xfrm>
+              <a:off x="5562601" y="1700738"/>
+              <a:ext cx="2971800" cy="276999"/>
+            </a:xfrm>
+            <a:prstGeom prst="rect">
+              <a:avLst/>
+            </a:prstGeom>
+            <a:solidFill>
+              <a:schemeClr val="accent1">
+                <a:lumMod val="20000"/>
+                <a:lumOff val="80000"/>
+              </a:schemeClr>
+            </a:solidFill>
+          </p:spPr>
+          <p:txBody>
+            <a:bodyPr wrap="square" rtlCol="0">
+              <a:spAutoFit/>
+            </a:bodyPr>
+            <a:lstStyle/>
+            <a:p>
+              <a:pPr algn="r"/>
+              <a:r>
+                <a:rPr lang="en-US" sz="1200" dirty="0"/>
+                <a:t>means “contains” or “may contain”</a:t>
+              </a:r>
+            </a:p>
+          </p:txBody>
+        </p:sp>
+        <p:cxnSp>
+          <p:nvCxnSpPr>
+            <p:cNvPr id="59" name="Straight Arrow Connector 58"/>
+            <p:cNvCxnSpPr/>
+            <p:nvPr/>
+          </p:nvCxnSpPr>
+          <p:spPr>
+            <a:xfrm>
+              <a:off x="5676900" y="1828800"/>
+              <a:ext cx="419100" cy="0"/>
+            </a:xfrm>
+            <a:prstGeom prst="straightConnector1">
+              <a:avLst/>
+            </a:prstGeom>
+            <a:ln>
+              <a:tailEnd type="triangle"/>
+            </a:ln>
+          </p:spPr>
+          <p:style>
+            <a:lnRef idx="1">
+              <a:schemeClr val="accent1"/>
+            </a:lnRef>
+            <a:fillRef idx="0">
+              <a:schemeClr val="accent1"/>
+            </a:fillRef>
+            <a:effectRef idx="0">
+              <a:schemeClr val="accent1"/>
+            </a:effectRef>
+            <a:fontRef idx="minor">
+              <a:schemeClr val="tx1"/>
+            </a:fontRef>
+          </p:style>
+        </p:cxnSp>
+      </p:grpSp>
+      <p:sp>
+        <p:nvSpPr>
+          <p:cNvPr id="62" name="Arc 61"/>
+          <p:cNvSpPr/>
+          <p:nvPr/>
+        </p:nvSpPr>
+        <p:spPr>
+          <a:xfrm rot="7922642">
+            <a:off x="4765582" y="3757337"/>
+            <a:ext cx="707830" cy="785827"/>
+          </a:xfrm>
+          <a:prstGeom prst="arc">
+            <a:avLst/>
+          </a:prstGeom>
+        </p:spPr>
+        <p:style>
+          <a:lnRef idx="1">
+            <a:schemeClr val="accent1"/>
+          </a:lnRef>
+          <a:fillRef idx="0">
+            <a:schemeClr val="accent1"/>
+          </a:fillRef>
+          <a:effectRef idx="0">
+            <a:schemeClr val="accent1"/>
+          </a:effectRef>
+          <a:fontRef idx="minor">
+            <a:schemeClr val="tx1"/>
+          </a:fontRef>
+        </p:style>
+        <p:txBody>
+          <a:bodyPr rtlCol="0" anchor="ctr"/>
+          <a:lstStyle/>
+          <a:p>
+            <a:pPr algn="ctr"/>
+            <a:endParaRPr lang="en-US"/>
+          </a:p>
+        </p:txBody>
+      </p:sp>
     </p:spTree>
     <p:extLst>
       <p:ext uri="{BB962C8B-B14F-4D97-AF65-F5344CB8AC3E}">
-        <p14:creationId xmlns:p14="http://schemas.microsoft.com/office/powerpoint/2010/main" val="777833429"/>
+        <p14:creationId xmlns:p14="http://schemas.microsoft.com/office/powerpoint/2010/main" val="385261447"/>
       </p:ext>
     </p:extLst>
   </p:cSld>
@@ -9412,7 +13933,7 @@
           <a:p>
             <a:r>
               <a:rPr lang="en-US" dirty="0"/>
-              <a:t>Next Steps</a:t>
+              <a:t>Summary</a:t>
             </a:r>
           </a:p>
         </p:txBody>
@@ -9429,30 +13950,107 @@
         </p:nvSpPr>
         <p:spPr/>
         <p:txBody>
-          <a:bodyPr/>
-          <a:lstStyle/>
-          <a:p>
-            <a:r>
-              <a:rPr lang="en-US" dirty="0"/>
-              <a:t>If you have questions about this lesson, ask them on the Discussion Board</a:t>
-            </a:r>
-          </a:p>
-          <a:p>
-            <a:r>
-              <a:rPr lang="en-US" dirty="0"/>
-              <a:t>Do Guided </a:t>
+          <a:bodyPr>
+            <a:normAutofit fontScale="85000" lnSpcReduction="10000"/>
+          </a:bodyPr>
+          <a:lstStyle/>
+          <a:p>
+            <a:r>
+              <a:rPr lang="en-US" dirty="0"/>
+              <a:t>At the end of this lesson the student should be able to:</a:t>
+            </a:r>
+          </a:p>
+          <a:p>
+            <a:pPr lvl="1"/>
+            <a:r>
+              <a:rPr lang="en-US" dirty="0"/>
+              <a:t>explain the how defined and undefined variables work in our </a:t>
+            </a:r>
+            <a:r>
+              <a:rPr lang="en-US" dirty="0" err="1"/>
+              <a:t>GarterSnake</a:t>
+            </a:r>
+            <a:r>
+              <a:rPr lang="en-US" dirty="0"/>
+              <a:t> </a:t>
+            </a:r>
+            <a:r>
+              <a:rPr lang="en-US" dirty="0" err="1"/>
+              <a:t>minilanguage</a:t>
+            </a:r>
+            <a:endParaRPr lang="en-US" dirty="0"/>
+          </a:p>
+          <a:p>
+            <a:pPr lvl="1"/>
+            <a:r>
+              <a:rPr lang="en-US" dirty="0"/>
+              <a:t>identify the undefined variables in a </a:t>
+            </a:r>
+            <a:r>
+              <a:rPr lang="en-US" dirty="0" err="1"/>
+              <a:t>GarterSnake</a:t>
+            </a:r>
+            <a:r>
+              <a:rPr lang="en-US" dirty="0"/>
+              <a:t> program</a:t>
+            </a:r>
+          </a:p>
+          <a:p>
+            <a:pPr lvl="1"/>
+            <a:r>
+              <a:rPr lang="en-US" dirty="0"/>
+              <a:t>construct a data representation for a program in </a:t>
+            </a:r>
+            <a:r>
+              <a:rPr lang="en-US" dirty="0" err="1"/>
+              <a:t>GarterSnake</a:t>
+            </a:r>
+            <a:r>
+              <a:rPr lang="en-US" dirty="0"/>
+              <a:t> or a similar language</a:t>
+            </a:r>
+          </a:p>
+          <a:p>
+            <a:pPr lvl="1"/>
+            <a:r>
+              <a:rPr lang="en-US" dirty="0"/>
+              <a:t>explain an algorithm for finding undefined variables in a </a:t>
+            </a:r>
+            <a:r>
+              <a:rPr lang="en-US" dirty="0" err="1"/>
+              <a:t>GarterSnake</a:t>
+            </a:r>
+            <a:r>
+              <a:rPr lang="en-US" dirty="0"/>
+              <a:t> program</a:t>
+            </a:r>
+          </a:p>
+          <a:p>
+            <a:pPr lvl="1"/>
+            <a:r>
+              <a:rPr lang="en-US" dirty="0"/>
+              <a:t>understand how the algorithm follows the structure of the data representation</a:t>
+            </a:r>
+          </a:p>
+          <a:p>
+            <a:pPr lvl="1"/>
+            <a:r>
+              <a:rPr lang="en-US" dirty="0"/>
+              <a:t>write similar algorithms for manipulating programs </a:t>
+            </a:r>
+            <a:r>
+              <a:rPr lang="en-US" dirty="0" err="1"/>
+              <a:t>GarterSnake</a:t>
+            </a:r>
+            <a:r>
+              <a:rPr lang="en-US" dirty="0"/>
+              <a:t> or a similar simple </a:t>
             </a:r>
             <a:r>
               <a:rPr lang="en-US"/>
-              <a:t>Practice 7.2</a:t>
+              <a:t>programming language.</a:t>
             </a:r>
             <a:endParaRPr lang="en-US" dirty="0"/>
-          </a:p>
-          <a:p>
-            <a:r>
-              <a:rPr lang="en-US" dirty="0"/>
-              <a:t>Go on to the next lesson</a:t>
-            </a:r>
           </a:p>
         </p:txBody>
       </p:sp>
@@ -9495,7 +14093,7 @@
     </p:spTree>
     <p:extLst>
       <p:ext uri="{BB962C8B-B14F-4D97-AF65-F5344CB8AC3E}">
-        <p14:creationId xmlns:p14="http://schemas.microsoft.com/office/powerpoint/2010/main" val="3514037436"/>
+        <p14:creationId xmlns:p14="http://schemas.microsoft.com/office/powerpoint/2010/main" val="974631413"/>
       </p:ext>
     </p:extLst>
   </p:cSld>
@@ -9649,6 +14247,135 @@
     <p:extLst>
       <p:ext uri="{BB962C8B-B14F-4D97-AF65-F5344CB8AC3E}">
         <p14:creationId xmlns:p14="http://schemas.microsoft.com/office/powerpoint/2010/main" val="2258601777"/>
+      </p:ext>
+    </p:extLst>
+  </p:cSld>
+  <p:clrMapOvr>
+    <a:masterClrMapping/>
+  </p:clrMapOvr>
+</p:sld>
+</file>
+
+<file path=ppt/slides/slide30.xml><?xml version="1.0" encoding="utf-8"?>
+<p:sld xmlns:a="http://schemas.openxmlformats.org/drawingml/2006/main" xmlns:r="http://schemas.openxmlformats.org/officeDocument/2006/relationships" xmlns:p="http://schemas.openxmlformats.org/presentationml/2006/main">
+  <p:cSld>
+    <p:spTree>
+      <p:nvGrpSpPr>
+        <p:cNvPr id="1" name=""/>
+        <p:cNvGrpSpPr/>
+        <p:nvPr/>
+      </p:nvGrpSpPr>
+      <p:grpSpPr>
+        <a:xfrm>
+          <a:off x="0" y="0"/>
+          <a:ext cx="0" cy="0"/>
+          <a:chOff x="0" y="0"/>
+          <a:chExt cx="0" cy="0"/>
+        </a:xfrm>
+      </p:grpSpPr>
+      <p:sp>
+        <p:nvSpPr>
+          <p:cNvPr id="2" name="Title 1"/>
+          <p:cNvSpPr>
+            <a:spLocks noGrp="1"/>
+          </p:cNvSpPr>
+          <p:nvPr>
+            <p:ph type="title"/>
+          </p:nvPr>
+        </p:nvSpPr>
+        <p:spPr/>
+        <p:txBody>
+          <a:bodyPr/>
+          <a:lstStyle/>
+          <a:p>
+            <a:r>
+              <a:rPr lang="en-US" dirty="0"/>
+              <a:t>Next Steps</a:t>
+            </a:r>
+          </a:p>
+        </p:txBody>
+      </p:sp>
+      <p:sp>
+        <p:nvSpPr>
+          <p:cNvPr id="3" name="Content Placeholder 2"/>
+          <p:cNvSpPr>
+            <a:spLocks noGrp="1"/>
+          </p:cNvSpPr>
+          <p:nvPr>
+            <p:ph idx="1"/>
+          </p:nvPr>
+        </p:nvSpPr>
+        <p:spPr/>
+        <p:txBody>
+          <a:bodyPr/>
+          <a:lstStyle/>
+          <a:p>
+            <a:r>
+              <a:rPr lang="en-US"/>
+              <a:t>Study Examples/07-3-gartersnake.rkt</a:t>
+            </a:r>
+            <a:endParaRPr lang="en-US" dirty="0"/>
+          </a:p>
+          <a:p>
+            <a:r>
+              <a:rPr lang="en-US" dirty="0"/>
+              <a:t>If you have questions about this lesson, ask them on the Discussion Board</a:t>
+            </a:r>
+          </a:p>
+          <a:p>
+            <a:r>
+              <a:rPr lang="en-US" dirty="0"/>
+              <a:t>Do Guided Practice 7.3</a:t>
+            </a:r>
+          </a:p>
+          <a:p>
+            <a:r>
+              <a:rPr lang="en-US" dirty="0"/>
+              <a:t>Go on to the next lesson</a:t>
+            </a:r>
+          </a:p>
+        </p:txBody>
+      </p:sp>
+      <p:sp>
+        <p:nvSpPr>
+          <p:cNvPr id="4" name="Slide Number Placeholder 3"/>
+          <p:cNvSpPr>
+            <a:spLocks noGrp="1"/>
+          </p:cNvSpPr>
+          <p:nvPr>
+            <p:ph type="sldNum" sz="quarter" idx="12"/>
+          </p:nvPr>
+        </p:nvSpPr>
+        <p:spPr/>
+        <p:txBody>
+          <a:bodyPr/>
+          <a:lstStyle/>
+          <a:p>
+            <a:fld id="{9F4492BD-6A9C-48FC-AC76-0B4FE11194A1}" type="slidenum">
+              <a:rPr lang="en-US" smtClean="0">
+                <a:solidFill>
+                  <a:prstClr val="black">
+                    <a:tint val="75000"/>
+                  </a:prstClr>
+                </a:solidFill>
+              </a:rPr>
+              <a:pPr/>
+              <a:t>30</a:t>
+            </a:fld>
+            <a:endParaRPr lang="en-US">
+              <a:solidFill>
+                <a:prstClr val="black">
+                  <a:tint val="75000"/>
+                </a:prstClr>
+              </a:solidFill>
+            </a:endParaRPr>
+          </a:p>
+        </p:txBody>
+      </p:sp>
+    </p:spTree>
+    <p:extLst>
+      <p:ext uri="{BB962C8B-B14F-4D97-AF65-F5344CB8AC3E}">
+        <p14:creationId xmlns:p14="http://schemas.microsoft.com/office/powerpoint/2010/main" val="3514037436"/>
       </p:ext>
     </p:extLst>
   </p:cSld>
@@ -10740,12 +15467,14 @@
             <a:avLst/>
           </a:prstGeom>
           <a:solidFill>
-            <a:schemeClr val="accent5">
+            <a:schemeClr val="accent1">
               <a:lumMod val="20000"/>
               <a:lumOff val="80000"/>
             </a:schemeClr>
           </a:solidFill>
-          <a:ln/>
+          <a:ln>
+            <a:noFill/>
+          </a:ln>
         </p:spPr>
         <p:style>
           <a:lnRef idx="2">
@@ -10851,7 +15580,10 @@
             </a:pathLst>
           </a:custGeom>
           <a:noFill/>
-          <a:ln>
+          <a:ln w="12700">
+            <a:solidFill>
+              <a:schemeClr val="accent3"/>
+            </a:solidFill>
             <a:tailEnd type="stealth" w="lg" len="lg"/>
           </a:ln>
         </p:spPr>
@@ -11343,12 +16075,14 @@
     <a:spDef>
       <a:spPr>
         <a:solidFill>
-          <a:schemeClr val="accent3">
-            <a:lumMod val="40000"/>
-            <a:lumOff val="60000"/>
+          <a:schemeClr val="accent5">
+            <a:lumMod val="20000"/>
+            <a:lumOff val="80000"/>
           </a:schemeClr>
         </a:solidFill>
-        <a:ln/>
+        <a:ln>
+          <a:noFill/>
+        </a:ln>
       </a:spPr>
       <a:bodyPr rot="0" spcFirstLastPara="0" vertOverflow="overflow" horzOverflow="overflow" vert="horz" wrap="square" lIns="91440" tIns="45720" rIns="91440" bIns="45720" numCol="1" spcCol="0" rtlCol="0" fromWordArt="0" anchor="ctr" anchorCtr="0" forceAA="0" compatLnSpc="1">
         <a:prstTxWarp prst="textNoShape">
@@ -11357,7 +16091,7 @@
         <a:noAutofit/>
       </a:bodyPr>
       <a:lstStyle>
-        <a:defPPr>
+        <a:defPPr algn="ctr">
           <a:defRPr dirty="0">
             <a:solidFill>
               <a:schemeClr val="tx1"/>
@@ -11380,6 +16114,24 @@
         </a:fontRef>
       </a:style>
     </a:spDef>
+    <a:txDef>
+      <a:spPr>
+        <a:solidFill>
+          <a:schemeClr val="accent1">
+            <a:lumMod val="20000"/>
+            <a:lumOff val="80000"/>
+          </a:schemeClr>
+        </a:solidFill>
+      </a:spPr>
+      <a:bodyPr wrap="square" rtlCol="0">
+        <a:spAutoFit/>
+      </a:bodyPr>
+      <a:lstStyle>
+        <a:defPPr>
+          <a:defRPr dirty="0" smtClean="0"/>
+        </a:defPPr>
+      </a:lstStyle>
+    </a:txDef>
   </a:objectDefaults>
   <a:extraClrSchemeLst/>
 </a:theme>

--- a/Slides/Lesson 7.4 Case Study-- Undefined Variables.pptx
+++ b/Slides/Lesson 7.4 Case Study-- Undefined Variables.pptx
@@ -14311,22 +14311,26 @@
           <a:lstStyle/>
           <a:p>
             <a:r>
+              <a:rPr lang="en-US" dirty="0"/>
+              <a:t>Study Examples/07-3-gartersnake.rkt</a:t>
+            </a:r>
+          </a:p>
+          <a:p>
+            <a:r>
+              <a:rPr lang="en-US" dirty="0"/>
+              <a:t>If you have questions about this lesson, ask them on the Discussion Board</a:t>
+            </a:r>
+          </a:p>
+          <a:p>
+            <a:r>
+              <a:rPr lang="en-US" dirty="0"/>
+              <a:t>Do </a:t>
+            </a:r>
+            <a:r>
               <a:rPr lang="en-US"/>
-              <a:t>Study Examples/07-3-gartersnake.rkt</a:t>
+              <a:t>Guided Practices 7.2 and 7.3</a:t>
             </a:r>
             <a:endParaRPr lang="en-US" dirty="0"/>
-          </a:p>
-          <a:p>
-            <a:r>
-              <a:rPr lang="en-US" dirty="0"/>
-              <a:t>If you have questions about this lesson, ask them on the Discussion Board</a:t>
-            </a:r>
-          </a:p>
-          <a:p>
-            <a:r>
-              <a:rPr lang="en-US" dirty="0"/>
-              <a:t>Do Guided Practice 7.3</a:t>
-            </a:r>
           </a:p>
           <a:p>
             <a:r>

--- a/Slides/Lesson 7.4 Case Study-- Undefined Variables.pptx
+++ b/Slides/Lesson 7.4 Case Study-- Undefined Variables.pptx
@@ -241,7 +241,7 @@
             <a:fld id="{5758D54E-DB71-49E8-BB66-48EF417974F5}" type="datetimeFigureOut">
               <a:rPr lang="en-US" smtClean="0"/>
               <a:pPr/>
-              <a:t>10/14/2016</a:t>
+              <a:t>10/23/2016</a:t>
             </a:fld>
             <a:endParaRPr lang="en-US"/>
           </a:p>
@@ -775,7 +775,7 @@
           <a:p>
             <a:fld id="{2F1F79F5-7BEC-496A-AFC7-876E38F64D71}" type="datetime1">
               <a:rPr lang="en-US" smtClean="0"/>
-              <a:t>10/14/2016</a:t>
+              <a:t>10/23/2016</a:t>
             </a:fld>
             <a:endParaRPr lang="en-US"/>
           </a:p>
@@ -870,7 +870,7 @@
           <a:p>
             <a:fld id="{0A05703A-7669-4FEA-9056-25299B4D29D4}" type="datetime1">
               <a:rPr lang="en-US" smtClean="0"/>
-              <a:t>10/14/2016</a:t>
+              <a:t>10/23/2016</a:t>
             </a:fld>
             <a:endParaRPr lang="en-US"/>
           </a:p>
@@ -1145,7 +1145,7 @@
           <a:p>
             <a:fld id="{6E5077B5-BB57-49DB-88CA-226A139E5C01}" type="datetime1">
               <a:rPr lang="en-US" smtClean="0"/>
-              <a:t>10/14/2016</a:t>
+              <a:t>10/23/2016</a:t>
             </a:fld>
             <a:endParaRPr lang="en-US"/>
           </a:p>
@@ -1397,7 +1397,7 @@
           <a:p>
             <a:fld id="{C48D9447-CBD6-49A1-89FD-8512A8CF8999}" type="datetime1">
               <a:rPr lang="en-US" smtClean="0"/>
-              <a:t>10/14/2016</a:t>
+              <a:t>10/23/2016</a:t>
             </a:fld>
             <a:endParaRPr lang="en-US"/>
           </a:p>
@@ -1565,7 +1565,7 @@
           <a:p>
             <a:fld id="{A3639A2A-823D-48B7-9ACE-7FAF42870BA9}" type="datetime1">
               <a:rPr lang="en-US" smtClean="0"/>
-              <a:t>10/14/2016</a:t>
+              <a:t>10/23/2016</a:t>
             </a:fld>
             <a:endParaRPr lang="en-US"/>
           </a:p>
@@ -1743,7 +1743,7 @@
           <a:p>
             <a:fld id="{ED1B6996-82E9-463C-972C-7B56056E426C}" type="datetime1">
               <a:rPr lang="en-US" smtClean="0"/>
-              <a:t>10/14/2016</a:t>
+              <a:t>10/23/2016</a:t>
             </a:fld>
             <a:endParaRPr lang="en-US"/>
           </a:p>
@@ -1917,7 +1917,7 @@
           <a:p>
             <a:fld id="{E22ED4DA-448D-4BB1-B935-CC112220207B}" type="datetime1">
               <a:rPr lang="en-US" smtClean="0"/>
-              <a:t>10/14/2016</a:t>
+              <a:t>10/23/2016</a:t>
             </a:fld>
             <a:endParaRPr lang="en-US"/>
           </a:p>
@@ -2090,7 +2090,7 @@
           <a:p>
             <a:fld id="{E22ED4DA-448D-4BB1-B935-CC112220207B}" type="datetime1">
               <a:rPr lang="en-US" smtClean="0"/>
-              <a:t>10/14/2016</a:t>
+              <a:t>10/23/2016</a:t>
             </a:fld>
             <a:endParaRPr lang="en-US"/>
           </a:p>
@@ -2350,7 +2350,7 @@
           <a:p>
             <a:fld id="{FF5D65A6-AB94-4435-B0B7-3743215FA46C}" type="datetime1">
               <a:rPr lang="en-US" smtClean="0"/>
-              <a:t>10/14/2016</a:t>
+              <a:t>10/23/2016</a:t>
             </a:fld>
             <a:endParaRPr lang="en-US"/>
           </a:p>
@@ -2526,7 +2526,7 @@
           <a:p>
             <a:fld id="{FF5D65A6-AB94-4435-B0B7-3743215FA46C}" type="datetime1">
               <a:rPr lang="en-US" smtClean="0"/>
-              <a:t>10/14/2016</a:t>
+              <a:t>10/23/2016</a:t>
             </a:fld>
             <a:endParaRPr lang="en-US"/>
           </a:p>
@@ -2820,7 +2820,7 @@
           <a:p>
             <a:fld id="{7C193DC4-6EF0-48C9-B29C-616106A645E1}" type="datetime1">
               <a:rPr lang="en-US" smtClean="0"/>
-              <a:t>10/14/2016</a:t>
+              <a:t>10/23/2016</a:t>
             </a:fld>
             <a:endParaRPr lang="en-US"/>
           </a:p>
@@ -3105,7 +3105,7 @@
           <a:p>
             <a:fld id="{5D1846AD-9252-4647-9435-4C2AC365653A}" type="datetime1">
               <a:rPr lang="en-US" smtClean="0"/>
-              <a:t>10/14/2016</a:t>
+              <a:t>10/23/2016</a:t>
             </a:fld>
             <a:endParaRPr lang="en-US"/>
           </a:p>
@@ -3524,7 +3524,7 @@
           <a:p>
             <a:fld id="{CE56DC10-3561-4063-A6AF-C1CC7A41040A}" type="datetime1">
               <a:rPr lang="en-US" smtClean="0"/>
-              <a:t>10/14/2016</a:t>
+              <a:t>10/23/2016</a:t>
             </a:fld>
             <a:endParaRPr lang="en-US"/>
           </a:p>
@@ -3641,7 +3641,7 @@
           <a:p>
             <a:fld id="{2F7B77F5-1464-4F6B-92A8-64FC8A508293}" type="datetime1">
               <a:rPr lang="en-US" smtClean="0"/>
-              <a:t>10/14/2016</a:t>
+              <a:t>10/23/2016</a:t>
             </a:fld>
             <a:endParaRPr lang="en-US"/>
           </a:p>
@@ -3864,7 +3864,7 @@
           <a:p>
             <a:fld id="{02B3F677-983B-48DB-ADFD-63FE6CBC7FB2}" type="datetime1">
               <a:rPr lang="en-US" smtClean="0"/>
-              <a:t>10/14/2016</a:t>
+              <a:t>10/23/2016</a:t>
             </a:fld>
             <a:endParaRPr lang="en-US"/>
           </a:p>
@@ -7313,7 +7313,7 @@
         <p:spPr/>
         <p:txBody>
           <a:bodyPr>
-            <a:normAutofit fontScale="47500" lnSpcReduction="20000"/>
+            <a:normAutofit fontScale="40000" lnSpcReduction="20000"/>
           </a:bodyPr>
           <a:lstStyle/>
           <a:p>
@@ -7548,7 +7548,15 @@
           <a:p>
             <a:r>
               <a:rPr lang="en-US" dirty="0"/>
-              <a:t>;; We omit the lo-* templates because they are standard and you should know</a:t>
+              <a:t>;; We omit the </a:t>
+            </a:r>
+            <a:r>
+              <a:rPr lang="en-US" dirty="0" err="1"/>
+              <a:t>ListOf</a:t>
+            </a:r>
+            <a:r>
+              <a:rPr lang="en-US" dirty="0"/>
+              <a:t>-* templates because they are standard and you should know</a:t>
             </a:r>
           </a:p>
           <a:p>
@@ -8311,7 +8319,7 @@
             <a:pPr lvl="1"/>
             <a:r>
               <a:rPr lang="en-US" dirty="0"/>
-              <a:t>write similar algorithms for manipulating programs </a:t>
+              <a:t>write similar algorithms for manipulating programs in </a:t>
             </a:r>
             <a:r>
               <a:rPr lang="en-US" dirty="0" err="1"/>
@@ -10301,7 +10309,13 @@
             </a:r>
             <a:r>
               <a:rPr lang="en-US" dirty="0"/>
-              <a:t> expression e and a set of variables </a:t>
+              <a:t> expression e, occurring in some program</a:t>
+            </a:r>
+          </a:p>
+          <a:p>
+            <a:r>
+              <a:rPr lang="en-US" dirty="0"/>
+              <a:t>;;   p, and a set of variables </a:t>
             </a:r>
             <a:r>
               <a:rPr lang="en-US" dirty="0" err="1"/>
@@ -10342,7 +10356,7 @@
                   <a:srgbClr val="FF0000"/>
                 </a:solidFill>
               </a:rPr>
-              <a:t>;; occurrence of e in p</a:t>
+              <a:t>;;   occurrence of e in p</a:t>
             </a:r>
           </a:p>
           <a:p>
@@ -13963,8 +13977,12 @@
           <a:p>
             <a:pPr lvl="1"/>
             <a:r>
-              <a:rPr lang="en-US" dirty="0"/>
-              <a:t>explain the how defined and undefined variables work in our </a:t>
+              <a:rPr lang="en-US"/>
+              <a:t>explain how </a:t>
+            </a:r>
+            <a:r>
+              <a:rPr lang="en-US" dirty="0"/>
+              <a:t>defined and undefined variables work in our </a:t>
             </a:r>
             <a:r>
               <a:rPr lang="en-US" dirty="0" err="1"/>
@@ -14044,13 +14062,8 @@
             </a:r>
             <a:r>
               <a:rPr lang="en-US" dirty="0"/>
-              <a:t> or a similar simple </a:t>
-            </a:r>
-            <a:r>
-              <a:rPr lang="en-US"/>
-              <a:t>programming language.</a:t>
-            </a:r>
-            <a:endParaRPr lang="en-US" dirty="0"/>
+              <a:t> or a similar simple programming language.</a:t>
+            </a:r>
           </a:p>
         </p:txBody>
       </p:sp>
@@ -14591,7 +14604,7 @@
                   </a:schemeClr>
                 </a:solidFill>
               </a:rPr>
-              <a:t>; f1 is defined in the body of f1</a:t>
+              <a:t>; f1 is available in the body of f1</a:t>
             </a:r>
           </a:p>
           <a:p>
@@ -14623,47 +14636,7 @@
                   </a:schemeClr>
                 </a:solidFill>
               </a:rPr>
-              <a:t>; f1 is defined in the body of f2</a:t>
-            </a:r>
-          </a:p>
-          <a:p>
-            <a:pPr>
-              <a:spcBef>
-                <a:spcPts val="0"/>
-              </a:spcBef>
-            </a:pPr>
-            <a:r>
-              <a:rPr lang="en-US" sz="2400" dirty="0" err="1"/>
-              <a:t>def</a:t>
-            </a:r>
-            <a:r>
-              <a:rPr lang="en-US" sz="2400" dirty="0"/>
-              <a:t> f3 (</a:t>
-            </a:r>
-            <a:r>
-              <a:rPr lang="en-US" sz="2400" dirty="0" err="1"/>
-              <a:t>x,z</a:t>
-            </a:r>
-            <a:r>
-              <a:rPr lang="en-US" sz="2400" dirty="0"/>
-              <a:t>): f1(f2(z,f1)) </a:t>
-            </a:r>
-          </a:p>
-          <a:p>
-            <a:pPr>
-              <a:spcBef>
-                <a:spcPts val="0"/>
-              </a:spcBef>
-            </a:pPr>
-            <a:r>
-              <a:rPr lang="en-US" sz="2400" dirty="0">
-                <a:solidFill>
-                  <a:schemeClr val="bg1">
-                    <a:lumMod val="50000"/>
-                  </a:schemeClr>
-                </a:solidFill>
-              </a:rPr>
-              <a:t>; f1 and f2 are defined in the body of f3</a:t>
+              <a:t>; f1 is available in the body of f2</a:t>
             </a:r>
           </a:p>
           <a:p>
@@ -14681,6 +14654,46 @@
                 </a:solidFill>
               </a:rPr>
               <a:t>; spaces are ignored</a:t>
+            </a:r>
+          </a:p>
+          <a:p>
+            <a:pPr>
+              <a:spcBef>
+                <a:spcPts val="0"/>
+              </a:spcBef>
+            </a:pPr>
+            <a:r>
+              <a:rPr lang="en-US" sz="2400" dirty="0" err="1"/>
+              <a:t>def</a:t>
+            </a:r>
+            <a:r>
+              <a:rPr lang="en-US" sz="2400" dirty="0"/>
+              <a:t> f3 (</a:t>
+            </a:r>
+            <a:r>
+              <a:rPr lang="en-US" sz="2400" dirty="0" err="1"/>
+              <a:t>x,z</a:t>
+            </a:r>
+            <a:r>
+              <a:rPr lang="en-US" sz="2400" dirty="0"/>
+              <a:t>): f1(f2(z,f1)) </a:t>
+            </a:r>
+          </a:p>
+          <a:p>
+            <a:pPr>
+              <a:spcBef>
+                <a:spcPts val="0"/>
+              </a:spcBef>
+            </a:pPr>
+            <a:r>
+              <a:rPr lang="en-US" sz="2400" dirty="0">
+                <a:solidFill>
+                  <a:schemeClr val="bg1">
+                    <a:lumMod val="50000"/>
+                  </a:schemeClr>
+                </a:solidFill>
+              </a:rPr>
+              <a:t>; f1 and f2 are available in the body of f3</a:t>
             </a:r>
           </a:p>
           <a:p>
@@ -15029,7 +15042,7 @@
         <p:spPr/>
         <p:txBody>
           <a:bodyPr>
-            <a:normAutofit fontScale="92500" lnSpcReduction="20000"/>
+            <a:normAutofit fontScale="85000" lnSpcReduction="20000"/>
           </a:bodyPr>
           <a:lstStyle/>
           <a:p>
@@ -15115,13 +15128,28 @@
           <a:p>
             <a:r>
               <a:rPr lang="en-US" dirty="0"/>
-              <a:t>You can pass a function as an argument.</a:t>
-            </a:r>
-          </a:p>
-          <a:p>
+              <a:t>There is no distinction between function names and argument names:</a:t>
+            </a:r>
+          </a:p>
+          <a:p>
+            <a:pPr lvl="1"/>
+            <a:r>
+              <a:rPr lang="en-US" dirty="0"/>
+              <a:t>You can pass a function as an argument,</a:t>
+            </a:r>
+          </a:p>
+          <a:p>
+            <a:pPr lvl="1"/>
             <a:r>
               <a:rPr lang="en-US" dirty="0"/>
               <a:t>You can call an argument as a function.</a:t>
+            </a:r>
+          </a:p>
+          <a:p>
+            <a:pPr lvl="1"/>
+            <a:r>
+              <a:rPr lang="en-US" dirty="0"/>
+              <a:t>You can return a function as the value of a function call.</a:t>
             </a:r>
           </a:p>
           <a:p>
@@ -15679,7 +15707,7 @@
         <p:spPr/>
         <p:txBody>
           <a:bodyPr>
-            <a:normAutofit fontScale="85000" lnSpcReduction="10000"/>
+            <a:normAutofit fontScale="92500" lnSpcReduction="20000"/>
           </a:bodyPr>
           <a:lstStyle/>
           <a:p>
@@ -15702,7 +15730,13 @@
           <a:p>
             <a:r>
               <a:rPr lang="en-US" dirty="0"/>
-              <a:t>;; program-all-defined? : Program -&gt; Bool</a:t>
+              <a:t>;; program-all-defined? </a:t>
+            </a:r>
+          </a:p>
+          <a:p>
+            <a:r>
+              <a:rPr lang="en-US" dirty="0"/>
+              <a:t>;;  : Program -&gt; Bool</a:t>
             </a:r>
           </a:p>
           <a:p>
@@ -15730,7 +15764,7 @@
             </a:r>
             <a:r>
               <a:rPr lang="en-US" dirty="0"/>
-              <a:t> there every variable</a:t>
+              <a:t> every variable</a:t>
             </a:r>
           </a:p>
           <a:p>
